--- a/lci_gist.pptx
+++ b/lci_gist.pptx
@@ -3572,7 +3572,7 @@
             <a:br/>
             <a:r>
               <a:rPr/>
-              <a:t>- Removes bottom 2/3 of stomach - Removes nearby lymph nodes - Reconstruction with small intestine</a:t>
+              <a:t>- Removes bottom 2/3 of stomach - Rarely required for GI Stromal Tumors</a:t>
             </a:r>
           </a:p>
         </p:txBody>
@@ -3885,7 +3885,7 @@
             <a:br/>
             <a:r>
               <a:rPr/>
-              <a:t>- Removes all of the stomach - Reconstruction with small intestine - Needed for those with CDH1 mutations</a:t>
+              <a:t>- Removes all of the stomach - Very rarely required for GI Stromal Tumors</a:t>
             </a:r>
           </a:p>
         </p:txBody>
@@ -4400,7 +4400,7 @@
             <a:pPr lvl="0"/>
             <a:r>
               <a:rPr/>
-              <a:t>Some esophageal cancers can spread inside the abdomen</a:t>
+              <a:t>Some stomach cancers can spread inside the abdomen</a:t>
             </a:r>
           </a:p>
           <a:p>
@@ -4644,30 +4644,21 @@
             <a:pPr lvl="0"/>
             <a:r>
               <a:rPr/>
-              <a:t>Remove lymph nodes (depends upon tumor type)</a:t>
+              <a:t>Grow slowly over time</a:t>
             </a:r>
           </a:p>
           <a:p>
             <a:pPr lvl="0"/>
             <a:r>
               <a:rPr/>
-              <a:t>Preserve stomach function</a:t>
+              <a:t>Lymph nodes rarely involved</a:t>
             </a:r>
           </a:p>
           <a:p>
             <a:pPr lvl="0"/>
             <a:r>
               <a:rPr/>
-              <a:t>Reconstruct GI tract</a:t>
-            </a:r>
-          </a:p>
-          <a:p>
-            <a:pPr lvl="0" indent="0" marL="0">
-              <a:buNone/>
-            </a:pPr>
-            <a:r>
-              <a:rPr b="1"/>
-              <a:t>Treatment options depend upon the cancer stage</a:t>
+              <a:t>Not conventional stomach cancer</a:t>
             </a:r>
           </a:p>
         </p:txBody>
@@ -4824,81 +4815,81 @@
             </a:pPr>
             <a:r>
               <a:rPr b="1"/>
-              <a:t>FLOT</a:t>
+              <a:t>GIST</a:t>
             </a:r>
           </a:p>
           <a:p>
             <a:pPr lvl="0"/>
             <a:r>
               <a:rPr/>
-              <a:t>5-FU</a:t>
+              <a:t>Starts from wall of stomach</a:t>
             </a:r>
           </a:p>
           <a:p>
             <a:pPr lvl="0"/>
             <a:r>
               <a:rPr/>
-              <a:t>Leucovorion</a:t>
+              <a:t>Slow growing</a:t>
             </a:r>
           </a:p>
           <a:p>
             <a:pPr lvl="0"/>
             <a:r>
               <a:rPr/>
-              <a:t>Oxaliplatin</a:t>
+              <a:t>Rarely spreads to lymph nodes</a:t>
+            </a:r>
+          </a:p>
+        </p:txBody>
+      </p:sp>
+      <p:sp>
+        <p:nvSpPr>
+          <p:cNvPr id="4" name="Content Placeholder 3"/>
+          <p:cNvSpPr>
+            <a:spLocks noGrp="1"/>
+          </p:cNvSpPr>
+          <p:nvPr>
+            <p:ph idx="2" sz="half"/>
+          </p:nvPr>
+        </p:nvSpPr>
+        <p:spPr/>
+        <p:txBody>
+          <a:bodyPr/>
+          <a:lstStyle/>
+          <a:p>
+            <a:pPr lvl="0" indent="0" marL="0">
+              <a:buNone/>
+            </a:pPr>
+            <a:r>
+              <a:rPr b="1"/>
+              <a:t>Adenocarcinoma</a:t>
             </a:r>
           </a:p>
           <a:p>
             <a:pPr lvl="0"/>
             <a:r>
               <a:rPr/>
-              <a:t>Taxotere</a:t>
-            </a:r>
-          </a:p>
-        </p:txBody>
-      </p:sp>
-      <p:sp>
-        <p:nvSpPr>
-          <p:cNvPr id="4" name="Content Placeholder 3"/>
-          <p:cNvSpPr>
-            <a:spLocks noGrp="1"/>
-          </p:cNvSpPr>
-          <p:nvPr>
-            <p:ph idx="2" sz="half"/>
-          </p:nvPr>
-        </p:nvSpPr>
-        <p:spPr/>
-        <p:txBody>
-          <a:bodyPr/>
-          <a:lstStyle/>
-          <a:p>
-            <a:pPr lvl="0" indent="0" marL="0">
-              <a:buNone/>
-            </a:pPr>
-            <a:r>
-              <a:rPr b="1"/>
-              <a:t>FOLFOX</a:t>
+              <a:t>Conventional “stomach cancer”</a:t>
             </a:r>
           </a:p>
           <a:p>
             <a:pPr lvl="0"/>
             <a:r>
               <a:rPr/>
-              <a:t>5-FU</a:t>
+              <a:t>Starts from lining of stomach</a:t>
             </a:r>
           </a:p>
           <a:p>
             <a:pPr lvl="0"/>
             <a:r>
               <a:rPr/>
-              <a:t>Leucovorin</a:t>
+              <a:t>Can spread to lymph nodes</a:t>
             </a:r>
           </a:p>
           <a:p>
             <a:pPr lvl="0"/>
             <a:r>
               <a:rPr/>
-              <a:t>Oxaliplatin</a:t>
+              <a:t>More aggressive</a:t>
             </a:r>
           </a:p>
         </p:txBody>
@@ -4945,7 +4936,7 @@
             </a:pPr>
             <a:r>
               <a:rPr/>
-              <a:t>Distal Cancers</a:t>
+              <a:t>Patial Gastrectomy</a:t>
             </a:r>
           </a:p>
         </p:txBody>
@@ -4972,7 +4963,7 @@
             <a:br/>
             <a:r>
               <a:rPr/>
-              <a:t>Distal cancers are those in the lower part of the stomach</a:t>
+              <a:t>GI Stromal Tumor can come in a variety of sizes</a:t>
             </a:r>
           </a:p>
         </p:txBody>
@@ -5075,7 +5066,7 @@
             <a:br/>
             <a:r>
               <a:rPr/>
-              <a:t>- Removes the tumor - Does not remove lymph nodes - Best suited for: - Small adenocarcinoma - GI Stromal Tumors</a:t>
+              <a:t>- Tumor removed from wall - Stomach wall closed - Lymph nodes not removed</a:t>
             </a:r>
           </a:p>
         </p:txBody>
@@ -5259,6 +5250,109 @@
             </a:pPr>
             <a:r>
               <a:rPr/>
+              <a:t>Risks of Partial Gastrectomy</a:t>
+            </a:r>
+          </a:p>
+        </p:txBody>
+      </p:sp>
+      <p:sp>
+        <p:nvSpPr>
+          <p:cNvPr id="3" name="Content Placeholder 2"/>
+          <p:cNvSpPr>
+            <a:spLocks noGrp="1"/>
+          </p:cNvSpPr>
+          <p:nvPr>
+            <p:ph idx="1" sz="half"/>
+          </p:nvPr>
+        </p:nvSpPr>
+        <p:spPr/>
+        <p:txBody>
+          <a:bodyPr/>
+          <a:lstStyle/>
+          <a:p>
+            <a:pPr lvl="0" indent="0" marL="0">
+              <a:buNone/>
+            </a:pPr>
+            <a:br/>
+            <a:r>
+              <a:rPr/>
+              <a:t>- Leakage from closure of wall - Bleeding requiring return to surgery - Delayed stomach emptying</a:t>
+            </a:r>
+          </a:p>
+        </p:txBody>
+      </p:sp>
+      <p:pic>
+        <p:nvPicPr>
+          <p:cNvPr descr="https://deidt7p41jzcy.cloudfront.net/gast_partial.png" id="0" name="Picture 1"/>
+          <p:cNvPicPr>
+            <a:picLocks noGrp="1" noChangeAspect="1"/>
+          </p:cNvPicPr>
+          <p:nvPr/>
+        </p:nvPicPr>
+        <p:blipFill>
+          <a:blip r:embed="rId2"/>
+          <a:stretch>
+            <a:fillRect/>
+          </a:stretch>
+        </p:blipFill>
+        <p:spPr bwMode="auto">
+          <a:xfrm>
+            <a:off x="5359400" y="1193800"/>
+            <a:ext cx="2616200" cy="3390900"/>
+          </a:xfrm>
+          <a:prstGeom prst="rect">
+            <a:avLst/>
+          </a:prstGeom>
+          <a:noFill/>
+          <a:ln w="9525">
+            <a:noFill/>
+            <a:headEnd/>
+            <a:tailEnd/>
+          </a:ln>
+        </p:spPr>
+      </p:pic>
+    </p:spTree>
+  </p:cSld>
+</p:sld>
+</file>
+
+<file path=ppt/slides/slide8.xml><?xml version="1.0" encoding="utf-8"?>
+<p:sld xmlns:a="http://schemas.openxmlformats.org/drawingml/2006/main" xmlns:r="http://schemas.openxmlformats.org/officeDocument/2006/relationships" xmlns:p="http://schemas.openxmlformats.org/presentationml/2006/main">
+  <p:cSld>
+    <p:spTree>
+      <p:nvGrpSpPr>
+        <p:cNvPr id="1" name=""/>
+        <p:cNvGrpSpPr/>
+        <p:nvPr/>
+      </p:nvGrpSpPr>
+      <p:grpSpPr>
+        <a:xfrm>
+          <a:off x="0" y="0"/>
+          <a:ext cx="0" cy="0"/>
+          <a:chOff x="0" y="0"/>
+          <a:chExt cx="0" cy="0"/>
+        </a:xfrm>
+      </p:grpSpPr>
+      <p:sp>
+        <p:nvSpPr>
+          <p:cNvPr id="2" name="Title 1"/>
+          <p:cNvSpPr>
+            <a:spLocks noGrp="1"/>
+          </p:cNvSpPr>
+          <p:nvPr>
+            <p:ph type="title"/>
+          </p:nvPr>
+        </p:nvSpPr>
+        <p:spPr/>
+        <p:txBody>
+          <a:bodyPr/>
+          <a:lstStyle/>
+          <a:p>
+            <a:pPr lvl="0" indent="0" marL="0">
+              <a:buNone/>
+            </a:pPr>
+            <a:r>
+              <a:rPr/>
               <a:t>Distal Gastrectomy</a:t>
             </a:r>
           </a:p>
@@ -5296,14 +5390,7 @@
             <a:pPr lvl="0"/>
             <a:r>
               <a:rPr/>
-              <a:t>Does not remove all lymph nodes</a:t>
-            </a:r>
-          </a:p>
-          <a:p>
-            <a:pPr lvl="0"/>
-            <a:r>
-              <a:rPr/>
-              <a:t>Suitable for small tumors or GIST</a:t>
+              <a:t>Rarely required for GI Stromal Tumors</a:t>
             </a:r>
           </a:p>
         </p:txBody>
@@ -5343,7 +5430,7 @@
 </p:sld>
 </file>
 
-<file path=ppt/slides/slide8.xml><?xml version="1.0" encoding="utf-8"?>
+<file path=ppt/slides/slide9.xml><?xml version="1.0" encoding="utf-8"?>
 <p:sld xmlns:a="http://schemas.openxmlformats.org/drawingml/2006/main" xmlns:r="http://schemas.openxmlformats.org/officeDocument/2006/relationships" xmlns:p="http://schemas.openxmlformats.org/presentationml/2006/main">
   <p:cSld>
     <p:spTree>
@@ -5433,110 +5520,6 @@
           <a:xfrm>
             <a:off x="5156200" y="1193800"/>
             <a:ext cx="3022600" cy="3390900"/>
-          </a:xfrm>
-          <a:prstGeom prst="rect">
-            <a:avLst/>
-          </a:prstGeom>
-          <a:noFill/>
-          <a:ln w="9525">
-            <a:noFill/>
-            <a:headEnd/>
-            <a:tailEnd/>
-          </a:ln>
-        </p:spPr>
-      </p:pic>
-    </p:spTree>
-  </p:cSld>
-</p:sld>
-</file>
-
-<file path=ppt/slides/slide9.xml><?xml version="1.0" encoding="utf-8"?>
-<p:sld xmlns:a="http://schemas.openxmlformats.org/drawingml/2006/main" xmlns:r="http://schemas.openxmlformats.org/officeDocument/2006/relationships" xmlns:p="http://schemas.openxmlformats.org/presentationml/2006/main">
-  <p:cSld>
-    <p:spTree>
-      <p:nvGrpSpPr>
-        <p:cNvPr id="1" name=""/>
-        <p:cNvGrpSpPr/>
-        <p:nvPr/>
-      </p:nvGrpSpPr>
-      <p:grpSpPr>
-        <a:xfrm>
-          <a:off x="0" y="0"/>
-          <a:ext cx="0" cy="0"/>
-          <a:chOff x="0" y="0"/>
-          <a:chExt cx="0" cy="0"/>
-        </a:xfrm>
-      </p:grpSpPr>
-      <p:sp>
-        <p:nvSpPr>
-          <p:cNvPr id="2" name="Title 1"/>
-          <p:cNvSpPr>
-            <a:spLocks noGrp="1"/>
-          </p:cNvSpPr>
-          <p:nvPr>
-            <p:ph type="title"/>
-          </p:nvPr>
-        </p:nvSpPr>
-        <p:spPr/>
-        <p:txBody>
-          <a:bodyPr/>
-          <a:lstStyle/>
-          <a:p>
-            <a:pPr lvl="0" indent="0" marL="0">
-              <a:buNone/>
-            </a:pPr>
-            <a:r>
-              <a:rPr/>
-              <a:t>Body Cancers</a:t>
-            </a:r>
-          </a:p>
-        </p:txBody>
-      </p:sp>
-      <p:sp>
-        <p:nvSpPr>
-          <p:cNvPr id="3" name="Content Placeholder 2"/>
-          <p:cNvSpPr>
-            <a:spLocks noGrp="1"/>
-          </p:cNvSpPr>
-          <p:nvPr>
-            <p:ph idx="1" sz="half"/>
-          </p:nvPr>
-        </p:nvSpPr>
-        <p:spPr/>
-        <p:txBody>
-          <a:bodyPr/>
-          <a:lstStyle/>
-          <a:p>
-            <a:pPr lvl="0" indent="0" marL="0">
-              <a:buNone/>
-            </a:pPr>
-            <a:br/>
-            <a:br/>
-            <a:r>
-              <a:rPr/>
-              <a:t>Body is the mid-portion of the stomach</a:t>
-            </a:r>
-          </a:p>
-        </p:txBody>
-      </p:sp>
-      <p:pic>
-        <p:nvPicPr>
-          <p:cNvPr descr="https://deidt7p41jzcy.cloudfront.net/gast_body.png" id="0" name="Picture 1"/>
-          <p:cNvPicPr>
-            <a:picLocks noGrp="1" noChangeAspect="1"/>
-          </p:cNvPicPr>
-          <p:nvPr/>
-        </p:nvPicPr>
-        <p:blipFill>
-          <a:blip r:embed="rId2"/>
-          <a:stretch>
-            <a:fillRect/>
-          </a:stretch>
-        </p:blipFill>
-        <p:spPr bwMode="auto">
-          <a:xfrm>
-            <a:off x="5359400" y="1193800"/>
-            <a:ext cx="2616200" cy="3390900"/>
           </a:xfrm>
           <a:prstGeom prst="rect">
             <a:avLst/>

--- a/lci_gist.pptx
+++ b/lci_gist.pptx
@@ -25,6 +25,8 @@
     <p:sldId id="273" r:id="rId19"/>
     <p:sldId id="274" r:id="rId20"/>
     <p:sldId id="275" r:id="rId21"/>
+    <p:sldId id="276" r:id="rId22"/>
+    <p:sldId id="277" r:id="rId23"/>
   </p:sldIdLst>
   <p:sldSz cx="9144000" cy="5143500" type="screen16x9"/>
   <p:notesSz cx="6858000" cy="9144000"/>
@@ -3545,6 +3547,226 @@
             </a:pPr>
             <a:r>
               <a:rPr/>
+              <a:t>Distal Gastrectomy</a:t>
+            </a:r>
+          </a:p>
+        </p:txBody>
+      </p:sp>
+      <p:sp>
+        <p:nvSpPr>
+          <p:cNvPr id="3" name="Content Placeholder 2"/>
+          <p:cNvSpPr>
+            <a:spLocks noGrp="1"/>
+          </p:cNvSpPr>
+          <p:nvPr>
+            <p:ph idx="1" sz="half"/>
+          </p:nvPr>
+        </p:nvSpPr>
+        <p:spPr/>
+        <p:txBody>
+          <a:bodyPr/>
+          <a:lstStyle/>
+          <a:p>
+            <a:pPr lvl="0" indent="0" marL="0">
+              <a:buNone/>
+            </a:pPr>
+            <a:br/>
+          </a:p>
+          <a:p>
+            <a:pPr lvl="0"/>
+            <a:r>
+              <a:rPr/>
+              <a:t>Removes bottom half of the stomach</a:t>
+            </a:r>
+          </a:p>
+          <a:p>
+            <a:pPr lvl="0"/>
+            <a:r>
+              <a:rPr/>
+              <a:t>Rarely required for GI Stromal Tumors</a:t>
+            </a:r>
+          </a:p>
+        </p:txBody>
+      </p:sp>
+      <p:pic>
+        <p:nvPicPr>
+          <p:cNvPr descr="https://deidt7p41jzcy.cloudfront.net/gast_distal_gastrectomy.png" id="0" name="Picture 1"/>
+          <p:cNvPicPr>
+            <a:picLocks noGrp="1" noChangeAspect="1"/>
+          </p:cNvPicPr>
+          <p:nvPr/>
+        </p:nvPicPr>
+        <p:blipFill>
+          <a:blip r:embed="rId2"/>
+          <a:stretch>
+            <a:fillRect/>
+          </a:stretch>
+        </p:blipFill>
+        <p:spPr bwMode="auto">
+          <a:xfrm>
+            <a:off x="5156200" y="1193800"/>
+            <a:ext cx="3022600" cy="3390900"/>
+          </a:xfrm>
+          <a:prstGeom prst="rect">
+            <a:avLst/>
+          </a:prstGeom>
+          <a:noFill/>
+          <a:ln w="9525">
+            <a:noFill/>
+            <a:headEnd/>
+            <a:tailEnd/>
+          </a:ln>
+        </p:spPr>
+      </p:pic>
+    </p:spTree>
+  </p:cSld>
+</p:sld>
+</file>
+
+<file path=ppt/slides/slide11.xml><?xml version="1.0" encoding="utf-8"?>
+<p:sld xmlns:a="http://schemas.openxmlformats.org/drawingml/2006/main" xmlns:r="http://schemas.openxmlformats.org/officeDocument/2006/relationships" xmlns:p="http://schemas.openxmlformats.org/presentationml/2006/main">
+  <p:cSld>
+    <p:spTree>
+      <p:nvGrpSpPr>
+        <p:cNvPr id="1" name=""/>
+        <p:cNvGrpSpPr/>
+        <p:nvPr/>
+      </p:nvGrpSpPr>
+      <p:grpSpPr>
+        <a:xfrm>
+          <a:off x="0" y="0"/>
+          <a:ext cx="0" cy="0"/>
+          <a:chOff x="0" y="0"/>
+          <a:chExt cx="0" cy="0"/>
+        </a:xfrm>
+      </p:grpSpPr>
+      <p:sp>
+        <p:nvSpPr>
+          <p:cNvPr id="2" name="Title 1"/>
+          <p:cNvSpPr>
+            <a:spLocks noGrp="1"/>
+          </p:cNvSpPr>
+          <p:nvPr>
+            <p:ph type="title"/>
+          </p:nvPr>
+        </p:nvSpPr>
+        <p:spPr/>
+        <p:txBody>
+          <a:bodyPr/>
+          <a:lstStyle/>
+          <a:p>
+            <a:pPr lvl="0" indent="0" marL="0">
+              <a:buNone/>
+            </a:pPr>
+            <a:r>
+              <a:rPr/>
+              <a:t>Distal Gastrectomy</a:t>
+            </a:r>
+          </a:p>
+        </p:txBody>
+      </p:sp>
+      <p:pic>
+        <p:nvPicPr>
+          <p:cNvPr descr="https://deidt7p41jzcy.cloudfront.net/gast_distal_tumor.png" id="0" name="Picture 1"/>
+          <p:cNvPicPr>
+            <a:picLocks noGrp="1" noChangeAspect="1"/>
+          </p:cNvPicPr>
+          <p:nvPr/>
+        </p:nvPicPr>
+        <p:blipFill>
+          <a:blip r:embed="rId2"/>
+          <a:stretch>
+            <a:fillRect/>
+          </a:stretch>
+        </p:blipFill>
+        <p:spPr bwMode="auto">
+          <a:xfrm>
+            <a:off x="1168400" y="1193800"/>
+            <a:ext cx="2616200" cy="3390900"/>
+          </a:xfrm>
+          <a:prstGeom prst="rect">
+            <a:avLst/>
+          </a:prstGeom>
+          <a:noFill/>
+          <a:ln w="9525">
+            <a:noFill/>
+            <a:headEnd/>
+            <a:tailEnd/>
+          </a:ln>
+        </p:spPr>
+      </p:pic>
+      <p:pic>
+        <p:nvPicPr>
+          <p:cNvPr descr="https://deidt7p41jzcy.cloudfront.net/gast_distal_gastrectomy.png" id="0" name="Picture 1"/>
+          <p:cNvPicPr>
+            <a:picLocks noGrp="1" noChangeAspect="1"/>
+          </p:cNvPicPr>
+          <p:nvPr/>
+        </p:nvPicPr>
+        <p:blipFill>
+          <a:blip r:embed="rId3"/>
+          <a:stretch>
+            <a:fillRect/>
+          </a:stretch>
+        </p:blipFill>
+        <p:spPr bwMode="auto">
+          <a:xfrm>
+            <a:off x="5156200" y="1193800"/>
+            <a:ext cx="3022600" cy="3390900"/>
+          </a:xfrm>
+          <a:prstGeom prst="rect">
+            <a:avLst/>
+          </a:prstGeom>
+          <a:noFill/>
+          <a:ln w="9525">
+            <a:noFill/>
+            <a:headEnd/>
+            <a:tailEnd/>
+          </a:ln>
+        </p:spPr>
+      </p:pic>
+    </p:spTree>
+  </p:cSld>
+</p:sld>
+</file>
+
+<file path=ppt/slides/slide12.xml><?xml version="1.0" encoding="utf-8"?>
+<p:sld xmlns:a="http://schemas.openxmlformats.org/drawingml/2006/main" xmlns:r="http://schemas.openxmlformats.org/officeDocument/2006/relationships" xmlns:p="http://schemas.openxmlformats.org/presentationml/2006/main">
+  <p:cSld>
+    <p:spTree>
+      <p:nvGrpSpPr>
+        <p:cNvPr id="1" name=""/>
+        <p:cNvGrpSpPr/>
+        <p:nvPr/>
+      </p:nvGrpSpPr>
+      <p:grpSpPr>
+        <a:xfrm>
+          <a:off x="0" y="0"/>
+          <a:ext cx="0" cy="0"/>
+          <a:chOff x="0" y="0"/>
+          <a:chExt cx="0" cy="0"/>
+        </a:xfrm>
+      </p:grpSpPr>
+      <p:sp>
+        <p:nvSpPr>
+          <p:cNvPr id="2" name="Title 1"/>
+          <p:cNvSpPr>
+            <a:spLocks noGrp="1"/>
+          </p:cNvSpPr>
+          <p:nvPr>
+            <p:ph type="title"/>
+          </p:nvPr>
+        </p:nvSpPr>
+        <p:spPr/>
+        <p:txBody>
+          <a:bodyPr/>
+          <a:lstStyle/>
+          <a:p>
+            <a:pPr lvl="0" indent="0" marL="0">
+              <a:buNone/>
+            </a:pPr>
+            <a:r>
+              <a:rPr/>
               <a:t>Subtotal Gastrectomy</a:t>
             </a:r>
           </a:p>
@@ -3570,9 +3792,19 @@
             </a:pPr>
             <a:br/>
             <a:br/>
-            <a:r>
-              <a:rPr/>
-              <a:t>- Removes bottom 2/3 of stomach - Rarely required for GI Stromal Tumors</a:t>
+          </a:p>
+          <a:p>
+            <a:pPr lvl="0"/>
+            <a:r>
+              <a:rPr/>
+              <a:t>Removes bottom 2/3 of stomach</a:t>
+            </a:r>
+          </a:p>
+          <a:p>
+            <a:pPr lvl="0"/>
+            <a:r>
+              <a:rPr/>
+              <a:t>Rarely required for GI Stromal Tumors</a:t>
             </a:r>
           </a:p>
         </p:txBody>
@@ -3612,7 +3844,7 @@
 </p:sld>
 </file>
 
-<file path=ppt/slides/slide11.xml><?xml version="1.0" encoding="utf-8"?>
+<file path=ppt/slides/slide13.xml><?xml version="1.0" encoding="utf-8"?>
 <p:sld xmlns:a="http://schemas.openxmlformats.org/drawingml/2006/main" xmlns:r="http://schemas.openxmlformats.org/officeDocument/2006/relationships" xmlns:p="http://schemas.openxmlformats.org/presentationml/2006/main">
   <p:cSld>
     <p:spTree>
@@ -3719,7 +3951,7 @@
 </p:sld>
 </file>
 
-<file path=ppt/slides/slide12.xml><?xml version="1.0" encoding="utf-8"?>
+<file path=ppt/slides/slide14.xml><?xml version="1.0" encoding="utf-8"?>
 <p:sld xmlns:a="http://schemas.openxmlformats.org/drawingml/2006/main" xmlns:r="http://schemas.openxmlformats.org/officeDocument/2006/relationships" xmlns:p="http://schemas.openxmlformats.org/presentationml/2006/main">
   <p:cSld>
     <p:spTree>
@@ -3780,9 +4012,19 @@
               <a:buNone/>
             </a:pPr>
             <a:br/>
-            <a:r>
-              <a:rPr/>
-              <a:t>- Located near the top of the stomach - Challenging area for surgery</a:t>
+          </a:p>
+          <a:p>
+            <a:pPr lvl="0"/>
+            <a:r>
+              <a:rPr/>
+              <a:t>Located near the top of the stomach</a:t>
+            </a:r>
+          </a:p>
+          <a:p>
+            <a:pPr lvl="0"/>
+            <a:r>
+              <a:rPr/>
+              <a:t>Challenging area for surgery</a:t>
             </a:r>
           </a:p>
         </p:txBody>
@@ -3822,7 +4064,7 @@
 </p:sld>
 </file>
 
-<file path=ppt/slides/slide13.xml><?xml version="1.0" encoding="utf-8"?>
+<file path=ppt/slides/slide15.xml><?xml version="1.0" encoding="utf-8"?>
 <p:sld xmlns:a="http://schemas.openxmlformats.org/drawingml/2006/main" xmlns:r="http://schemas.openxmlformats.org/officeDocument/2006/relationships" xmlns:p="http://schemas.openxmlformats.org/presentationml/2006/main">
   <p:cSld>
     <p:spTree>
@@ -3925,7 +4167,7 @@
 </p:sld>
 </file>
 
-<file path=ppt/slides/slide14.xml><?xml version="1.0" encoding="utf-8"?>
+<file path=ppt/slides/slide16.xml><?xml version="1.0" encoding="utf-8"?>
 <p:sld xmlns:a="http://schemas.openxmlformats.org/drawingml/2006/main" xmlns:r="http://schemas.openxmlformats.org/officeDocument/2006/relationships" xmlns:p="http://schemas.openxmlformats.org/presentationml/2006/main">
   <p:cSld>
     <p:spTree>
@@ -4032,7 +4274,7 @@
 </p:sld>
 </file>
 
-<file path=ppt/slides/slide15.xml><?xml version="1.0" encoding="utf-8"?>
+<file path=ppt/slides/slide17.xml><?xml version="1.0" encoding="utf-8"?>
 <p:sld xmlns:a="http://schemas.openxmlformats.org/drawingml/2006/main" xmlns:r="http://schemas.openxmlformats.org/officeDocument/2006/relationships" xmlns:p="http://schemas.openxmlformats.org/presentationml/2006/main">
   <p:cSld>
     <p:spTree>
@@ -4142,7 +4384,7 @@
 </p:sld>
 </file>
 
-<file path=ppt/slides/slide16.xml><?xml version="1.0" encoding="utf-8"?>
+<file path=ppt/slides/slide18.xml><?xml version="1.0" encoding="utf-8"?>
 <p:sld xmlns:a="http://schemas.openxmlformats.org/drawingml/2006/main" xmlns:r="http://schemas.openxmlformats.org/officeDocument/2006/relationships" xmlns:p="http://schemas.openxmlformats.org/presentationml/2006/main">
   <p:cSld>
     <p:spTree>
@@ -4249,7 +4491,7 @@
 </p:sld>
 </file>
 
-<file path=ppt/slides/slide17.xml><?xml version="1.0" encoding="utf-8"?>
+<file path=ppt/slides/slide19.xml><?xml version="1.0" encoding="utf-8"?>
 <p:sld xmlns:a="http://schemas.openxmlformats.org/drawingml/2006/main" xmlns:r="http://schemas.openxmlformats.org/officeDocument/2006/relationships" xmlns:p="http://schemas.openxmlformats.org/presentationml/2006/main">
   <p:cSld>
     <p:spTree>
@@ -4340,7 +4582,98 @@
 </p:sld>
 </file>
 
-<file path=ppt/slides/slide18.xml><?xml version="1.0" encoding="utf-8"?>
+<file path=ppt/slides/slide2.xml><?xml version="1.0" encoding="utf-8"?>
+<p:sld xmlns:a="http://schemas.openxmlformats.org/drawingml/2006/main" xmlns:r="http://schemas.openxmlformats.org/officeDocument/2006/relationships" xmlns:p="http://schemas.openxmlformats.org/presentationml/2006/main">
+  <p:cSld>
+    <p:spTree>
+      <p:nvGrpSpPr>
+        <p:cNvPr id="1" name=""/>
+        <p:cNvGrpSpPr/>
+        <p:nvPr/>
+      </p:nvGrpSpPr>
+      <p:grpSpPr>
+        <a:xfrm>
+          <a:off x="0" y="0"/>
+          <a:ext cx="0" cy="0"/>
+          <a:chOff x="0" y="0"/>
+          <a:chExt cx="0" cy="0"/>
+        </a:xfrm>
+      </p:grpSpPr>
+      <p:sp>
+        <p:nvSpPr>
+          <p:cNvPr id="2" name="Title 1"/>
+          <p:cNvSpPr>
+            <a:spLocks noGrp="1"/>
+          </p:cNvSpPr>
+          <p:nvPr>
+            <p:ph type="title"/>
+          </p:nvPr>
+        </p:nvSpPr>
+        <p:spPr/>
+        <p:txBody>
+          <a:bodyPr/>
+          <a:lstStyle/>
+          <a:p>
+            <a:pPr lvl="0" indent="0" marL="0">
+              <a:buNone/>
+            </a:pPr>
+            <a:r>
+              <a:rPr/>
+              <a:t>GI Stromal Tumors</a:t>
+            </a:r>
+          </a:p>
+        </p:txBody>
+      </p:sp>
+      <p:sp>
+        <p:nvSpPr>
+          <p:cNvPr id="3" name="Content Placeholder 2"/>
+          <p:cNvSpPr>
+            <a:spLocks noGrp="1"/>
+          </p:cNvSpPr>
+          <p:nvPr>
+            <p:ph idx="1"/>
+          </p:nvPr>
+        </p:nvSpPr>
+        <p:spPr/>
+        <p:txBody>
+          <a:bodyPr/>
+          <a:lstStyle/>
+          <a:p>
+            <a:pPr lvl="0"/>
+            <a:r>
+              <a:rPr/>
+              <a:t>Arise from the wall of the stomach</a:t>
+            </a:r>
+          </a:p>
+          <a:p>
+            <a:pPr lvl="0"/>
+            <a:r>
+              <a:rPr/>
+              <a:t>Grow slowly over time</a:t>
+            </a:r>
+          </a:p>
+          <a:p>
+            <a:pPr lvl="0"/>
+            <a:r>
+              <a:rPr/>
+              <a:t>Lymph nodes rarely involved</a:t>
+            </a:r>
+          </a:p>
+          <a:p>
+            <a:pPr lvl="0"/>
+            <a:r>
+              <a:rPr/>
+              <a:t>Not conventional stomach cancer</a:t>
+            </a:r>
+          </a:p>
+        </p:txBody>
+      </p:sp>
+    </p:spTree>
+  </p:cSld>
+</p:sld>
+</file>
+
+<file path=ppt/slides/slide20.xml><?xml version="1.0" encoding="utf-8"?>
 <p:sld xmlns:a="http://schemas.openxmlformats.org/drawingml/2006/main" xmlns:r="http://schemas.openxmlformats.org/officeDocument/2006/relationships" xmlns:p="http://schemas.openxmlformats.org/presentationml/2006/main">
   <p:cSld>
     <p:spTree>
@@ -4454,7 +4787,7 @@
 </p:sld>
 </file>
 
-<file path=ppt/slides/slide19.xml><?xml version="1.0" encoding="utf-8"?>
+<file path=ppt/slides/slide21.xml><?xml version="1.0" encoding="utf-8"?>
 <p:sld xmlns:a="http://schemas.openxmlformats.org/drawingml/2006/main" xmlns:r="http://schemas.openxmlformats.org/officeDocument/2006/relationships" xmlns:p="http://schemas.openxmlformats.org/presentationml/2006/main">
   <p:cSld>
     <p:spTree>
@@ -4577,98 +4910,7 @@
 </p:sld>
 </file>
 
-<file path=ppt/slides/slide2.xml><?xml version="1.0" encoding="utf-8"?>
-<p:sld xmlns:a="http://schemas.openxmlformats.org/drawingml/2006/main" xmlns:r="http://schemas.openxmlformats.org/officeDocument/2006/relationships" xmlns:p="http://schemas.openxmlformats.org/presentationml/2006/main">
-  <p:cSld>
-    <p:spTree>
-      <p:nvGrpSpPr>
-        <p:cNvPr id="1" name=""/>
-        <p:cNvGrpSpPr/>
-        <p:nvPr/>
-      </p:nvGrpSpPr>
-      <p:grpSpPr>
-        <a:xfrm>
-          <a:off x="0" y="0"/>
-          <a:ext cx="0" cy="0"/>
-          <a:chOff x="0" y="0"/>
-          <a:chExt cx="0" cy="0"/>
-        </a:xfrm>
-      </p:grpSpPr>
-      <p:sp>
-        <p:nvSpPr>
-          <p:cNvPr id="2" name="Title 1"/>
-          <p:cNvSpPr>
-            <a:spLocks noGrp="1"/>
-          </p:cNvSpPr>
-          <p:nvPr>
-            <p:ph type="title"/>
-          </p:nvPr>
-        </p:nvSpPr>
-        <p:spPr/>
-        <p:txBody>
-          <a:bodyPr/>
-          <a:lstStyle/>
-          <a:p>
-            <a:pPr lvl="0" indent="0" marL="0">
-              <a:buNone/>
-            </a:pPr>
-            <a:r>
-              <a:rPr/>
-              <a:t>GI Stromal Tumors</a:t>
-            </a:r>
-          </a:p>
-        </p:txBody>
-      </p:sp>
-      <p:sp>
-        <p:nvSpPr>
-          <p:cNvPr id="3" name="Content Placeholder 2"/>
-          <p:cNvSpPr>
-            <a:spLocks noGrp="1"/>
-          </p:cNvSpPr>
-          <p:nvPr>
-            <p:ph idx="1"/>
-          </p:nvPr>
-        </p:nvSpPr>
-        <p:spPr/>
-        <p:txBody>
-          <a:bodyPr/>
-          <a:lstStyle/>
-          <a:p>
-            <a:pPr lvl="0"/>
-            <a:r>
-              <a:rPr/>
-              <a:t>Arise from the wall of the stomach</a:t>
-            </a:r>
-          </a:p>
-          <a:p>
-            <a:pPr lvl="0"/>
-            <a:r>
-              <a:rPr/>
-              <a:t>Grow slowly over time</a:t>
-            </a:r>
-          </a:p>
-          <a:p>
-            <a:pPr lvl="0"/>
-            <a:r>
-              <a:rPr/>
-              <a:t>Lymph nodes rarely involved</a:t>
-            </a:r>
-          </a:p>
-          <a:p>
-            <a:pPr lvl="0"/>
-            <a:r>
-              <a:rPr/>
-              <a:t>Not conventional stomach cancer</a:t>
-            </a:r>
-          </a:p>
-        </p:txBody>
-      </p:sp>
-    </p:spTree>
-  </p:cSld>
-</p:sld>
-</file>
-
-<file path=ppt/slides/slide20.xml><?xml version="1.0" encoding="utf-8"?>
+<file path=ppt/slides/slide22.xml><?xml version="1.0" encoding="utf-8"?>
 <p:sld xmlns:a="http://schemas.openxmlformats.org/drawingml/2006/main" xmlns:r="http://schemas.openxmlformats.org/officeDocument/2006/relationships" xmlns:p="http://schemas.openxmlformats.org/presentationml/2006/main">
   <p:cSld>
     <p:spTree>
@@ -4900,6 +5142,183 @@
 </file>
 
 <file path=ppt/slides/slide4.xml><?xml version="1.0" encoding="utf-8"?>
+<p:sld xmlns:a="http://schemas.openxmlformats.org/drawingml/2006/main" xmlns:r="http://schemas.openxmlformats.org/officeDocument/2006/relationships" xmlns:p="http://schemas.openxmlformats.org/presentationml/2006/main">
+  <p:cSld>
+    <p:spTree>
+      <p:nvGrpSpPr>
+        <p:cNvPr id="1" name=""/>
+        <p:cNvGrpSpPr/>
+        <p:nvPr/>
+      </p:nvGrpSpPr>
+      <p:grpSpPr>
+        <a:xfrm>
+          <a:off x="0" y="0"/>
+          <a:ext cx="0" cy="0"/>
+          <a:chOff x="0" y="0"/>
+          <a:chExt cx="0" cy="0"/>
+        </a:xfrm>
+      </p:grpSpPr>
+      <p:sp>
+        <p:nvSpPr>
+          <p:cNvPr id="2" name="Title 1"/>
+          <p:cNvSpPr>
+            <a:spLocks noGrp="1"/>
+          </p:cNvSpPr>
+          <p:nvPr>
+            <p:ph type="title"/>
+          </p:nvPr>
+        </p:nvSpPr>
+        <p:spPr/>
+        <p:txBody>
+          <a:bodyPr/>
+          <a:lstStyle/>
+          <a:p>
+            <a:pPr lvl="0" indent="0" marL="0">
+              <a:buNone/>
+            </a:pPr>
+            <a:r>
+              <a:rPr/>
+              <a:t>Benign or Malignant?</a:t>
+            </a:r>
+          </a:p>
+        </p:txBody>
+      </p:sp>
+      <p:sp>
+        <p:nvSpPr>
+          <p:cNvPr id="3" name="Content Placeholder 2"/>
+          <p:cNvSpPr>
+            <a:spLocks noGrp="1"/>
+          </p:cNvSpPr>
+          <p:nvPr>
+            <p:ph idx="1"/>
+          </p:nvPr>
+        </p:nvSpPr>
+        <p:spPr/>
+        <p:txBody>
+          <a:bodyPr/>
+          <a:lstStyle/>
+          <a:p>
+            <a:pPr lvl="0" indent="0" marL="0">
+              <a:buNone/>
+            </a:pPr>
+            <a:r>
+              <a:rPr/>
+              <a:t>GIST tumors have a range of behavior:</a:t>
+            </a:r>
+          </a:p>
+          <a:p>
+            <a:pPr lvl="0"/>
+            <a:r>
+              <a:rPr/>
+              <a:t>Small tumors tend to behave in a benign manner but can grow over time</a:t>
+            </a:r>
+          </a:p>
+          <a:p>
+            <a:pPr lvl="0"/>
+            <a:r>
+              <a:rPr/>
+              <a:t>Larger tumors tend to behave in a malignant (cancerous) manner</a:t>
+            </a:r>
+          </a:p>
+        </p:txBody>
+      </p:sp>
+    </p:spTree>
+  </p:cSld>
+</p:sld>
+</file>
+
+<file path=ppt/slides/slide5.xml><?xml version="1.0" encoding="utf-8"?>
+<p:sld xmlns:a="http://schemas.openxmlformats.org/drawingml/2006/main" xmlns:r="http://schemas.openxmlformats.org/officeDocument/2006/relationships" xmlns:p="http://schemas.openxmlformats.org/presentationml/2006/main">
+  <p:cSld>
+    <p:spTree>
+      <p:nvGrpSpPr>
+        <p:cNvPr id="1" name=""/>
+        <p:cNvGrpSpPr/>
+        <p:nvPr/>
+      </p:nvGrpSpPr>
+      <p:grpSpPr>
+        <a:xfrm>
+          <a:off x="0" y="0"/>
+          <a:ext cx="0" cy="0"/>
+          <a:chOff x="0" y="0"/>
+          <a:chExt cx="0" cy="0"/>
+        </a:xfrm>
+      </p:grpSpPr>
+      <p:sp>
+        <p:nvSpPr>
+          <p:cNvPr id="2" name="Title 1"/>
+          <p:cNvSpPr>
+            <a:spLocks noGrp="1"/>
+          </p:cNvSpPr>
+          <p:nvPr>
+            <p:ph type="title"/>
+          </p:nvPr>
+        </p:nvSpPr>
+        <p:spPr/>
+        <p:txBody>
+          <a:bodyPr/>
+          <a:lstStyle/>
+          <a:p>
+            <a:pPr lvl="0" indent="0" marL="0">
+              <a:buNone/>
+            </a:pPr>
+            <a:r>
+              <a:rPr/>
+              <a:t>GIST Treatment</a:t>
+            </a:r>
+          </a:p>
+        </p:txBody>
+      </p:sp>
+      <p:sp>
+        <p:nvSpPr>
+          <p:cNvPr id="3" name="Content Placeholder 2"/>
+          <p:cNvSpPr>
+            <a:spLocks noGrp="1"/>
+          </p:cNvSpPr>
+          <p:nvPr>
+            <p:ph idx="1"/>
+          </p:nvPr>
+        </p:nvSpPr>
+        <p:spPr/>
+        <p:txBody>
+          <a:bodyPr/>
+          <a:lstStyle/>
+          <a:p>
+            <a:pPr lvl="0"/>
+            <a:r>
+              <a:rPr/>
+              <a:t>Initial treatment usually surgery</a:t>
+            </a:r>
+          </a:p>
+          <a:p>
+            <a:pPr lvl="0"/>
+            <a:r>
+              <a:rPr/>
+              <a:t>Gleevec pills after surgery for patients at high risk of recurrence</a:t>
+            </a:r>
+          </a:p>
+          <a:p>
+            <a:pPr lvl="1"/>
+            <a:r>
+              <a:rPr/>
+              <a:t>1 to 3 years depending upon risk</a:t>
+            </a:r>
+          </a:p>
+          <a:p>
+            <a:pPr lvl="0"/>
+            <a:r>
+              <a:rPr/>
+              <a:t>Large tumors treated with Gleevec before surgery</a:t>
+            </a:r>
+          </a:p>
+        </p:txBody>
+      </p:sp>
+    </p:spTree>
+  </p:cSld>
+</p:sld>
+</file>
+
+<file path=ppt/slides/slide6.xml><?xml version="1.0" encoding="utf-8"?>
 <p:sld xmlns:a="http://schemas.openxmlformats.org/drawingml/2006/main" xmlns:r="http://schemas.openxmlformats.org/officeDocument/2006/relationships" xmlns:p="http://schemas.openxmlformats.org/presentationml/2006/main">
   <p:cSld>
     <p:spTree>
@@ -5003,7 +5422,7 @@
 </p:sld>
 </file>
 
-<file path=ppt/slides/slide5.xml><?xml version="1.0" encoding="utf-8"?>
+<file path=ppt/slides/slide7.xml><?xml version="1.0" encoding="utf-8"?>
 <p:sld xmlns:a="http://schemas.openxmlformats.org/drawingml/2006/main" xmlns:r="http://schemas.openxmlformats.org/officeDocument/2006/relationships" xmlns:p="http://schemas.openxmlformats.org/presentationml/2006/main">
   <p:cSld>
     <p:spTree>
@@ -5106,7 +5525,7 @@
 </p:sld>
 </file>
 
-<file path=ppt/slides/slide6.xml><?xml version="1.0" encoding="utf-8"?>
+<file path=ppt/slides/slide8.xml><?xml version="1.0" encoding="utf-8"?>
 <p:sld xmlns:a="http://schemas.openxmlformats.org/drawingml/2006/main" xmlns:r="http://schemas.openxmlformats.org/officeDocument/2006/relationships" xmlns:p="http://schemas.openxmlformats.org/presentationml/2006/main">
   <p:cSld>
     <p:spTree>
@@ -5213,7 +5632,7 @@
 </p:sld>
 </file>
 
-<file path=ppt/slides/slide7.xml><?xml version="1.0" encoding="utf-8"?>
+<file path=ppt/slides/slide9.xml><?xml version="1.0" encoding="utf-8"?>
 <p:sld xmlns:a="http://schemas.openxmlformats.org/drawingml/2006/main" xmlns:r="http://schemas.openxmlformats.org/officeDocument/2006/relationships" xmlns:p="http://schemas.openxmlformats.org/presentationml/2006/main">
   <p:cSld>
     <p:spTree>
@@ -5274,9 +5693,26 @@
               <a:buNone/>
             </a:pPr>
             <a:br/>
-            <a:r>
-              <a:rPr/>
-              <a:t>- Leakage from closure of wall - Bleeding requiring return to surgery - Delayed stomach emptying</a:t>
+          </a:p>
+          <a:p>
+            <a:pPr lvl="0"/>
+            <a:r>
+              <a:rPr/>
+              <a:t>Leakage from closure of wall</a:t>
+            </a:r>
+          </a:p>
+          <a:p>
+            <a:pPr lvl="0"/>
+            <a:r>
+              <a:rPr/>
+              <a:t>Bleeding requiring return to surgery</a:t>
+            </a:r>
+          </a:p>
+          <a:p>
+            <a:pPr lvl="0"/>
+            <a:r>
+              <a:rPr/>
+              <a:t>Delayed stomach emptying</a:t>
             </a:r>
           </a:p>
         </p:txBody>
@@ -5299,227 +5735,6 @@
           <a:xfrm>
             <a:off x="5359400" y="1193800"/>
             <a:ext cx="2616200" cy="3390900"/>
-          </a:xfrm>
-          <a:prstGeom prst="rect">
-            <a:avLst/>
-          </a:prstGeom>
-          <a:noFill/>
-          <a:ln w="9525">
-            <a:noFill/>
-            <a:headEnd/>
-            <a:tailEnd/>
-          </a:ln>
-        </p:spPr>
-      </p:pic>
-    </p:spTree>
-  </p:cSld>
-</p:sld>
-</file>
-
-<file path=ppt/slides/slide8.xml><?xml version="1.0" encoding="utf-8"?>
-<p:sld xmlns:a="http://schemas.openxmlformats.org/drawingml/2006/main" xmlns:r="http://schemas.openxmlformats.org/officeDocument/2006/relationships" xmlns:p="http://schemas.openxmlformats.org/presentationml/2006/main">
-  <p:cSld>
-    <p:spTree>
-      <p:nvGrpSpPr>
-        <p:cNvPr id="1" name=""/>
-        <p:cNvGrpSpPr/>
-        <p:nvPr/>
-      </p:nvGrpSpPr>
-      <p:grpSpPr>
-        <a:xfrm>
-          <a:off x="0" y="0"/>
-          <a:ext cx="0" cy="0"/>
-          <a:chOff x="0" y="0"/>
-          <a:chExt cx="0" cy="0"/>
-        </a:xfrm>
-      </p:grpSpPr>
-      <p:sp>
-        <p:nvSpPr>
-          <p:cNvPr id="2" name="Title 1"/>
-          <p:cNvSpPr>
-            <a:spLocks noGrp="1"/>
-          </p:cNvSpPr>
-          <p:nvPr>
-            <p:ph type="title"/>
-          </p:nvPr>
-        </p:nvSpPr>
-        <p:spPr/>
-        <p:txBody>
-          <a:bodyPr/>
-          <a:lstStyle/>
-          <a:p>
-            <a:pPr lvl="0" indent="0" marL="0">
-              <a:buNone/>
-            </a:pPr>
-            <a:r>
-              <a:rPr/>
-              <a:t>Distal Gastrectomy</a:t>
-            </a:r>
-          </a:p>
-        </p:txBody>
-      </p:sp>
-      <p:sp>
-        <p:nvSpPr>
-          <p:cNvPr id="3" name="Content Placeholder 2"/>
-          <p:cNvSpPr>
-            <a:spLocks noGrp="1"/>
-          </p:cNvSpPr>
-          <p:nvPr>
-            <p:ph idx="1" sz="half"/>
-          </p:nvPr>
-        </p:nvSpPr>
-        <p:spPr/>
-        <p:txBody>
-          <a:bodyPr/>
-          <a:lstStyle/>
-          <a:p>
-            <a:pPr lvl="0" indent="0" marL="0">
-              <a:buNone/>
-            </a:pPr>
-            <a:br/>
-            <a:br/>
-          </a:p>
-          <a:p>
-            <a:pPr lvl="0"/>
-            <a:r>
-              <a:rPr/>
-              <a:t>Removes bottom half of the stomach</a:t>
-            </a:r>
-          </a:p>
-          <a:p>
-            <a:pPr lvl="0"/>
-            <a:r>
-              <a:rPr/>
-              <a:t>Rarely required for GI Stromal Tumors</a:t>
-            </a:r>
-          </a:p>
-        </p:txBody>
-      </p:sp>
-      <p:pic>
-        <p:nvPicPr>
-          <p:cNvPr descr="https://deidt7p41jzcy.cloudfront.net/gast_distal_gastrectomy.png" id="0" name="Picture 1"/>
-          <p:cNvPicPr>
-            <a:picLocks noGrp="1" noChangeAspect="1"/>
-          </p:cNvPicPr>
-          <p:nvPr/>
-        </p:nvPicPr>
-        <p:blipFill>
-          <a:blip r:embed="rId2"/>
-          <a:stretch>
-            <a:fillRect/>
-          </a:stretch>
-        </p:blipFill>
-        <p:spPr bwMode="auto">
-          <a:xfrm>
-            <a:off x="5156200" y="1193800"/>
-            <a:ext cx="3022600" cy="3390900"/>
-          </a:xfrm>
-          <a:prstGeom prst="rect">
-            <a:avLst/>
-          </a:prstGeom>
-          <a:noFill/>
-          <a:ln w="9525">
-            <a:noFill/>
-            <a:headEnd/>
-            <a:tailEnd/>
-          </a:ln>
-        </p:spPr>
-      </p:pic>
-    </p:spTree>
-  </p:cSld>
-</p:sld>
-</file>
-
-<file path=ppt/slides/slide9.xml><?xml version="1.0" encoding="utf-8"?>
-<p:sld xmlns:a="http://schemas.openxmlformats.org/drawingml/2006/main" xmlns:r="http://schemas.openxmlformats.org/officeDocument/2006/relationships" xmlns:p="http://schemas.openxmlformats.org/presentationml/2006/main">
-  <p:cSld>
-    <p:spTree>
-      <p:nvGrpSpPr>
-        <p:cNvPr id="1" name=""/>
-        <p:cNvGrpSpPr/>
-        <p:nvPr/>
-      </p:nvGrpSpPr>
-      <p:grpSpPr>
-        <a:xfrm>
-          <a:off x="0" y="0"/>
-          <a:ext cx="0" cy="0"/>
-          <a:chOff x="0" y="0"/>
-          <a:chExt cx="0" cy="0"/>
-        </a:xfrm>
-      </p:grpSpPr>
-      <p:sp>
-        <p:nvSpPr>
-          <p:cNvPr id="2" name="Title 1"/>
-          <p:cNvSpPr>
-            <a:spLocks noGrp="1"/>
-          </p:cNvSpPr>
-          <p:nvPr>
-            <p:ph type="title"/>
-          </p:nvPr>
-        </p:nvSpPr>
-        <p:spPr/>
-        <p:txBody>
-          <a:bodyPr/>
-          <a:lstStyle/>
-          <a:p>
-            <a:pPr lvl="0" indent="0" marL="0">
-              <a:buNone/>
-            </a:pPr>
-            <a:r>
-              <a:rPr/>
-              <a:t>Distal Gastrectomy</a:t>
-            </a:r>
-          </a:p>
-        </p:txBody>
-      </p:sp>
-      <p:pic>
-        <p:nvPicPr>
-          <p:cNvPr descr="https://deidt7p41jzcy.cloudfront.net/gast_distal_tumor.png" id="0" name="Picture 1"/>
-          <p:cNvPicPr>
-            <a:picLocks noGrp="1" noChangeAspect="1"/>
-          </p:cNvPicPr>
-          <p:nvPr/>
-        </p:nvPicPr>
-        <p:blipFill>
-          <a:blip r:embed="rId2"/>
-          <a:stretch>
-            <a:fillRect/>
-          </a:stretch>
-        </p:blipFill>
-        <p:spPr bwMode="auto">
-          <a:xfrm>
-            <a:off x="1168400" y="1193800"/>
-            <a:ext cx="2616200" cy="3390900"/>
-          </a:xfrm>
-          <a:prstGeom prst="rect">
-            <a:avLst/>
-          </a:prstGeom>
-          <a:noFill/>
-          <a:ln w="9525">
-            <a:noFill/>
-            <a:headEnd/>
-            <a:tailEnd/>
-          </a:ln>
-        </p:spPr>
-      </p:pic>
-      <p:pic>
-        <p:nvPicPr>
-          <p:cNvPr descr="https://deidt7p41jzcy.cloudfront.net/gast_distal_gastrectomy.png" id="0" name="Picture 1"/>
-          <p:cNvPicPr>
-            <a:picLocks noGrp="1" noChangeAspect="1"/>
-          </p:cNvPicPr>
-          <p:nvPr/>
-        </p:nvPicPr>
-        <p:blipFill>
-          <a:blip r:embed="rId3"/>
-          <a:stretch>
-            <a:fillRect/>
-          </a:stretch>
-        </p:blipFill>
-        <p:spPr bwMode="auto">
-          <a:xfrm>
-            <a:off x="5156200" y="1193800"/>
-            <a:ext cx="3022600" cy="3390900"/>
           </a:xfrm>
           <a:prstGeom prst="rect">
             <a:avLst/>

--- a/lci_gist.pptx
+++ b/lci_gist.pptx
@@ -27,6 +27,19 @@
     <p:sldId id="275" r:id="rId21"/>
     <p:sldId id="276" r:id="rId22"/>
     <p:sldId id="277" r:id="rId23"/>
+    <p:sldId id="278" r:id="rId24"/>
+    <p:sldId id="279" r:id="rId25"/>
+    <p:sldId id="280" r:id="rId26"/>
+    <p:sldId id="281" r:id="rId27"/>
+    <p:sldId id="282" r:id="rId28"/>
+    <p:sldId id="283" r:id="rId29"/>
+    <p:sldId id="284" r:id="rId30"/>
+    <p:sldId id="285" r:id="rId31"/>
+    <p:sldId id="286" r:id="rId32"/>
+    <p:sldId id="287" r:id="rId33"/>
+    <p:sldId id="288" r:id="rId34"/>
+    <p:sldId id="289" r:id="rId35"/>
+    <p:sldId id="290" r:id="rId36"/>
   </p:sldIdLst>
   <p:sldSz cx="9144000" cy="5143500" type="screen16x9"/>
   <p:notesSz cx="6858000" cy="9144000"/>
@@ -4947,7 +4960,7 @@
             </a:pPr>
             <a:r>
               <a:rPr/>
-              <a:t>Other Presentations</a:t>
+              <a:t>Preparing for Cancer Treatment</a:t>
             </a:r>
           </a:p>
         </p:txBody>
@@ -4967,25 +4980,514 @@
           <a:bodyPr/>
           <a:lstStyle/>
           <a:p>
+            <a:pPr lvl="0"/>
+            <a:r>
+              <a:rPr/>
+              <a:t>Primary Care Physician</a:t>
+            </a:r>
+          </a:p>
+          <a:p>
+            <a:pPr lvl="0"/>
+            <a:r>
+              <a:rPr/>
+              <a:t>MyAtrium Portal</a:t>
+            </a:r>
+          </a:p>
+          <a:p>
+            <a:pPr lvl="0"/>
+            <a:r>
+              <a:rPr/>
+              <a:t>Exercise</a:t>
+            </a:r>
+          </a:p>
+          <a:p>
+            <a:pPr lvl="0"/>
+            <a:r>
+              <a:rPr/>
+              <a:t>Smoking Cessation</a:t>
+            </a:r>
+          </a:p>
+          <a:p>
+            <a:pPr lvl="0"/>
+            <a:r>
+              <a:rPr/>
+              <a:t>Nutrition</a:t>
+            </a:r>
+          </a:p>
+        </p:txBody>
+      </p:sp>
+    </p:spTree>
+  </p:cSld>
+</p:sld>
+</file>
+
+<file path=ppt/slides/slide23.xml><?xml version="1.0" encoding="utf-8"?>
+<p:sld xmlns:a="http://schemas.openxmlformats.org/drawingml/2006/main" xmlns:r="http://schemas.openxmlformats.org/officeDocument/2006/relationships" xmlns:p="http://schemas.openxmlformats.org/presentationml/2006/main">
+  <p:cSld>
+    <p:spTree>
+      <p:nvGrpSpPr>
+        <p:cNvPr id="1" name=""/>
+        <p:cNvGrpSpPr/>
+        <p:nvPr/>
+      </p:nvGrpSpPr>
+      <p:grpSpPr>
+        <a:xfrm>
+          <a:off x="0" y="0"/>
+          <a:ext cx="0" cy="0"/>
+          <a:chOff x="0" y="0"/>
+          <a:chExt cx="0" cy="0"/>
+        </a:xfrm>
+      </p:grpSpPr>
+      <p:sp>
+        <p:nvSpPr>
+          <p:cNvPr id="2" name="Title 1"/>
+          <p:cNvSpPr>
+            <a:spLocks noGrp="1"/>
+          </p:cNvSpPr>
+          <p:nvPr>
+            <p:ph type="title"/>
+          </p:nvPr>
+        </p:nvSpPr>
+        <p:spPr/>
+        <p:txBody>
+          <a:bodyPr/>
+          <a:lstStyle/>
+          <a:p>
             <a:pPr lvl="0" indent="0" marL="0">
               <a:buNone/>
             </a:pPr>
             <a:r>
-              <a:rPr>
-                <a:hlinkClick r:id="rId2"/>
-              </a:rPr>
-              <a:t>Nutrition Slideshow</a:t>
-            </a:r>
-          </a:p>
+              <a:rPr/>
+              <a:t>Primary Care Physician</a:t>
+            </a:r>
+          </a:p>
+        </p:txBody>
+      </p:sp>
+    </p:spTree>
+  </p:cSld>
+</p:sld>
+</file>
+
+<file path=ppt/slides/slide24.xml><?xml version="1.0" encoding="utf-8"?>
+<p:sld xmlns:a="http://schemas.openxmlformats.org/drawingml/2006/main" xmlns:r="http://schemas.openxmlformats.org/officeDocument/2006/relationships" xmlns:p="http://schemas.openxmlformats.org/presentationml/2006/main">
+  <p:cSld>
+    <p:spTree>
+      <p:nvGrpSpPr>
+        <p:cNvPr id="1" name=""/>
+        <p:cNvGrpSpPr/>
+        <p:nvPr/>
+      </p:nvGrpSpPr>
+      <p:grpSpPr>
+        <a:xfrm>
+          <a:off x="0" y="0"/>
+          <a:ext cx="0" cy="0"/>
+          <a:chOff x="0" y="0"/>
+          <a:chExt cx="0" cy="0"/>
+        </a:xfrm>
+      </p:grpSpPr>
+      <p:sp>
+        <p:nvSpPr>
+          <p:cNvPr id="2" name="Title 1"/>
+          <p:cNvSpPr>
+            <a:spLocks noGrp="1"/>
+          </p:cNvSpPr>
+          <p:nvPr>
+            <p:ph type="title"/>
+          </p:nvPr>
+        </p:nvSpPr>
+        <p:spPr/>
+        <p:txBody>
+          <a:bodyPr/>
+          <a:lstStyle/>
           <a:p>
             <a:pPr lvl="0" indent="0" marL="0">
               <a:buNone/>
             </a:pPr>
             <a:r>
-              <a:rPr>
-                <a:hlinkClick r:id="rId3"/>
-              </a:rPr>
-              <a:t>Gastrectomy Slideshow</a:t>
+              <a:rPr/>
+              <a:t>My Atrium Patient Portal</a:t>
+            </a:r>
+          </a:p>
+        </p:txBody>
+      </p:sp>
+    </p:spTree>
+  </p:cSld>
+</p:sld>
+</file>
+
+<file path=ppt/slides/slide25.xml><?xml version="1.0" encoding="utf-8"?>
+<p:sld xmlns:a="http://schemas.openxmlformats.org/drawingml/2006/main" xmlns:r="http://schemas.openxmlformats.org/officeDocument/2006/relationships" xmlns:p="http://schemas.openxmlformats.org/presentationml/2006/main">
+  <p:cSld>
+    <p:spTree>
+      <p:nvGrpSpPr>
+        <p:cNvPr id="1" name=""/>
+        <p:cNvGrpSpPr/>
+        <p:nvPr/>
+      </p:nvGrpSpPr>
+      <p:grpSpPr>
+        <a:xfrm>
+          <a:off x="0" y="0"/>
+          <a:ext cx="0" cy="0"/>
+          <a:chOff x="0" y="0"/>
+          <a:chExt cx="0" cy="0"/>
+        </a:xfrm>
+      </p:grpSpPr>
+      <p:sp>
+        <p:nvSpPr>
+          <p:cNvPr id="2" name="Title 1"/>
+          <p:cNvSpPr>
+            <a:spLocks noGrp="1"/>
+          </p:cNvSpPr>
+          <p:nvPr>
+            <p:ph type="title"/>
+          </p:nvPr>
+        </p:nvSpPr>
+        <p:spPr/>
+        <p:txBody>
+          <a:bodyPr/>
+          <a:lstStyle/>
+          <a:p>
+            <a:pPr lvl="0" indent="0" marL="0">
+              <a:buNone/>
+            </a:pPr>
+            <a:r>
+              <a:rPr/>
+              <a:t>Exercise</a:t>
+            </a:r>
+          </a:p>
+        </p:txBody>
+      </p:sp>
+    </p:spTree>
+  </p:cSld>
+</p:sld>
+</file>
+
+<file path=ppt/slides/slide26.xml><?xml version="1.0" encoding="utf-8"?>
+<p:sld xmlns:a="http://schemas.openxmlformats.org/drawingml/2006/main" xmlns:r="http://schemas.openxmlformats.org/officeDocument/2006/relationships" xmlns:p="http://schemas.openxmlformats.org/presentationml/2006/main">
+  <p:cSld>
+    <p:spTree>
+      <p:nvGrpSpPr>
+        <p:cNvPr id="1" name=""/>
+        <p:cNvGrpSpPr/>
+        <p:nvPr/>
+      </p:nvGrpSpPr>
+      <p:grpSpPr>
+        <a:xfrm>
+          <a:off x="0" y="0"/>
+          <a:ext cx="0" cy="0"/>
+          <a:chOff x="0" y="0"/>
+          <a:chExt cx="0" cy="0"/>
+        </a:xfrm>
+      </p:grpSpPr>
+      <p:sp>
+        <p:nvSpPr>
+          <p:cNvPr id="2" name="Title 1"/>
+          <p:cNvSpPr>
+            <a:spLocks noGrp="1"/>
+          </p:cNvSpPr>
+          <p:nvPr>
+            <p:ph type="title"/>
+          </p:nvPr>
+        </p:nvSpPr>
+        <p:spPr/>
+        <p:txBody>
+          <a:bodyPr/>
+          <a:lstStyle/>
+          <a:p>
+            <a:pPr lvl="0" indent="0" marL="0">
+              <a:buNone/>
+            </a:pPr>
+            <a:r>
+              <a:rPr/>
+              <a:t>Smoking Cessation</a:t>
+            </a:r>
+          </a:p>
+        </p:txBody>
+      </p:sp>
+    </p:spTree>
+  </p:cSld>
+</p:sld>
+</file>
+
+<file path=ppt/slides/slide27.xml><?xml version="1.0" encoding="utf-8"?>
+<p:sld xmlns:a="http://schemas.openxmlformats.org/drawingml/2006/main" xmlns:r="http://schemas.openxmlformats.org/officeDocument/2006/relationships" xmlns:p="http://schemas.openxmlformats.org/presentationml/2006/main">
+  <p:cSld>
+    <p:spTree>
+      <p:nvGrpSpPr>
+        <p:cNvPr id="1" name=""/>
+        <p:cNvGrpSpPr/>
+        <p:nvPr/>
+      </p:nvGrpSpPr>
+      <p:grpSpPr>
+        <a:xfrm>
+          <a:off x="0" y="0"/>
+          <a:ext cx="0" cy="0"/>
+          <a:chOff x="0" y="0"/>
+          <a:chExt cx="0" cy="0"/>
+        </a:xfrm>
+      </p:grpSpPr>
+      <p:sp>
+        <p:nvSpPr>
+          <p:cNvPr id="2" name="Title 1"/>
+          <p:cNvSpPr>
+            <a:spLocks noGrp="1"/>
+          </p:cNvSpPr>
+          <p:nvPr>
+            <p:ph type="title"/>
+          </p:nvPr>
+        </p:nvSpPr>
+        <p:spPr/>
+        <p:txBody>
+          <a:bodyPr/>
+          <a:lstStyle/>
+          <a:p>
+            <a:pPr lvl="0" indent="0" marL="0">
+              <a:buNone/>
+            </a:pPr>
+            <a:r>
+              <a:rPr/>
+              <a:t>GI Tract Anatomy</a:t>
+            </a:r>
+          </a:p>
+        </p:txBody>
+      </p:sp>
+      <p:sp>
+        <p:nvSpPr>
+          <p:cNvPr id="3" name="Content Placeholder 2"/>
+          <p:cNvSpPr>
+            <a:spLocks noGrp="1"/>
+          </p:cNvSpPr>
+          <p:nvPr>
+            <p:ph idx="1" sz="half"/>
+          </p:nvPr>
+        </p:nvSpPr>
+        <p:spPr/>
+        <p:txBody>
+          <a:bodyPr/>
+          <a:lstStyle/>
+          <a:p>
+            <a:pPr lvl="0"/>
+            <a:r>
+              <a:rPr/>
+              <a:t>Esophagus delivers food to the stomach</a:t>
+            </a:r>
+          </a:p>
+          <a:p>
+            <a:pPr lvl="0"/>
+            <a:r>
+              <a:rPr/>
+              <a:t>Stomach stores food and delivers it in small quantities to the jejunum</a:t>
+            </a:r>
+          </a:p>
+          <a:p>
+            <a:pPr lvl="0"/>
+            <a:r>
+              <a:rPr/>
+              <a:t>Jejunum begins digestion in the small intestines</a:t>
+            </a:r>
+          </a:p>
+        </p:txBody>
+      </p:sp>
+      <p:pic>
+        <p:nvPicPr>
+          <p:cNvPr descr="https://deidt7p41jzcy.cloudfront.net/Eso_Anatomy_Labels.png" id="0" name="Picture 1"/>
+          <p:cNvPicPr>
+            <a:picLocks noGrp="1" noChangeAspect="1"/>
+          </p:cNvPicPr>
+          <p:nvPr/>
+        </p:nvPicPr>
+        <p:blipFill>
+          <a:blip r:embed="rId2"/>
+          <a:stretch>
+            <a:fillRect/>
+          </a:stretch>
+        </p:blipFill>
+        <p:spPr bwMode="auto">
+          <a:xfrm>
+            <a:off x="5016500" y="1193800"/>
+            <a:ext cx="3302000" cy="3390900"/>
+          </a:xfrm>
+          <a:prstGeom prst="rect">
+            <a:avLst/>
+          </a:prstGeom>
+          <a:noFill/>
+          <a:ln w="9525">
+            <a:noFill/>
+            <a:headEnd/>
+            <a:tailEnd/>
+          </a:ln>
+        </p:spPr>
+      </p:pic>
+    </p:spTree>
+  </p:cSld>
+</p:sld>
+</file>
+
+<file path=ppt/slides/slide28.xml><?xml version="1.0" encoding="utf-8"?>
+<p:sld xmlns:a="http://schemas.openxmlformats.org/drawingml/2006/main" xmlns:r="http://schemas.openxmlformats.org/officeDocument/2006/relationships" xmlns:p="http://schemas.openxmlformats.org/presentationml/2006/main">
+  <p:cSld>
+    <p:spTree>
+      <p:nvGrpSpPr>
+        <p:cNvPr id="1" name=""/>
+        <p:cNvGrpSpPr/>
+        <p:nvPr/>
+      </p:nvGrpSpPr>
+      <p:grpSpPr>
+        <a:xfrm>
+          <a:off x="0" y="0"/>
+          <a:ext cx="0" cy="0"/>
+          <a:chOff x="0" y="0"/>
+          <a:chExt cx="0" cy="0"/>
+        </a:xfrm>
+      </p:grpSpPr>
+      <p:sp>
+        <p:nvSpPr>
+          <p:cNvPr id="2" name="Title 1"/>
+          <p:cNvSpPr>
+            <a:spLocks noGrp="1"/>
+          </p:cNvSpPr>
+          <p:nvPr>
+            <p:ph type="title"/>
+          </p:nvPr>
+        </p:nvSpPr>
+        <p:spPr/>
+        <p:txBody>
+          <a:bodyPr/>
+          <a:lstStyle/>
+          <a:p>
+            <a:pPr lvl="0" indent="0" marL="0">
+              <a:buNone/>
+            </a:pPr>
+            <a:r>
+              <a:rPr/>
+              <a:t>Protein Needs</a:t>
+            </a:r>
+          </a:p>
+        </p:txBody>
+      </p:sp>
+      <p:sp>
+        <p:nvSpPr>
+          <p:cNvPr id="3" name="Content Placeholder 2"/>
+          <p:cNvSpPr>
+            <a:spLocks noGrp="1"/>
+          </p:cNvSpPr>
+          <p:nvPr>
+            <p:ph idx="1"/>
+          </p:nvPr>
+        </p:nvSpPr>
+        <p:spPr/>
+        <p:txBody>
+          <a:bodyPr/>
+          <a:lstStyle/>
+          <a:p>
+            <a:pPr lvl="0"/>
+            <a:r>
+              <a:rPr/>
+              <a:t>Men: Average 75 grams/day</a:t>
+            </a:r>
+          </a:p>
+          <a:p>
+            <a:pPr lvl="0"/>
+            <a:r>
+              <a:rPr/>
+              <a:t>Women: Average 60 grams/day</a:t>
+            </a:r>
+          </a:p>
+        </p:txBody>
+      </p:sp>
+    </p:spTree>
+  </p:cSld>
+</p:sld>
+</file>
+
+<file path=ppt/slides/slide29.xml><?xml version="1.0" encoding="utf-8"?>
+<p:sld xmlns:a="http://schemas.openxmlformats.org/drawingml/2006/main" xmlns:r="http://schemas.openxmlformats.org/officeDocument/2006/relationships" xmlns:p="http://schemas.openxmlformats.org/presentationml/2006/main">
+  <p:cSld>
+    <p:spTree>
+      <p:nvGrpSpPr>
+        <p:cNvPr id="1" name=""/>
+        <p:cNvGrpSpPr/>
+        <p:nvPr/>
+      </p:nvGrpSpPr>
+      <p:grpSpPr>
+        <a:xfrm>
+          <a:off x="0" y="0"/>
+          <a:ext cx="0" cy="0"/>
+          <a:chOff x="0" y="0"/>
+          <a:chExt cx="0" cy="0"/>
+        </a:xfrm>
+      </p:grpSpPr>
+      <p:sp>
+        <p:nvSpPr>
+          <p:cNvPr id="2" name="Title 1"/>
+          <p:cNvSpPr>
+            <a:spLocks noGrp="1"/>
+          </p:cNvSpPr>
+          <p:nvPr>
+            <p:ph type="title"/>
+          </p:nvPr>
+        </p:nvSpPr>
+        <p:spPr/>
+        <p:txBody>
+          <a:bodyPr/>
+          <a:lstStyle/>
+          <a:p>
+            <a:pPr lvl="0" indent="0" marL="0">
+              <a:buNone/>
+            </a:pPr>
+            <a:r>
+              <a:rPr/>
+              <a:t>Protein Shakes</a:t>
+            </a:r>
+          </a:p>
+        </p:txBody>
+      </p:sp>
+      <p:sp>
+        <p:nvSpPr>
+          <p:cNvPr id="3" name="Content Placeholder 2"/>
+          <p:cNvSpPr>
+            <a:spLocks noGrp="1"/>
+          </p:cNvSpPr>
+          <p:nvPr>
+            <p:ph idx="1" sz="half"/>
+          </p:nvPr>
+        </p:nvSpPr>
+        <p:spPr/>
+        <p:txBody>
+          <a:bodyPr/>
+          <a:lstStyle/>
+          <a:p>
+            <a:pPr lvl="0" indent="0" marL="0">
+              <a:buNone/>
+            </a:pPr>
+            <a:r>
+              <a:rPr/>
+              <a:t>Protein Shakes can provide protein with minimal sugar</a:t>
+            </a:r>
+          </a:p>
+        </p:txBody>
+      </p:sp>
+      <p:sp>
+        <p:nvSpPr>
+          <p:cNvPr id="4" name="Content Placeholder 3"/>
+          <p:cNvSpPr>
+            <a:spLocks noGrp="1"/>
+          </p:cNvSpPr>
+          <p:nvPr>
+            <p:ph idx="2" sz="half"/>
+          </p:nvPr>
+        </p:nvSpPr>
+        <p:spPr/>
+        <p:txBody>
+          <a:bodyPr/>
+          <a:lstStyle/>
+          <a:p>
+            <a:pPr lvl="0" indent="0" marL="0">
+              <a:buNone/>
+            </a:pPr>
+            <a:r>
+              <a:rPr/>
+              <a:t>Protein Shakes </a:t>
             </a:r>
           </a:p>
         </p:txBody>
@@ -5132,6 +5634,560 @@
             <a:r>
               <a:rPr/>
               <a:t>More aggressive</a:t>
+            </a:r>
+          </a:p>
+        </p:txBody>
+      </p:sp>
+    </p:spTree>
+  </p:cSld>
+</p:sld>
+</file>
+
+<file path=ppt/slides/slide30.xml><?xml version="1.0" encoding="utf-8"?>
+<p:sld xmlns:a="http://schemas.openxmlformats.org/drawingml/2006/main" xmlns:r="http://schemas.openxmlformats.org/officeDocument/2006/relationships" xmlns:p="http://schemas.openxmlformats.org/presentationml/2006/main">
+  <p:cSld>
+    <p:spTree>
+      <p:nvGrpSpPr>
+        <p:cNvPr id="1" name=""/>
+        <p:cNvGrpSpPr/>
+        <p:nvPr/>
+      </p:nvGrpSpPr>
+      <p:grpSpPr>
+        <a:xfrm>
+          <a:off x="0" y="0"/>
+          <a:ext cx="0" cy="0"/>
+          <a:chOff x="0" y="0"/>
+          <a:chExt cx="0" cy="0"/>
+        </a:xfrm>
+      </p:grpSpPr>
+      <p:sp>
+        <p:nvSpPr>
+          <p:cNvPr id="2" name="Title 1"/>
+          <p:cNvSpPr>
+            <a:spLocks noGrp="1"/>
+          </p:cNvSpPr>
+          <p:nvPr>
+            <p:ph type="title"/>
+          </p:nvPr>
+        </p:nvSpPr>
+        <p:spPr/>
+        <p:txBody>
+          <a:bodyPr/>
+          <a:lstStyle/>
+          <a:p>
+            <a:pPr lvl="0" indent="0" marL="0">
+              <a:buNone/>
+            </a:pPr>
+            <a:r>
+              <a:rPr/>
+              <a:t>Feeding Tubes</a:t>
+            </a:r>
+          </a:p>
+        </p:txBody>
+      </p:sp>
+      <p:sp>
+        <p:nvSpPr>
+          <p:cNvPr id="3" name="Content Placeholder 2"/>
+          <p:cNvSpPr>
+            <a:spLocks noGrp="1"/>
+          </p:cNvSpPr>
+          <p:nvPr>
+            <p:ph idx="1" sz="half"/>
+          </p:nvPr>
+        </p:nvSpPr>
+        <p:spPr/>
+        <p:txBody>
+          <a:bodyPr/>
+          <a:lstStyle/>
+          <a:p>
+            <a:pPr lvl="0" indent="0" marL="0">
+              <a:buNone/>
+            </a:pPr>
+            <a:r>
+              <a:rPr/>
+              <a:t>Jejunostomy = Small Intestine </a:t>
+            </a:r>
+          </a:p>
+        </p:txBody>
+      </p:sp>
+      <p:sp>
+        <p:nvSpPr>
+          <p:cNvPr id="4" name="Content Placeholder 3"/>
+          <p:cNvSpPr>
+            <a:spLocks noGrp="1"/>
+          </p:cNvSpPr>
+          <p:nvPr>
+            <p:ph idx="2" sz="half"/>
+          </p:nvPr>
+        </p:nvSpPr>
+        <p:spPr/>
+        <p:txBody>
+          <a:bodyPr/>
+          <a:lstStyle/>
+          <a:p>
+            <a:pPr lvl="0" indent="0" marL="0">
+              <a:buNone/>
+            </a:pPr>
+            <a:r>
+              <a:rPr/>
+              <a:t>Gastrostomy = Stomach </a:t>
+            </a:r>
+          </a:p>
+        </p:txBody>
+      </p:sp>
+    </p:spTree>
+  </p:cSld>
+</p:sld>
+</file>
+
+<file path=ppt/slides/slide31.xml><?xml version="1.0" encoding="utf-8"?>
+<p:sld xmlns:a="http://schemas.openxmlformats.org/drawingml/2006/main" xmlns:r="http://schemas.openxmlformats.org/officeDocument/2006/relationships" xmlns:p="http://schemas.openxmlformats.org/presentationml/2006/main">
+  <p:cSld>
+    <p:spTree>
+      <p:nvGrpSpPr>
+        <p:cNvPr id="1" name=""/>
+        <p:cNvGrpSpPr/>
+        <p:nvPr/>
+      </p:nvGrpSpPr>
+      <p:grpSpPr>
+        <a:xfrm>
+          <a:off x="0" y="0"/>
+          <a:ext cx="0" cy="0"/>
+          <a:chOff x="0" y="0"/>
+          <a:chExt cx="0" cy="0"/>
+        </a:xfrm>
+      </p:grpSpPr>
+      <p:sp>
+        <p:nvSpPr>
+          <p:cNvPr id="2" name="Title 1"/>
+          <p:cNvSpPr>
+            <a:spLocks noGrp="1"/>
+          </p:cNvSpPr>
+          <p:nvPr>
+            <p:ph type="title"/>
+          </p:nvPr>
+        </p:nvSpPr>
+        <p:spPr/>
+        <p:txBody>
+          <a:bodyPr/>
+          <a:lstStyle/>
+          <a:p>
+            <a:pPr lvl="0" indent="0" marL="0">
+              <a:buNone/>
+            </a:pPr>
+            <a:r>
+              <a:rPr/>
+              <a:t>Gastrostomy Tube</a:t>
+            </a:r>
+          </a:p>
+        </p:txBody>
+      </p:sp>
+      <p:sp>
+        <p:nvSpPr>
+          <p:cNvPr id="3" name="Content Placeholder 2"/>
+          <p:cNvSpPr>
+            <a:spLocks noGrp="1"/>
+          </p:cNvSpPr>
+          <p:nvPr>
+            <p:ph idx="1"/>
+          </p:nvPr>
+        </p:nvSpPr>
+        <p:spPr/>
+        <p:txBody>
+          <a:bodyPr/>
+          <a:lstStyle/>
+          <a:p>
+            <a:pPr lvl="0" indent="0" marL="0">
+              <a:buNone/>
+            </a:pPr>
+            <a:r>
+              <a:rPr/>
+              <a:t>Feeding Gastrostomy</a:t>
+            </a:r>
+          </a:p>
+          <a:p>
+            <a:pPr lvl="0" indent="0" marL="0">
+              <a:buNone/>
+            </a:pPr>
+            <a:r>
+              <a:rPr/>
+              <a:t>A gastrostomy tube allows feeding with a syringe, which can be done several times per day.</a:t>
+            </a:r>
+          </a:p>
+          <a:p>
+            <a:pPr lvl="0" indent="0" marL="0">
+              <a:buNone/>
+            </a:pPr>
+            <a:r>
+              <a:rPr/>
+              <a:t>When it’s not being used, the gastrostomy tube can be hidden underneath clothing.</a:t>
+            </a:r>
+          </a:p>
+          <a:p>
+            <a:pPr lvl="0" indent="0" marL="0">
+              <a:buNone/>
+            </a:pPr>
+            <a:r>
+              <a:rPr/>
+              <a:t>For patient who later need surgery on the esophagus, it will be necessary to remove the</a:t>
+            </a:r>
+          </a:p>
+          <a:p>
+            <a:pPr lvl="0" indent="0" marL="0">
+              <a:buNone/>
+            </a:pPr>
+            <a:r>
+              <a:rPr/>
+              <a:t>gastrostomy tube and place a jejunostomy tube, as the stomach frequently used to create a new</a:t>
+            </a:r>
+          </a:p>
+          <a:p>
+            <a:pPr lvl="0" indent="0" marL="0">
+              <a:buNone/>
+            </a:pPr>
+            <a:r>
+              <a:rPr/>
+              <a:t>esophagus</a:t>
+            </a:r>
+          </a:p>
+        </p:txBody>
+      </p:sp>
+    </p:spTree>
+  </p:cSld>
+</p:sld>
+</file>
+
+<file path=ppt/slides/slide32.xml><?xml version="1.0" encoding="utf-8"?>
+<p:sld xmlns:a="http://schemas.openxmlformats.org/drawingml/2006/main" xmlns:r="http://schemas.openxmlformats.org/officeDocument/2006/relationships" xmlns:p="http://schemas.openxmlformats.org/presentationml/2006/main">
+  <p:cSld>
+    <p:spTree>
+      <p:nvGrpSpPr>
+        <p:cNvPr id="1" name=""/>
+        <p:cNvGrpSpPr/>
+        <p:nvPr/>
+      </p:nvGrpSpPr>
+      <p:grpSpPr>
+        <a:xfrm>
+          <a:off x="0" y="0"/>
+          <a:ext cx="0" cy="0"/>
+          <a:chOff x="0" y="0"/>
+          <a:chExt cx="0" cy="0"/>
+        </a:xfrm>
+      </p:grpSpPr>
+      <p:sp>
+        <p:nvSpPr>
+          <p:cNvPr id="2" name="Title 1"/>
+          <p:cNvSpPr>
+            <a:spLocks noGrp="1"/>
+          </p:cNvSpPr>
+          <p:nvPr>
+            <p:ph type="title"/>
+          </p:nvPr>
+        </p:nvSpPr>
+        <p:spPr/>
+        <p:txBody>
+          <a:bodyPr/>
+          <a:lstStyle/>
+          <a:p>
+            <a:pPr lvl="0" indent="0" marL="0">
+              <a:buNone/>
+            </a:pPr>
+            <a:r>
+              <a:rPr/>
+              <a:t>Gastrostomy Tube Methods</a:t>
+            </a:r>
+          </a:p>
+        </p:txBody>
+      </p:sp>
+      <p:sp>
+        <p:nvSpPr>
+          <p:cNvPr id="3" name="Content Placeholder 2"/>
+          <p:cNvSpPr>
+            <a:spLocks noGrp="1"/>
+          </p:cNvSpPr>
+          <p:nvPr>
+            <p:ph idx="1"/>
+          </p:nvPr>
+        </p:nvSpPr>
+        <p:spPr/>
+        <p:txBody>
+          <a:bodyPr/>
+          <a:lstStyle/>
+          <a:p>
+            <a:pPr lvl="0" indent="0" marL="0">
+              <a:buNone/>
+            </a:pPr>
+            <a:r>
+              <a:rPr/>
+              <a:t>A gastrostomy tube can be placed either by endoscopy, which is called a PEG tube</a:t>
+            </a:r>
+          </a:p>
+          <a:p>
+            <a:pPr lvl="0" indent="0" marL="0">
+              <a:buNone/>
+            </a:pPr>
+            <a:r>
+              <a:rPr/>
+              <a:t>A gastrostomy tube can also be placed by laparoscopy, which is usually preferred if surgery on the esophagus is planned in the future.</a:t>
+            </a:r>
+          </a:p>
+          <a:p>
+            <a:pPr lvl="0" indent="0" marL="0">
+              <a:buNone/>
+            </a:pPr>
+            <a:r>
+              <a:rPr/>
+              <a:t>Your surgeon will help you decide which kind of tube is best for you. This is especially important if you will need esophageal surgery in the future, as the stomach is frequently used to make a new esophagus</a:t>
+            </a:r>
+          </a:p>
+        </p:txBody>
+      </p:sp>
+    </p:spTree>
+  </p:cSld>
+</p:sld>
+</file>
+
+<file path=ppt/slides/slide33.xml><?xml version="1.0" encoding="utf-8"?>
+<p:sld xmlns:a="http://schemas.openxmlformats.org/drawingml/2006/main" xmlns:r="http://schemas.openxmlformats.org/officeDocument/2006/relationships" xmlns:p="http://schemas.openxmlformats.org/presentationml/2006/main">
+  <p:cSld>
+    <p:spTree>
+      <p:nvGrpSpPr>
+        <p:cNvPr id="1" name=""/>
+        <p:cNvGrpSpPr/>
+        <p:nvPr/>
+      </p:nvGrpSpPr>
+      <p:grpSpPr>
+        <a:xfrm>
+          <a:off x="0" y="0"/>
+          <a:ext cx="0" cy="0"/>
+          <a:chOff x="0" y="0"/>
+          <a:chExt cx="0" cy="0"/>
+        </a:xfrm>
+      </p:grpSpPr>
+      <p:sp>
+        <p:nvSpPr>
+          <p:cNvPr id="2" name="Title 1"/>
+          <p:cNvSpPr>
+            <a:spLocks noGrp="1"/>
+          </p:cNvSpPr>
+          <p:nvPr>
+            <p:ph type="title"/>
+          </p:nvPr>
+        </p:nvSpPr>
+        <p:spPr/>
+        <p:txBody>
+          <a:bodyPr/>
+          <a:lstStyle/>
+          <a:p>
+            <a:pPr lvl="0" indent="0" marL="0">
+              <a:buNone/>
+            </a:pPr>
+            <a:r>
+              <a:rPr/>
+              <a:t>Gastrostomy Tube</a:t>
+            </a:r>
+          </a:p>
+        </p:txBody>
+      </p:sp>
+      <p:sp>
+        <p:nvSpPr>
+          <p:cNvPr id="3" name="Content Placeholder 2"/>
+          <p:cNvSpPr>
+            <a:spLocks noGrp="1"/>
+          </p:cNvSpPr>
+          <p:nvPr>
+            <p:ph idx="1"/>
+          </p:nvPr>
+        </p:nvSpPr>
+        <p:spPr/>
+        <p:txBody>
+          <a:bodyPr/>
+          <a:lstStyle/>
+          <a:p>
+            <a:pPr lvl="0"/>
+            <a:r>
+              <a:rPr/>
+              <a:t>Outpatient Placement (go home the same day)</a:t>
+            </a:r>
+          </a:p>
+          <a:p>
+            <a:pPr lvl="0"/>
+            <a:r>
+              <a:rPr/>
+              <a:t>Central venous port can be placed at the same time (if needed)</a:t>
+            </a:r>
+          </a:p>
+        </p:txBody>
+      </p:sp>
+    </p:spTree>
+  </p:cSld>
+</p:sld>
+</file>
+
+<file path=ppt/slides/slide34.xml><?xml version="1.0" encoding="utf-8"?>
+<p:sld xmlns:a="http://schemas.openxmlformats.org/drawingml/2006/main" xmlns:r="http://schemas.openxmlformats.org/officeDocument/2006/relationships" xmlns:p="http://schemas.openxmlformats.org/presentationml/2006/main">
+  <p:cSld>
+    <p:spTree>
+      <p:nvGrpSpPr>
+        <p:cNvPr id="1" name=""/>
+        <p:cNvGrpSpPr/>
+        <p:nvPr/>
+      </p:nvGrpSpPr>
+      <p:grpSpPr>
+        <a:xfrm>
+          <a:off x="0" y="0"/>
+          <a:ext cx="0" cy="0"/>
+          <a:chOff x="0" y="0"/>
+          <a:chExt cx="0" cy="0"/>
+        </a:xfrm>
+      </p:grpSpPr>
+      <p:sp>
+        <p:nvSpPr>
+          <p:cNvPr id="2" name="Title 1"/>
+          <p:cNvSpPr>
+            <a:spLocks noGrp="1"/>
+          </p:cNvSpPr>
+          <p:nvPr>
+            <p:ph type="title"/>
+          </p:nvPr>
+        </p:nvSpPr>
+        <p:spPr/>
+        <p:txBody>
+          <a:bodyPr/>
+          <a:lstStyle/>
+          <a:p>
+            <a:pPr lvl="0" indent="0" marL="0">
+              <a:buNone/>
+            </a:pPr>
+            <a:r>
+              <a:rPr/>
+              <a:t>Jejunostomy tube</a:t>
+            </a:r>
+          </a:p>
+        </p:txBody>
+      </p:sp>
+      <p:sp>
+        <p:nvSpPr>
+          <p:cNvPr id="3" name="Content Placeholder 2"/>
+          <p:cNvSpPr>
+            <a:spLocks noGrp="1"/>
+          </p:cNvSpPr>
+          <p:nvPr>
+            <p:ph idx="1"/>
+          </p:nvPr>
+        </p:nvSpPr>
+        <p:spPr/>
+        <p:txBody>
+          <a:bodyPr/>
+          <a:lstStyle/>
+          <a:p>
+            <a:pPr lvl="0" indent="0" marL="0">
+              <a:buNone/>
+            </a:pPr>
+            <a:r>
+              <a:rPr/>
+              <a:t>The other type of feeding tube is a jejunostomy.</a:t>
+            </a:r>
+          </a:p>
+          <a:p>
+            <a:pPr lvl="0" indent="0" marL="0">
+              <a:buNone/>
+            </a:pPr>
+            <a:r>
+              <a:rPr/>
+              <a:t>A jejunostomy tube tube is placed into the small intestines. Because the small intestine is used to receiving food in small quantities, a jejunostomy tube requires the use of a pump to deliver feedings gradually over a matter of hours.</a:t>
+            </a:r>
+          </a:p>
+          <a:p>
+            <a:pPr lvl="0" indent="0" marL="0">
+              <a:buNone/>
+            </a:pPr>
+            <a:r>
+              <a:rPr/>
+              <a:t>In general, feedings are done at night in order to allow you to be active during the day</a:t>
+            </a:r>
+          </a:p>
+        </p:txBody>
+      </p:sp>
+    </p:spTree>
+  </p:cSld>
+</p:sld>
+</file>
+
+<file path=ppt/slides/slide35.xml><?xml version="1.0" encoding="utf-8"?>
+<p:sld xmlns:a="http://schemas.openxmlformats.org/drawingml/2006/main" xmlns:r="http://schemas.openxmlformats.org/officeDocument/2006/relationships" xmlns:p="http://schemas.openxmlformats.org/presentationml/2006/main">
+  <p:cSld>
+    <p:spTree>
+      <p:nvGrpSpPr>
+        <p:cNvPr id="1" name=""/>
+        <p:cNvGrpSpPr/>
+        <p:nvPr/>
+      </p:nvGrpSpPr>
+      <p:grpSpPr>
+        <a:xfrm>
+          <a:off x="0" y="0"/>
+          <a:ext cx="0" cy="0"/>
+          <a:chOff x="0" y="0"/>
+          <a:chExt cx="0" cy="0"/>
+        </a:xfrm>
+      </p:grpSpPr>
+      <p:sp>
+        <p:nvSpPr>
+          <p:cNvPr id="2" name="Title 1"/>
+          <p:cNvSpPr>
+            <a:spLocks noGrp="1"/>
+          </p:cNvSpPr>
+          <p:nvPr>
+            <p:ph type="title"/>
+          </p:nvPr>
+        </p:nvSpPr>
+        <p:spPr/>
+        <p:txBody>
+          <a:bodyPr/>
+          <a:lstStyle/>
+          <a:p>
+            <a:pPr lvl="0" indent="0" marL="0">
+              <a:buNone/>
+            </a:pPr>
+            <a:r>
+              <a:rPr/>
+              <a:t>Jejunostomy</a:t>
+            </a:r>
+          </a:p>
+        </p:txBody>
+      </p:sp>
+      <p:sp>
+        <p:nvSpPr>
+          <p:cNvPr id="3" name="Content Placeholder 2"/>
+          <p:cNvSpPr>
+            <a:spLocks noGrp="1"/>
+          </p:cNvSpPr>
+          <p:nvPr>
+            <p:ph idx="1"/>
+          </p:nvPr>
+        </p:nvSpPr>
+        <p:spPr/>
+        <p:txBody>
+          <a:bodyPr/>
+          <a:lstStyle/>
+          <a:p>
+            <a:pPr lvl="0" indent="0" marL="0">
+              <a:buNone/>
+            </a:pPr>
+            <a:r>
+              <a:rPr/>
+              <a:t>A jejunostomy tube is used in cases where it’s not possible to place a gastrostomy tube, such as when there is a tumor in the stomach. A jejunostomy tube is routinely used after esophageal surgery, so in patients who need help with nutrition prior to surgery, it makes sense to put in a jejunostomy tube before surgery. The same tube can then be used for nutrition both before and after surgery.</a:t>
+            </a:r>
+          </a:p>
+          <a:p>
+            <a:pPr lvl="0" indent="0" marL="0">
+              <a:buNone/>
+            </a:pPr>
+            <a:r>
+              <a:rPr>
+                <a:hlinkClick r:id="rId2"/>
+              </a:rPr>
+              <a:t>Gastrectomy Slideshow</a:t>
             </a:r>
           </a:p>
         </p:txBody>

--- a/lci_gist.pptx
+++ b/lci_gist.pptx
@@ -336,7 +336,7 @@
           <a:p>
             <a:fld id="{241EB5C9-1307-BA42-ABA2-0BC069CD8E7F}" type="datetimeFigureOut">
               <a:rPr lang="en-US" smtClean="0"/>
-              <a:t>11/14/24</a:t>
+              <a:t>1/8/25</a:t>
             </a:fld>
             <a:endParaRPr lang="en-US"/>
           </a:p>
@@ -504,7 +504,7 @@
           <a:p>
             <a:fld id="{241EB5C9-1307-BA42-ABA2-0BC069CD8E7F}" type="datetimeFigureOut">
               <a:rPr lang="en-US" smtClean="0"/>
-              <a:t>11/14/24</a:t>
+              <a:t>1/8/25</a:t>
             </a:fld>
             <a:endParaRPr lang="en-US"/>
           </a:p>
@@ -682,7 +682,7 @@
           <a:p>
             <a:fld id="{241EB5C9-1307-BA42-ABA2-0BC069CD8E7F}" type="datetimeFigureOut">
               <a:rPr lang="en-US" smtClean="0"/>
-              <a:t>11/14/24</a:t>
+              <a:t>1/8/25</a:t>
             </a:fld>
             <a:endParaRPr lang="en-US"/>
           </a:p>
@@ -860,7 +860,7 @@
           <a:p>
             <a:fld id="{241EB5C9-1307-BA42-ABA2-0BC069CD8E7F}" type="datetimeFigureOut">
               <a:rPr lang="en-US" smtClean="0"/>
-              <a:t>11/14/24</a:t>
+              <a:t>1/8/25</a:t>
             </a:fld>
             <a:endParaRPr lang="en-US"/>
           </a:p>
@@ -1105,7 +1105,8 @@
         <p:txBody>
           <a:bodyPr/>
           <a:lstStyle>
-            <a:lvl1pPr>
+            <a:lvl1pPr marL="228600" indent="-228600">
+              <a:tabLst/>
               <a:defRPr sz="2800"/>
             </a:lvl1pPr>
             <a:lvl2pPr>
@@ -1169,7 +1170,7 @@
           <a:p>
             <a:fld id="{241EB5C9-1307-BA42-ABA2-0BC069CD8E7F}" type="datetimeFigureOut">
               <a:rPr lang="en-US" smtClean="0"/>
-              <a:t>11/14/24</a:t>
+              <a:t>1/8/25</a:t>
             </a:fld>
             <a:endParaRPr lang="en-US"/>
           </a:p>
@@ -1430,7 +1431,7 @@
           <a:p>
             <a:fld id="{241EB5C9-1307-BA42-ABA2-0BC069CD8E7F}" type="datetimeFigureOut">
               <a:rPr lang="en-US" smtClean="0"/>
-              <a:t>11/14/24</a:t>
+              <a:t>1/8/25</a:t>
             </a:fld>
             <a:endParaRPr lang="en-US"/>
           </a:p>
@@ -1549,8 +1550,9 @@
         <p:txBody>
           <a:bodyPr/>
           <a:lstStyle>
-            <a:lvl1pPr>
-              <a:defRPr sz="2400"/>
+            <a:lvl1pPr marL="174625" indent="-174625">
+              <a:tabLst/>
+              <a:defRPr sz="2800"/>
             </a:lvl1pPr>
             <a:lvl2pPr>
               <a:defRPr sz="1800"/>
@@ -1633,8 +1635,9 @@
         <p:txBody>
           <a:bodyPr/>
           <a:lstStyle>
-            <a:lvl1pPr>
-              <a:defRPr sz="2400"/>
+            <a:lvl1pPr marL="174625" indent="-174625">
+              <a:tabLst/>
+              <a:defRPr sz="2800"/>
             </a:lvl1pPr>
             <a:lvl2pPr>
               <a:defRPr sz="1800"/>
@@ -1715,7 +1718,7 @@
           <a:p>
             <a:fld id="{241EB5C9-1307-BA42-ABA2-0BC069CD8E7F}" type="datetimeFigureOut">
               <a:rPr lang="en-US" smtClean="0"/>
-              <a:t>11/14/24</a:t>
+              <a:t>1/8/25</a:t>
             </a:fld>
             <a:endParaRPr lang="en-US"/>
           </a:p>
@@ -2134,7 +2137,7 @@
           <a:p>
             <a:fld id="{241EB5C9-1307-BA42-ABA2-0BC069CD8E7F}" type="datetimeFigureOut">
               <a:rPr lang="en-US" smtClean="0"/>
-              <a:t>11/14/24</a:t>
+              <a:t>1/8/25</a:t>
             </a:fld>
             <a:endParaRPr lang="en-US"/>
           </a:p>
@@ -2251,7 +2254,7 @@
           <a:p>
             <a:fld id="{241EB5C9-1307-BA42-ABA2-0BC069CD8E7F}" type="datetimeFigureOut">
               <a:rPr lang="en-US" smtClean="0"/>
-              <a:t>11/14/24</a:t>
+              <a:t>1/8/25</a:t>
             </a:fld>
             <a:endParaRPr lang="en-US"/>
           </a:p>
@@ -2346,7 +2349,7 @@
           <a:p>
             <a:fld id="{241EB5C9-1307-BA42-ABA2-0BC069CD8E7F}" type="datetimeFigureOut">
               <a:rPr lang="en-US" smtClean="0"/>
-              <a:t>11/14/24</a:t>
+              <a:t>1/8/25</a:t>
             </a:fld>
             <a:endParaRPr lang="en-US"/>
           </a:p>
@@ -2621,7 +2624,7 @@
           <a:p>
             <a:fld id="{241EB5C9-1307-BA42-ABA2-0BC069CD8E7F}" type="datetimeFigureOut">
               <a:rPr lang="en-US" smtClean="0"/>
-              <a:t>11/14/24</a:t>
+              <a:t>1/8/25</a:t>
             </a:fld>
             <a:endParaRPr lang="en-US"/>
           </a:p>
@@ -2873,7 +2876,7 @@
           <a:p>
             <a:fld id="{241EB5C9-1307-BA42-ABA2-0BC069CD8E7F}" type="datetimeFigureOut">
               <a:rPr lang="en-US" smtClean="0"/>
-              <a:t>11/14/24</a:t>
+              <a:t>1/8/25</a:t>
             </a:fld>
             <a:endParaRPr lang="en-US"/>
           </a:p>
@@ -3084,7 +3087,7 @@
           <a:p>
             <a:fld id="{241EB5C9-1307-BA42-ABA2-0BC069CD8E7F}" type="datetimeFigureOut">
               <a:rPr lang="en-US" smtClean="0"/>
-              <a:t>11/14/24</a:t>
+              <a:t>1/8/25</a:t>
             </a:fld>
             <a:endParaRPr lang="en-US"/>
           </a:p>
@@ -3440,6 +3443,22 @@
       </a:lvl9pPr>
     </p:otherStyle>
   </p:txStyles>
+  <p:extLst>
+    <p:ext uri="{27BBF7A9-308A-43DC-89C8-2F10F3537804}">
+      <p15:sldGuideLst xmlns:p15="http://schemas.microsoft.com/office/powerpoint/2012/main">
+        <p15:guide id="1" orient="horz" pos="1620" userDrawn="1">
+          <p15:clr>
+            <a:srgbClr val="F26B43"/>
+          </p15:clr>
+        </p15:guide>
+        <p15:guide id="2" pos="2880" userDrawn="1">
+          <p15:clr>
+            <a:srgbClr val="F26B43"/>
+          </p15:clr>
+        </p15:guide>
+      </p15:sldGuideLst>
+    </p:ext>
+  </p:extLst>
 </p:sldMaster>
 </file>
 

--- a/lci_gist.pptx
+++ b/lci_gist.pptx
@@ -40,6 +40,7 @@
     <p:sldId id="288" r:id="rId34"/>
     <p:sldId id="289" r:id="rId35"/>
     <p:sldId id="290" r:id="rId36"/>
+    <p:sldId id="291" r:id="rId37"/>
   </p:sldIdLst>
   <p:sldSz cx="9144000" cy="5143500" type="screen16x9"/>
   <p:notesSz cx="6858000" cy="9144000"/>
@@ -5026,13 +5027,6 @@
               <a:t>Smoking Cessation</a:t>
             </a:r>
           </a:p>
-          <a:p>
-            <a:pPr lvl="0"/>
-            <a:r>
-              <a:rPr/>
-              <a:t>Nutrition</a:t>
-            </a:r>
-          </a:p>
         </p:txBody>
       </p:sp>
     </p:spTree>
@@ -5077,7 +5071,50 @@
             </a:pPr>
             <a:r>
               <a:rPr/>
-              <a:t>Primary Care Physician</a:t>
+              <a:t>Primary Care Practitioner (PCP)</a:t>
+            </a:r>
+          </a:p>
+        </p:txBody>
+      </p:sp>
+      <p:sp>
+        <p:nvSpPr>
+          <p:cNvPr id="3" name="Content Placeholder 2"/>
+          <p:cNvSpPr>
+            <a:spLocks noGrp="1"/>
+          </p:cNvSpPr>
+          <p:nvPr>
+            <p:ph idx="1"/>
+          </p:nvPr>
+        </p:nvSpPr>
+        <p:spPr/>
+        <p:txBody>
+          <a:bodyPr/>
+          <a:lstStyle/>
+          <a:p>
+            <a:pPr lvl="0" indent="0" marL="0">
+              <a:buNone/>
+            </a:pPr>
+            <a:r>
+              <a:rPr/>
+              <a:t>A PCP is critical to coordinate care between specialists.</a:t>
+            </a:r>
+          </a:p>
+          <a:p>
+            <a:pPr lvl="0" indent="0" marL="0">
+              <a:buNone/>
+            </a:pPr>
+            <a:r>
+              <a:rPr/>
+              <a:t>We will update your PCP after each visit</a:t>
+            </a:r>
+          </a:p>
+          <a:p>
+            <a:pPr lvl="0" indent="0" marL="0">
+              <a:buNone/>
+            </a:pPr>
+            <a:r>
+              <a:rPr/>
+              <a:t>If you do not have a PCP, call our referral line at (844) 235-6998</a:t>
             </a:r>
           </a:p>
         </p:txBody>
@@ -5126,6 +5163,50 @@
               <a:rPr/>
               <a:t>My Atrium Patient Portal</a:t>
             </a:r>
+            <a:br/>
+          </a:p>
+        </p:txBody>
+      </p:sp>
+      <p:sp>
+        <p:nvSpPr>
+          <p:cNvPr id="3" name="Content Placeholder 2"/>
+          <p:cNvSpPr>
+            <a:spLocks noGrp="1"/>
+          </p:cNvSpPr>
+          <p:nvPr>
+            <p:ph idx="1"/>
+          </p:nvPr>
+        </p:nvSpPr>
+        <p:spPr/>
+        <p:txBody>
+          <a:bodyPr/>
+          <a:lstStyle/>
+          <a:p>
+            <a:pPr lvl="0" indent="0" marL="0">
+              <a:buNone/>
+            </a:pPr>
+            <a:br/>
+          </a:p>
+          <a:p>
+            <a:pPr lvl="0"/>
+            <a:r>
+              <a:rPr/>
+              <a:t>Critical to good communication with your cancer care team</a:t>
+            </a:r>
+          </a:p>
+          <a:p>
+            <a:pPr lvl="0"/>
+            <a:r>
+              <a:rPr/>
+              <a:t>Available for desktop or laptop or phone</a:t>
+            </a:r>
+          </a:p>
+          <a:p>
+            <a:pPr lvl="0"/>
+            <a:r>
+              <a:rPr/>
+              <a:t>Sign up at my.atriumhealth.org</a:t>
+            </a:r>
           </a:p>
         </p:txBody>
       </p:sp>
@@ -5176,6 +5257,57 @@
           </a:p>
         </p:txBody>
       </p:sp>
+      <p:sp>
+        <p:nvSpPr>
+          <p:cNvPr id="3" name="Content Placeholder 2"/>
+          <p:cNvSpPr>
+            <a:spLocks noGrp="1"/>
+          </p:cNvSpPr>
+          <p:nvPr>
+            <p:ph idx="1"/>
+          </p:nvPr>
+        </p:nvSpPr>
+        <p:spPr/>
+        <p:txBody>
+          <a:bodyPr/>
+          <a:lstStyle/>
+          <a:p>
+            <a:pPr lvl="0"/>
+            <a:r>
+              <a:rPr/>
+              <a:t>Important to reduce the risk of complications from cancer treatment</a:t>
+            </a:r>
+          </a:p>
+          <a:p>
+            <a:pPr lvl="0"/>
+            <a:r>
+              <a:rPr/>
+              <a:t>Goal is 30min/day of vigorous exercise 6 days/week</a:t>
+            </a:r>
+          </a:p>
+          <a:p>
+            <a:pPr lvl="1"/>
+            <a:r>
+              <a:rPr/>
+              <a:t>Working hard enough that you can’t carry a conversation</a:t>
+            </a:r>
+          </a:p>
+          <a:p>
+            <a:pPr lvl="1"/>
+            <a:r>
+              <a:rPr/>
+              <a:t>Start slow an build up</a:t>
+            </a:r>
+          </a:p>
+          <a:p>
+            <a:pPr lvl="1"/>
+            <a:r>
+              <a:rPr/>
+              <a:t>Every day counts! (Aim for some activity every day)</a:t>
+            </a:r>
+          </a:p>
+        </p:txBody>
+      </p:sp>
     </p:spTree>
   </p:cSld>
 </p:sld>
@@ -5219,6 +5351,64 @@
             <a:r>
               <a:rPr/>
               <a:t>Smoking Cessation</a:t>
+            </a:r>
+          </a:p>
+        </p:txBody>
+      </p:sp>
+      <p:sp>
+        <p:nvSpPr>
+          <p:cNvPr id="3" name="Content Placeholder 2"/>
+          <p:cNvSpPr>
+            <a:spLocks noGrp="1"/>
+          </p:cNvSpPr>
+          <p:nvPr>
+            <p:ph idx="1"/>
+          </p:nvPr>
+        </p:nvSpPr>
+        <p:spPr/>
+        <p:txBody>
+          <a:bodyPr/>
+          <a:lstStyle/>
+          <a:p>
+            <a:pPr lvl="0"/>
+            <a:r>
+              <a:rPr/>
+              <a:t>Smoking makes it more difficult to get through cancer treatment</a:t>
+            </a:r>
+          </a:p>
+          <a:p>
+            <a:pPr lvl="1"/>
+            <a:r>
+              <a:rPr/>
+              <a:t>Increases risk of complications after surgery</a:t>
+            </a:r>
+          </a:p>
+          <a:p>
+            <a:pPr lvl="0"/>
+            <a:r>
+              <a:rPr/>
+              <a:t>Options for help with smoking cessation:</a:t>
+            </a:r>
+          </a:p>
+          <a:p>
+            <a:pPr lvl="1"/>
+            <a:r>
+              <a:rPr/>
+              <a:t>NC Quit Line 1-800-QUIT-NOW (1-800-784-8669)</a:t>
+            </a:r>
+          </a:p>
+          <a:p>
+            <a:pPr lvl="1"/>
+            <a:r>
+              <a:rPr/>
+              <a:t>American Lung Asssociation fredomfromsmoking.org</a:t>
+            </a:r>
+          </a:p>
+          <a:p>
+            <a:pPr lvl="1"/>
+            <a:r>
+              <a:rPr/>
+              <a:t>1:1 Smoking Cessation Counseling Clinics (Metro Charlotte)</a:t>
             </a:r>
           </a:p>
         </p:txBody>
@@ -5825,48 +6015,31 @@
             </a:r>
           </a:p>
           <a:p>
-            <a:pPr lvl="0" indent="0" marL="0">
-              <a:buNone/>
-            </a:pPr>
-            <a:r>
-              <a:rPr/>
-              <a:t>A gastrostomy tube allows feeding with a syringe, which can be done several times per day.</a:t>
-            </a:r>
-          </a:p>
-          <a:p>
-            <a:pPr lvl="0" indent="0" marL="0">
-              <a:buNone/>
-            </a:pPr>
-            <a:r>
-              <a:rPr/>
-              <a:t>When it’s not being used, the gastrostomy tube can be hidden underneath clothing.</a:t>
-            </a:r>
-          </a:p>
-          <a:p>
-            <a:pPr lvl="0" indent="0" marL="0">
-              <a:buNone/>
-            </a:pPr>
-            <a:r>
-              <a:rPr/>
-              <a:t>For patient who later need surgery on the esophagus, it will be necessary to remove the</a:t>
-            </a:r>
-          </a:p>
-          <a:p>
-            <a:pPr lvl="0" indent="0" marL="0">
-              <a:buNone/>
-            </a:pPr>
-            <a:r>
-              <a:rPr/>
-              <a:t>gastrostomy tube and place a jejunostomy tube, as the stomach frequently used to create a new</a:t>
-            </a:r>
-          </a:p>
-          <a:p>
-            <a:pPr lvl="0" indent="0" marL="0">
-              <a:buNone/>
-            </a:pPr>
-            <a:r>
-              <a:rPr/>
-              <a:t>esophagus</a:t>
+            <a:pPr lvl="0"/>
+            <a:r>
+              <a:rPr/>
+              <a:t>Feeding with a syringe several times per day.</a:t>
+            </a:r>
+          </a:p>
+          <a:p>
+            <a:pPr lvl="0"/>
+            <a:r>
+              <a:rPr/>
+              <a:t>Tube can be hidden underneath clothing</a:t>
+            </a:r>
+          </a:p>
+          <a:p>
+            <a:pPr lvl="0"/>
+            <a:r>
+              <a:rPr/>
+              <a:t>Tube does not interfere with eating by mouth</a:t>
+            </a:r>
+          </a:p>
+          <a:p>
+            <a:pPr lvl="0"/>
+            <a:r>
+              <a:rPr/>
+              <a:t>Removed easily in the office when no longer needed</a:t>
             </a:r>
           </a:p>
         </p:txBody>
@@ -6170,7 +6343,7 @@
             </a:pPr>
             <a:r>
               <a:rPr/>
-              <a:t>Jejunostomy</a:t>
+              <a:t>Jejunostomy Video</a:t>
             </a:r>
           </a:p>
         </p:txBody>
@@ -6182,6 +6355,78 @@
             <a:spLocks noGrp="1"/>
           </p:cNvSpPr>
           <p:nvPr>
+            <p:ph idx="1" sz="half"/>
+          </p:nvPr>
+        </p:nvSpPr>
+        <p:spPr/>
+        <p:txBody>
+          <a:bodyPr/>
+          <a:lstStyle/>
+          <a:p>
+            <a:pPr lvl="0" indent="0" marL="0">
+              <a:buNone/>
+            </a:pPr>
+            <a:r>
+              <a:rPr/>
+              <a:t>A video is available to help become familiar with the feeding jejunostomy</a:t>
+            </a:r>
+          </a:p>
+        </p:txBody>
+      </p:sp>
+      <p:sp>
+        <p:nvSpPr>
+          <p:cNvPr id="4" name="Content Placeholder 3"/>
+          <p:cNvSpPr>
+            <a:spLocks noGrp="1"/>
+          </p:cNvSpPr>
+          <p:nvPr>
+            <p:ph idx="2" sz="half"/>
+          </p:nvPr>
+        </p:nvSpPr>
+        <p:spPr/>
+        <p:txBody>
+          <a:bodyPr/>
+          <a:lstStyle/>
+          <a:p>
+            <a:pPr lvl="0" indent="0" marL="0">
+              <a:buNone/>
+            </a:pPr>
+            <a:r>
+              <a:rPr/>
+              <a:t>Gastrostomy = Stomach </a:t>
+            </a:r>
+          </a:p>
+        </p:txBody>
+      </p:sp>
+    </p:spTree>
+  </p:cSld>
+</p:sld>
+</file>
+
+<file path=ppt/slides/slide36.xml><?xml version="1.0" encoding="utf-8"?>
+<p:sld xmlns:a="http://schemas.openxmlformats.org/drawingml/2006/main" xmlns:r="http://schemas.openxmlformats.org/officeDocument/2006/relationships" xmlns:p="http://schemas.openxmlformats.org/presentationml/2006/main">
+  <p:cSld>
+    <p:spTree>
+      <p:nvGrpSpPr>
+        <p:cNvPr id="1" name=""/>
+        <p:cNvGrpSpPr/>
+        <p:nvPr/>
+      </p:nvGrpSpPr>
+      <p:grpSpPr>
+        <a:xfrm>
+          <a:off x="0" y="0"/>
+          <a:ext cx="0" cy="0"/>
+          <a:chOff x="0" y="0"/>
+          <a:chExt cx="0" cy="0"/>
+        </a:xfrm>
+      </p:grpSpPr>
+      <p:sp>
+        <p:nvSpPr>
+          <p:cNvPr id="3" name="Content Placeholder 2"/>
+          <p:cNvSpPr>
+            <a:spLocks noGrp="1"/>
+          </p:cNvSpPr>
+          <p:nvPr>
             <p:ph idx="1"/>
           </p:nvPr>
         </p:nvSpPr>
@@ -6189,15 +6434,6 @@
         <p:txBody>
           <a:bodyPr/>
           <a:lstStyle/>
-          <a:p>
-            <a:pPr lvl="0" indent="0" marL="0">
-              <a:buNone/>
-            </a:pPr>
-            <a:r>
-              <a:rPr/>
-              <a:t>A jejunostomy tube is used in cases where it’s not possible to place a gastrostomy tube, such as when there is a tumor in the stomach. A jejunostomy tube is routinely used after esophageal surgery, so in patients who need help with nutrition prior to surgery, it makes sense to put in a jejunostomy tube before surgery. The same tube can then be used for nutrition both before and after surgery.</a:t>
-            </a:r>
-          </a:p>
           <a:p>
             <a:pPr lvl="0" indent="0" marL="0">
               <a:buNone/>

--- a/lci_gist.pptx
+++ b/lci_gist.pptx
@@ -31,16 +31,6 @@
     <p:sldId id="279" r:id="rId25"/>
     <p:sldId id="280" r:id="rId26"/>
     <p:sldId id="281" r:id="rId27"/>
-    <p:sldId id="282" r:id="rId28"/>
-    <p:sldId id="283" r:id="rId29"/>
-    <p:sldId id="284" r:id="rId30"/>
-    <p:sldId id="285" r:id="rId31"/>
-    <p:sldId id="286" r:id="rId32"/>
-    <p:sldId id="287" r:id="rId33"/>
-    <p:sldId id="288" r:id="rId34"/>
-    <p:sldId id="289" r:id="rId35"/>
-    <p:sldId id="290" r:id="rId36"/>
-    <p:sldId id="291" r:id="rId37"/>
   </p:sldIdLst>
   <p:sldSz cx="9144000" cy="5143500" type="screen16x9"/>
   <p:notesSz cx="6858000" cy="9144000"/>
@@ -5411,292 +5401,15 @@
               <a:t>1:1 Smoking Cessation Counseling Clinics (Metro Charlotte)</a:t>
             </a:r>
           </a:p>
-        </p:txBody>
-      </p:sp>
-    </p:spTree>
-  </p:cSld>
-</p:sld>
-</file>
-
-<file path=ppt/slides/slide27.xml><?xml version="1.0" encoding="utf-8"?>
-<p:sld xmlns:a="http://schemas.openxmlformats.org/drawingml/2006/main" xmlns:r="http://schemas.openxmlformats.org/officeDocument/2006/relationships" xmlns:p="http://schemas.openxmlformats.org/presentationml/2006/main">
-  <p:cSld>
-    <p:spTree>
-      <p:nvGrpSpPr>
-        <p:cNvPr id="1" name=""/>
-        <p:cNvGrpSpPr/>
-        <p:nvPr/>
-      </p:nvGrpSpPr>
-      <p:grpSpPr>
-        <a:xfrm>
-          <a:off x="0" y="0"/>
-          <a:ext cx="0" cy="0"/>
-          <a:chOff x="0" y="0"/>
-          <a:chExt cx="0" cy="0"/>
-        </a:xfrm>
-      </p:grpSpPr>
-      <p:sp>
-        <p:nvSpPr>
-          <p:cNvPr id="2" name="Title 1"/>
-          <p:cNvSpPr>
-            <a:spLocks noGrp="1"/>
-          </p:cNvSpPr>
-          <p:nvPr>
-            <p:ph type="title"/>
-          </p:nvPr>
-        </p:nvSpPr>
-        <p:spPr/>
-        <p:txBody>
-          <a:bodyPr/>
-          <a:lstStyle/>
           <a:p>
             <a:pPr lvl="0" indent="0" marL="0">
               <a:buNone/>
             </a:pPr>
             <a:r>
-              <a:rPr/>
-              <a:t>GI Tract Anatomy</a:t>
-            </a:r>
-          </a:p>
-        </p:txBody>
-      </p:sp>
-      <p:sp>
-        <p:nvSpPr>
-          <p:cNvPr id="3" name="Content Placeholder 2"/>
-          <p:cNvSpPr>
-            <a:spLocks noGrp="1"/>
-          </p:cNvSpPr>
-          <p:nvPr>
-            <p:ph idx="1" sz="half"/>
-          </p:nvPr>
-        </p:nvSpPr>
-        <p:spPr/>
-        <p:txBody>
-          <a:bodyPr/>
-          <a:lstStyle/>
-          <a:p>
-            <a:pPr lvl="0"/>
-            <a:r>
-              <a:rPr/>
-              <a:t>Esophagus delivers food to the stomach</a:t>
-            </a:r>
-          </a:p>
-          <a:p>
-            <a:pPr lvl="0"/>
-            <a:r>
-              <a:rPr/>
-              <a:t>Stomach stores food and delivers it in small quantities to the jejunum</a:t>
-            </a:r>
-          </a:p>
-          <a:p>
-            <a:pPr lvl="0"/>
-            <a:r>
-              <a:rPr/>
-              <a:t>Jejunum begins digestion in the small intestines</a:t>
-            </a:r>
-          </a:p>
-        </p:txBody>
-      </p:sp>
-      <p:pic>
-        <p:nvPicPr>
-          <p:cNvPr descr="https://deidt7p41jzcy.cloudfront.net/Eso_Anatomy_Labels.png" id="0" name="Picture 1"/>
-          <p:cNvPicPr>
-            <a:picLocks noGrp="1" noChangeAspect="1"/>
-          </p:cNvPicPr>
-          <p:nvPr/>
-        </p:nvPicPr>
-        <p:blipFill>
-          <a:blip r:embed="rId2"/>
-          <a:stretch>
-            <a:fillRect/>
-          </a:stretch>
-        </p:blipFill>
-        <p:spPr bwMode="auto">
-          <a:xfrm>
-            <a:off x="5016500" y="1193800"/>
-            <a:ext cx="3302000" cy="3390900"/>
-          </a:xfrm>
-          <a:prstGeom prst="rect">
-            <a:avLst/>
-          </a:prstGeom>
-          <a:noFill/>
-          <a:ln w="9525">
-            <a:noFill/>
-            <a:headEnd/>
-            <a:tailEnd/>
-          </a:ln>
-        </p:spPr>
-      </p:pic>
-    </p:spTree>
-  </p:cSld>
-</p:sld>
-</file>
-
-<file path=ppt/slides/slide28.xml><?xml version="1.0" encoding="utf-8"?>
-<p:sld xmlns:a="http://schemas.openxmlformats.org/drawingml/2006/main" xmlns:r="http://schemas.openxmlformats.org/officeDocument/2006/relationships" xmlns:p="http://schemas.openxmlformats.org/presentationml/2006/main">
-  <p:cSld>
-    <p:spTree>
-      <p:nvGrpSpPr>
-        <p:cNvPr id="1" name=""/>
-        <p:cNvGrpSpPr/>
-        <p:nvPr/>
-      </p:nvGrpSpPr>
-      <p:grpSpPr>
-        <a:xfrm>
-          <a:off x="0" y="0"/>
-          <a:ext cx="0" cy="0"/>
-          <a:chOff x="0" y="0"/>
-          <a:chExt cx="0" cy="0"/>
-        </a:xfrm>
-      </p:grpSpPr>
-      <p:sp>
-        <p:nvSpPr>
-          <p:cNvPr id="2" name="Title 1"/>
-          <p:cNvSpPr>
-            <a:spLocks noGrp="1"/>
-          </p:cNvSpPr>
-          <p:nvPr>
-            <p:ph type="title"/>
-          </p:nvPr>
-        </p:nvSpPr>
-        <p:spPr/>
-        <p:txBody>
-          <a:bodyPr/>
-          <a:lstStyle/>
-          <a:p>
-            <a:pPr lvl="0" indent="0" marL="0">
-              <a:buNone/>
-            </a:pPr>
-            <a:r>
-              <a:rPr/>
-              <a:t>Protein Needs</a:t>
-            </a:r>
-          </a:p>
-        </p:txBody>
-      </p:sp>
-      <p:sp>
-        <p:nvSpPr>
-          <p:cNvPr id="3" name="Content Placeholder 2"/>
-          <p:cNvSpPr>
-            <a:spLocks noGrp="1"/>
-          </p:cNvSpPr>
-          <p:nvPr>
-            <p:ph idx="1"/>
-          </p:nvPr>
-        </p:nvSpPr>
-        <p:spPr/>
-        <p:txBody>
-          <a:bodyPr/>
-          <a:lstStyle/>
-          <a:p>
-            <a:pPr lvl="0"/>
-            <a:r>
-              <a:rPr/>
-              <a:t>Men: Average 75 grams/day</a:t>
-            </a:r>
-          </a:p>
-          <a:p>
-            <a:pPr lvl="0"/>
-            <a:r>
-              <a:rPr/>
-              <a:t>Women: Average 60 grams/day</a:t>
-            </a:r>
-          </a:p>
-        </p:txBody>
-      </p:sp>
-    </p:spTree>
-  </p:cSld>
-</p:sld>
-</file>
-
-<file path=ppt/slides/slide29.xml><?xml version="1.0" encoding="utf-8"?>
-<p:sld xmlns:a="http://schemas.openxmlformats.org/drawingml/2006/main" xmlns:r="http://schemas.openxmlformats.org/officeDocument/2006/relationships" xmlns:p="http://schemas.openxmlformats.org/presentationml/2006/main">
-  <p:cSld>
-    <p:spTree>
-      <p:nvGrpSpPr>
-        <p:cNvPr id="1" name=""/>
-        <p:cNvGrpSpPr/>
-        <p:nvPr/>
-      </p:nvGrpSpPr>
-      <p:grpSpPr>
-        <a:xfrm>
-          <a:off x="0" y="0"/>
-          <a:ext cx="0" cy="0"/>
-          <a:chOff x="0" y="0"/>
-          <a:chExt cx="0" cy="0"/>
-        </a:xfrm>
-      </p:grpSpPr>
-      <p:sp>
-        <p:nvSpPr>
-          <p:cNvPr id="2" name="Title 1"/>
-          <p:cNvSpPr>
-            <a:spLocks noGrp="1"/>
-          </p:cNvSpPr>
-          <p:nvPr>
-            <p:ph type="title"/>
-          </p:nvPr>
-        </p:nvSpPr>
-        <p:spPr/>
-        <p:txBody>
-          <a:bodyPr/>
-          <a:lstStyle/>
-          <a:p>
-            <a:pPr lvl="0" indent="0" marL="0">
-              <a:buNone/>
-            </a:pPr>
-            <a:r>
-              <a:rPr/>
-              <a:t>Protein Shakes</a:t>
-            </a:r>
-          </a:p>
-        </p:txBody>
-      </p:sp>
-      <p:sp>
-        <p:nvSpPr>
-          <p:cNvPr id="3" name="Content Placeholder 2"/>
-          <p:cNvSpPr>
-            <a:spLocks noGrp="1"/>
-          </p:cNvSpPr>
-          <p:nvPr>
-            <p:ph idx="1" sz="half"/>
-          </p:nvPr>
-        </p:nvSpPr>
-        <p:spPr/>
-        <p:txBody>
-          <a:bodyPr/>
-          <a:lstStyle/>
-          <a:p>
-            <a:pPr lvl="0" indent="0" marL="0">
-              <a:buNone/>
-            </a:pPr>
-            <a:r>
-              <a:rPr/>
-              <a:t>Protein Shakes can provide protein with minimal sugar</a:t>
-            </a:r>
-          </a:p>
-        </p:txBody>
-      </p:sp>
-      <p:sp>
-        <p:nvSpPr>
-          <p:cNvPr id="4" name="Content Placeholder 3"/>
-          <p:cNvSpPr>
-            <a:spLocks noGrp="1"/>
-          </p:cNvSpPr>
-          <p:nvPr>
-            <p:ph idx="2" sz="half"/>
-          </p:nvPr>
-        </p:nvSpPr>
-        <p:spPr/>
-        <p:txBody>
-          <a:bodyPr/>
-          <a:lstStyle/>
-          <a:p>
-            <a:pPr lvl="0" indent="0" marL="0">
-              <a:buNone/>
-            </a:pPr>
-            <a:r>
-              <a:rPr/>
-              <a:t>Protein Shakes </a:t>
+              <a:rPr>
+                <a:hlinkClick r:id="rId2"/>
+              </a:rPr>
+              <a:t>Gastrectomy Slideshow</a:t>
             </a:r>
           </a:p>
         </p:txBody>
@@ -5843,606 +5556,6 @@
             <a:r>
               <a:rPr/>
               <a:t>More aggressive</a:t>
-            </a:r>
-          </a:p>
-        </p:txBody>
-      </p:sp>
-    </p:spTree>
-  </p:cSld>
-</p:sld>
-</file>
-
-<file path=ppt/slides/slide30.xml><?xml version="1.0" encoding="utf-8"?>
-<p:sld xmlns:a="http://schemas.openxmlformats.org/drawingml/2006/main" xmlns:r="http://schemas.openxmlformats.org/officeDocument/2006/relationships" xmlns:p="http://schemas.openxmlformats.org/presentationml/2006/main">
-  <p:cSld>
-    <p:spTree>
-      <p:nvGrpSpPr>
-        <p:cNvPr id="1" name=""/>
-        <p:cNvGrpSpPr/>
-        <p:nvPr/>
-      </p:nvGrpSpPr>
-      <p:grpSpPr>
-        <a:xfrm>
-          <a:off x="0" y="0"/>
-          <a:ext cx="0" cy="0"/>
-          <a:chOff x="0" y="0"/>
-          <a:chExt cx="0" cy="0"/>
-        </a:xfrm>
-      </p:grpSpPr>
-      <p:sp>
-        <p:nvSpPr>
-          <p:cNvPr id="2" name="Title 1"/>
-          <p:cNvSpPr>
-            <a:spLocks noGrp="1"/>
-          </p:cNvSpPr>
-          <p:nvPr>
-            <p:ph type="title"/>
-          </p:nvPr>
-        </p:nvSpPr>
-        <p:spPr/>
-        <p:txBody>
-          <a:bodyPr/>
-          <a:lstStyle/>
-          <a:p>
-            <a:pPr lvl="0" indent="0" marL="0">
-              <a:buNone/>
-            </a:pPr>
-            <a:r>
-              <a:rPr/>
-              <a:t>Feeding Tubes</a:t>
-            </a:r>
-          </a:p>
-        </p:txBody>
-      </p:sp>
-      <p:sp>
-        <p:nvSpPr>
-          <p:cNvPr id="3" name="Content Placeholder 2"/>
-          <p:cNvSpPr>
-            <a:spLocks noGrp="1"/>
-          </p:cNvSpPr>
-          <p:nvPr>
-            <p:ph idx="1" sz="half"/>
-          </p:nvPr>
-        </p:nvSpPr>
-        <p:spPr/>
-        <p:txBody>
-          <a:bodyPr/>
-          <a:lstStyle/>
-          <a:p>
-            <a:pPr lvl="0" indent="0" marL="0">
-              <a:buNone/>
-            </a:pPr>
-            <a:r>
-              <a:rPr/>
-              <a:t>Jejunostomy = Small Intestine </a:t>
-            </a:r>
-          </a:p>
-        </p:txBody>
-      </p:sp>
-      <p:sp>
-        <p:nvSpPr>
-          <p:cNvPr id="4" name="Content Placeholder 3"/>
-          <p:cNvSpPr>
-            <a:spLocks noGrp="1"/>
-          </p:cNvSpPr>
-          <p:nvPr>
-            <p:ph idx="2" sz="half"/>
-          </p:nvPr>
-        </p:nvSpPr>
-        <p:spPr/>
-        <p:txBody>
-          <a:bodyPr/>
-          <a:lstStyle/>
-          <a:p>
-            <a:pPr lvl="0" indent="0" marL="0">
-              <a:buNone/>
-            </a:pPr>
-            <a:r>
-              <a:rPr/>
-              <a:t>Gastrostomy = Stomach </a:t>
-            </a:r>
-          </a:p>
-        </p:txBody>
-      </p:sp>
-    </p:spTree>
-  </p:cSld>
-</p:sld>
-</file>
-
-<file path=ppt/slides/slide31.xml><?xml version="1.0" encoding="utf-8"?>
-<p:sld xmlns:a="http://schemas.openxmlformats.org/drawingml/2006/main" xmlns:r="http://schemas.openxmlformats.org/officeDocument/2006/relationships" xmlns:p="http://schemas.openxmlformats.org/presentationml/2006/main">
-  <p:cSld>
-    <p:spTree>
-      <p:nvGrpSpPr>
-        <p:cNvPr id="1" name=""/>
-        <p:cNvGrpSpPr/>
-        <p:nvPr/>
-      </p:nvGrpSpPr>
-      <p:grpSpPr>
-        <a:xfrm>
-          <a:off x="0" y="0"/>
-          <a:ext cx="0" cy="0"/>
-          <a:chOff x="0" y="0"/>
-          <a:chExt cx="0" cy="0"/>
-        </a:xfrm>
-      </p:grpSpPr>
-      <p:sp>
-        <p:nvSpPr>
-          <p:cNvPr id="2" name="Title 1"/>
-          <p:cNvSpPr>
-            <a:spLocks noGrp="1"/>
-          </p:cNvSpPr>
-          <p:nvPr>
-            <p:ph type="title"/>
-          </p:nvPr>
-        </p:nvSpPr>
-        <p:spPr/>
-        <p:txBody>
-          <a:bodyPr/>
-          <a:lstStyle/>
-          <a:p>
-            <a:pPr lvl="0" indent="0" marL="0">
-              <a:buNone/>
-            </a:pPr>
-            <a:r>
-              <a:rPr/>
-              <a:t>Gastrostomy Tube</a:t>
-            </a:r>
-          </a:p>
-        </p:txBody>
-      </p:sp>
-      <p:sp>
-        <p:nvSpPr>
-          <p:cNvPr id="3" name="Content Placeholder 2"/>
-          <p:cNvSpPr>
-            <a:spLocks noGrp="1"/>
-          </p:cNvSpPr>
-          <p:nvPr>
-            <p:ph idx="1"/>
-          </p:nvPr>
-        </p:nvSpPr>
-        <p:spPr/>
-        <p:txBody>
-          <a:bodyPr/>
-          <a:lstStyle/>
-          <a:p>
-            <a:pPr lvl="0" indent="0" marL="0">
-              <a:buNone/>
-            </a:pPr>
-            <a:r>
-              <a:rPr/>
-              <a:t>Feeding Gastrostomy</a:t>
-            </a:r>
-          </a:p>
-          <a:p>
-            <a:pPr lvl="0"/>
-            <a:r>
-              <a:rPr/>
-              <a:t>Feeding with a syringe several times per day.</a:t>
-            </a:r>
-          </a:p>
-          <a:p>
-            <a:pPr lvl="0"/>
-            <a:r>
-              <a:rPr/>
-              <a:t>Tube can be hidden underneath clothing</a:t>
-            </a:r>
-          </a:p>
-          <a:p>
-            <a:pPr lvl="0"/>
-            <a:r>
-              <a:rPr/>
-              <a:t>Tube does not interfere with eating by mouth</a:t>
-            </a:r>
-          </a:p>
-          <a:p>
-            <a:pPr lvl="0"/>
-            <a:r>
-              <a:rPr/>
-              <a:t>Removed easily in the office when no longer needed</a:t>
-            </a:r>
-          </a:p>
-        </p:txBody>
-      </p:sp>
-    </p:spTree>
-  </p:cSld>
-</p:sld>
-</file>
-
-<file path=ppt/slides/slide32.xml><?xml version="1.0" encoding="utf-8"?>
-<p:sld xmlns:a="http://schemas.openxmlformats.org/drawingml/2006/main" xmlns:r="http://schemas.openxmlformats.org/officeDocument/2006/relationships" xmlns:p="http://schemas.openxmlformats.org/presentationml/2006/main">
-  <p:cSld>
-    <p:spTree>
-      <p:nvGrpSpPr>
-        <p:cNvPr id="1" name=""/>
-        <p:cNvGrpSpPr/>
-        <p:nvPr/>
-      </p:nvGrpSpPr>
-      <p:grpSpPr>
-        <a:xfrm>
-          <a:off x="0" y="0"/>
-          <a:ext cx="0" cy="0"/>
-          <a:chOff x="0" y="0"/>
-          <a:chExt cx="0" cy="0"/>
-        </a:xfrm>
-      </p:grpSpPr>
-      <p:sp>
-        <p:nvSpPr>
-          <p:cNvPr id="2" name="Title 1"/>
-          <p:cNvSpPr>
-            <a:spLocks noGrp="1"/>
-          </p:cNvSpPr>
-          <p:nvPr>
-            <p:ph type="title"/>
-          </p:nvPr>
-        </p:nvSpPr>
-        <p:spPr/>
-        <p:txBody>
-          <a:bodyPr/>
-          <a:lstStyle/>
-          <a:p>
-            <a:pPr lvl="0" indent="0" marL="0">
-              <a:buNone/>
-            </a:pPr>
-            <a:r>
-              <a:rPr/>
-              <a:t>Gastrostomy Tube Methods</a:t>
-            </a:r>
-          </a:p>
-        </p:txBody>
-      </p:sp>
-      <p:sp>
-        <p:nvSpPr>
-          <p:cNvPr id="3" name="Content Placeholder 2"/>
-          <p:cNvSpPr>
-            <a:spLocks noGrp="1"/>
-          </p:cNvSpPr>
-          <p:nvPr>
-            <p:ph idx="1"/>
-          </p:nvPr>
-        </p:nvSpPr>
-        <p:spPr/>
-        <p:txBody>
-          <a:bodyPr/>
-          <a:lstStyle/>
-          <a:p>
-            <a:pPr lvl="0" indent="0" marL="0">
-              <a:buNone/>
-            </a:pPr>
-            <a:r>
-              <a:rPr/>
-              <a:t>A gastrostomy tube can be placed either by endoscopy, which is called a PEG tube</a:t>
-            </a:r>
-          </a:p>
-          <a:p>
-            <a:pPr lvl="0" indent="0" marL="0">
-              <a:buNone/>
-            </a:pPr>
-            <a:r>
-              <a:rPr/>
-              <a:t>A gastrostomy tube can also be placed by laparoscopy, which is usually preferred if surgery on the esophagus is planned in the future.</a:t>
-            </a:r>
-          </a:p>
-          <a:p>
-            <a:pPr lvl="0" indent="0" marL="0">
-              <a:buNone/>
-            </a:pPr>
-            <a:r>
-              <a:rPr/>
-              <a:t>Your surgeon will help you decide which kind of tube is best for you. This is especially important if you will need esophageal surgery in the future, as the stomach is frequently used to make a new esophagus</a:t>
-            </a:r>
-          </a:p>
-        </p:txBody>
-      </p:sp>
-    </p:spTree>
-  </p:cSld>
-</p:sld>
-</file>
-
-<file path=ppt/slides/slide33.xml><?xml version="1.0" encoding="utf-8"?>
-<p:sld xmlns:a="http://schemas.openxmlformats.org/drawingml/2006/main" xmlns:r="http://schemas.openxmlformats.org/officeDocument/2006/relationships" xmlns:p="http://schemas.openxmlformats.org/presentationml/2006/main">
-  <p:cSld>
-    <p:spTree>
-      <p:nvGrpSpPr>
-        <p:cNvPr id="1" name=""/>
-        <p:cNvGrpSpPr/>
-        <p:nvPr/>
-      </p:nvGrpSpPr>
-      <p:grpSpPr>
-        <a:xfrm>
-          <a:off x="0" y="0"/>
-          <a:ext cx="0" cy="0"/>
-          <a:chOff x="0" y="0"/>
-          <a:chExt cx="0" cy="0"/>
-        </a:xfrm>
-      </p:grpSpPr>
-      <p:sp>
-        <p:nvSpPr>
-          <p:cNvPr id="2" name="Title 1"/>
-          <p:cNvSpPr>
-            <a:spLocks noGrp="1"/>
-          </p:cNvSpPr>
-          <p:nvPr>
-            <p:ph type="title"/>
-          </p:nvPr>
-        </p:nvSpPr>
-        <p:spPr/>
-        <p:txBody>
-          <a:bodyPr/>
-          <a:lstStyle/>
-          <a:p>
-            <a:pPr lvl="0" indent="0" marL="0">
-              <a:buNone/>
-            </a:pPr>
-            <a:r>
-              <a:rPr/>
-              <a:t>Gastrostomy Tube</a:t>
-            </a:r>
-          </a:p>
-        </p:txBody>
-      </p:sp>
-      <p:sp>
-        <p:nvSpPr>
-          <p:cNvPr id="3" name="Content Placeholder 2"/>
-          <p:cNvSpPr>
-            <a:spLocks noGrp="1"/>
-          </p:cNvSpPr>
-          <p:nvPr>
-            <p:ph idx="1"/>
-          </p:nvPr>
-        </p:nvSpPr>
-        <p:spPr/>
-        <p:txBody>
-          <a:bodyPr/>
-          <a:lstStyle/>
-          <a:p>
-            <a:pPr lvl="0"/>
-            <a:r>
-              <a:rPr/>
-              <a:t>Outpatient Placement (go home the same day)</a:t>
-            </a:r>
-          </a:p>
-          <a:p>
-            <a:pPr lvl="0"/>
-            <a:r>
-              <a:rPr/>
-              <a:t>Central venous port can be placed at the same time (if needed)</a:t>
-            </a:r>
-          </a:p>
-        </p:txBody>
-      </p:sp>
-    </p:spTree>
-  </p:cSld>
-</p:sld>
-</file>
-
-<file path=ppt/slides/slide34.xml><?xml version="1.0" encoding="utf-8"?>
-<p:sld xmlns:a="http://schemas.openxmlformats.org/drawingml/2006/main" xmlns:r="http://schemas.openxmlformats.org/officeDocument/2006/relationships" xmlns:p="http://schemas.openxmlformats.org/presentationml/2006/main">
-  <p:cSld>
-    <p:spTree>
-      <p:nvGrpSpPr>
-        <p:cNvPr id="1" name=""/>
-        <p:cNvGrpSpPr/>
-        <p:nvPr/>
-      </p:nvGrpSpPr>
-      <p:grpSpPr>
-        <a:xfrm>
-          <a:off x="0" y="0"/>
-          <a:ext cx="0" cy="0"/>
-          <a:chOff x="0" y="0"/>
-          <a:chExt cx="0" cy="0"/>
-        </a:xfrm>
-      </p:grpSpPr>
-      <p:sp>
-        <p:nvSpPr>
-          <p:cNvPr id="2" name="Title 1"/>
-          <p:cNvSpPr>
-            <a:spLocks noGrp="1"/>
-          </p:cNvSpPr>
-          <p:nvPr>
-            <p:ph type="title"/>
-          </p:nvPr>
-        </p:nvSpPr>
-        <p:spPr/>
-        <p:txBody>
-          <a:bodyPr/>
-          <a:lstStyle/>
-          <a:p>
-            <a:pPr lvl="0" indent="0" marL="0">
-              <a:buNone/>
-            </a:pPr>
-            <a:r>
-              <a:rPr/>
-              <a:t>Jejunostomy tube</a:t>
-            </a:r>
-          </a:p>
-        </p:txBody>
-      </p:sp>
-      <p:sp>
-        <p:nvSpPr>
-          <p:cNvPr id="3" name="Content Placeholder 2"/>
-          <p:cNvSpPr>
-            <a:spLocks noGrp="1"/>
-          </p:cNvSpPr>
-          <p:nvPr>
-            <p:ph idx="1"/>
-          </p:nvPr>
-        </p:nvSpPr>
-        <p:spPr/>
-        <p:txBody>
-          <a:bodyPr/>
-          <a:lstStyle/>
-          <a:p>
-            <a:pPr lvl="0" indent="0" marL="0">
-              <a:buNone/>
-            </a:pPr>
-            <a:r>
-              <a:rPr/>
-              <a:t>The other type of feeding tube is a jejunostomy.</a:t>
-            </a:r>
-          </a:p>
-          <a:p>
-            <a:pPr lvl="0" indent="0" marL="0">
-              <a:buNone/>
-            </a:pPr>
-            <a:r>
-              <a:rPr/>
-              <a:t>A jejunostomy tube tube is placed into the small intestines. Because the small intestine is used to receiving food in small quantities, a jejunostomy tube requires the use of a pump to deliver feedings gradually over a matter of hours.</a:t>
-            </a:r>
-          </a:p>
-          <a:p>
-            <a:pPr lvl="0" indent="0" marL="0">
-              <a:buNone/>
-            </a:pPr>
-            <a:r>
-              <a:rPr/>
-              <a:t>In general, feedings are done at night in order to allow you to be active during the day</a:t>
-            </a:r>
-          </a:p>
-        </p:txBody>
-      </p:sp>
-    </p:spTree>
-  </p:cSld>
-</p:sld>
-</file>
-
-<file path=ppt/slides/slide35.xml><?xml version="1.0" encoding="utf-8"?>
-<p:sld xmlns:a="http://schemas.openxmlformats.org/drawingml/2006/main" xmlns:r="http://schemas.openxmlformats.org/officeDocument/2006/relationships" xmlns:p="http://schemas.openxmlformats.org/presentationml/2006/main">
-  <p:cSld>
-    <p:spTree>
-      <p:nvGrpSpPr>
-        <p:cNvPr id="1" name=""/>
-        <p:cNvGrpSpPr/>
-        <p:nvPr/>
-      </p:nvGrpSpPr>
-      <p:grpSpPr>
-        <a:xfrm>
-          <a:off x="0" y="0"/>
-          <a:ext cx="0" cy="0"/>
-          <a:chOff x="0" y="0"/>
-          <a:chExt cx="0" cy="0"/>
-        </a:xfrm>
-      </p:grpSpPr>
-      <p:sp>
-        <p:nvSpPr>
-          <p:cNvPr id="2" name="Title 1"/>
-          <p:cNvSpPr>
-            <a:spLocks noGrp="1"/>
-          </p:cNvSpPr>
-          <p:nvPr>
-            <p:ph type="title"/>
-          </p:nvPr>
-        </p:nvSpPr>
-        <p:spPr/>
-        <p:txBody>
-          <a:bodyPr/>
-          <a:lstStyle/>
-          <a:p>
-            <a:pPr lvl="0" indent="0" marL="0">
-              <a:buNone/>
-            </a:pPr>
-            <a:r>
-              <a:rPr/>
-              <a:t>Jejunostomy Video</a:t>
-            </a:r>
-          </a:p>
-        </p:txBody>
-      </p:sp>
-      <p:sp>
-        <p:nvSpPr>
-          <p:cNvPr id="3" name="Content Placeholder 2"/>
-          <p:cNvSpPr>
-            <a:spLocks noGrp="1"/>
-          </p:cNvSpPr>
-          <p:nvPr>
-            <p:ph idx="1" sz="half"/>
-          </p:nvPr>
-        </p:nvSpPr>
-        <p:spPr/>
-        <p:txBody>
-          <a:bodyPr/>
-          <a:lstStyle/>
-          <a:p>
-            <a:pPr lvl="0" indent="0" marL="0">
-              <a:buNone/>
-            </a:pPr>
-            <a:r>
-              <a:rPr/>
-              <a:t>A video is available to help become familiar with the feeding jejunostomy</a:t>
-            </a:r>
-          </a:p>
-        </p:txBody>
-      </p:sp>
-      <p:sp>
-        <p:nvSpPr>
-          <p:cNvPr id="4" name="Content Placeholder 3"/>
-          <p:cNvSpPr>
-            <a:spLocks noGrp="1"/>
-          </p:cNvSpPr>
-          <p:nvPr>
-            <p:ph idx="2" sz="half"/>
-          </p:nvPr>
-        </p:nvSpPr>
-        <p:spPr/>
-        <p:txBody>
-          <a:bodyPr/>
-          <a:lstStyle/>
-          <a:p>
-            <a:pPr lvl="0" indent="0" marL="0">
-              <a:buNone/>
-            </a:pPr>
-            <a:r>
-              <a:rPr/>
-              <a:t>Gastrostomy = Stomach </a:t>
-            </a:r>
-          </a:p>
-        </p:txBody>
-      </p:sp>
-    </p:spTree>
-  </p:cSld>
-</p:sld>
-</file>
-
-<file path=ppt/slides/slide36.xml><?xml version="1.0" encoding="utf-8"?>
-<p:sld xmlns:a="http://schemas.openxmlformats.org/drawingml/2006/main" xmlns:r="http://schemas.openxmlformats.org/officeDocument/2006/relationships" xmlns:p="http://schemas.openxmlformats.org/presentationml/2006/main">
-  <p:cSld>
-    <p:spTree>
-      <p:nvGrpSpPr>
-        <p:cNvPr id="1" name=""/>
-        <p:cNvGrpSpPr/>
-        <p:nvPr/>
-      </p:nvGrpSpPr>
-      <p:grpSpPr>
-        <a:xfrm>
-          <a:off x="0" y="0"/>
-          <a:ext cx="0" cy="0"/>
-          <a:chOff x="0" y="0"/>
-          <a:chExt cx="0" cy="0"/>
-        </a:xfrm>
-      </p:grpSpPr>
-      <p:sp>
-        <p:nvSpPr>
-          <p:cNvPr id="3" name="Content Placeholder 2"/>
-          <p:cNvSpPr>
-            <a:spLocks noGrp="1"/>
-          </p:cNvSpPr>
-          <p:nvPr>
-            <p:ph idx="1"/>
-          </p:nvPr>
-        </p:nvSpPr>
-        <p:spPr/>
-        <p:txBody>
-          <a:bodyPr/>
-          <a:lstStyle/>
-          <a:p>
-            <a:pPr lvl="0" indent="0" marL="0">
-              <a:buNone/>
-            </a:pPr>
-            <a:r>
-              <a:rPr>
-                <a:hlinkClick r:id="rId2"/>
-              </a:rPr>
-              <a:t>Gastrectomy Slideshow</a:t>
             </a:r>
           </a:p>
         </p:txBody>

--- a/lci_gist.pptx
+++ b/lci_gist.pptx
@@ -5172,16 +5172,10 @@
           <a:bodyPr/>
           <a:lstStyle/>
           <a:p>
-            <a:pPr lvl="0" indent="0" marL="0">
-              <a:buNone/>
-            </a:pPr>
-            <a:br/>
-          </a:p>
-          <a:p>
             <a:pPr lvl="0"/>
             <a:r>
               <a:rPr/>
-              <a:t>Critical to good communication with your cancer care team</a:t>
+              <a:t>Critical to good communication with your care team</a:t>
             </a:r>
           </a:p>
           <a:p>
@@ -5265,7 +5259,7 @@
             <a:pPr lvl="0"/>
             <a:r>
               <a:rPr/>
-              <a:t>Important to reduce the risk of complications from cancer treatment</a:t>
+              <a:t>Reduces risk of complications from treatment</a:t>
             </a:r>
           </a:p>
           <a:p>
@@ -5279,14 +5273,14 @@
             <a:pPr lvl="1"/>
             <a:r>
               <a:rPr/>
-              <a:t>Working hard enough that you can’t carry a conversation</a:t>
+              <a:t>Working hard enough that you can’t converse</a:t>
             </a:r>
           </a:p>
           <a:p>
             <a:pPr lvl="1"/>
             <a:r>
               <a:rPr/>
-              <a:t>Start slow an build up</a:t>
+              <a:t>Start slowly and build up</a:t>
             </a:r>
           </a:p>
           <a:p>
@@ -5363,7 +5357,7 @@
             <a:pPr lvl="0"/>
             <a:r>
               <a:rPr/>
-              <a:t>Smoking makes it more difficult to get through cancer treatment</a:t>
+              <a:t>Smoking makes cancer treatment more difficult</a:t>
             </a:r>
           </a:p>
           <a:p>
@@ -5391,14 +5385,14 @@
             <a:pPr lvl="1"/>
             <a:r>
               <a:rPr/>
-              <a:t>American Lung Asssociation fredomfromsmoking.org</a:t>
+              <a:t>American Lung Assn fredomfromsmoking.org</a:t>
             </a:r>
           </a:p>
           <a:p>
             <a:pPr lvl="1"/>
             <a:r>
               <a:rPr/>
-              <a:t>1:1 Smoking Cessation Counseling Clinics (Metro Charlotte)</a:t>
+              <a:t>1:1 Smoking Cessation Counseling (Metro Charlotte)</a:t>
             </a:r>
           </a:p>
           <a:p>

--- a/lci_gist.pptx
+++ b/lci_gist.pptx
@@ -5104,7 +5104,7 @@
             </a:pPr>
             <a:r>
               <a:rPr/>
-              <a:t>If you do not have a PCP, call our referral line at (844) 235-6998</a:t>
+              <a:t>Call our referral line at (844) 235-6998 if you need a PCP</a:t>
             </a:r>
           </a:p>
         </p:txBody>
@@ -5392,7 +5392,7 @@
             <a:pPr lvl="1"/>
             <a:r>
               <a:rPr/>
-              <a:t>1:1 Smoking Cessation Counseling (Metro Charlotte)</a:t>
+              <a:t>Smoking Cessation Counseling (Metro Charlotte)</a:t>
             </a:r>
           </a:p>
           <a:p>

--- a/lci_gist.pptx
+++ b/lci_gist.pptx
@@ -327,7 +327,7 @@
           <a:p>
             <a:fld id="{241EB5C9-1307-BA42-ABA2-0BC069CD8E7F}" type="datetimeFigureOut">
               <a:rPr lang="en-US" smtClean="0"/>
-              <a:t>1/8/25</a:t>
+              <a:t>1/11/25</a:t>
             </a:fld>
             <a:endParaRPr lang="en-US"/>
           </a:p>
@@ -495,7 +495,7 @@
           <a:p>
             <a:fld id="{241EB5C9-1307-BA42-ABA2-0BC069CD8E7F}" type="datetimeFigureOut">
               <a:rPr lang="en-US" smtClean="0"/>
-              <a:t>1/8/25</a:t>
+              <a:t>1/11/25</a:t>
             </a:fld>
             <a:endParaRPr lang="en-US"/>
           </a:p>
@@ -673,7 +673,7 @@
           <a:p>
             <a:fld id="{241EB5C9-1307-BA42-ABA2-0BC069CD8E7F}" type="datetimeFigureOut">
               <a:rPr lang="en-US" smtClean="0"/>
-              <a:t>1/8/25</a:t>
+              <a:t>1/11/25</a:t>
             </a:fld>
             <a:endParaRPr lang="en-US"/>
           </a:p>
@@ -851,7 +851,7 @@
           <a:p>
             <a:fld id="{241EB5C9-1307-BA42-ABA2-0BC069CD8E7F}" type="datetimeFigureOut">
               <a:rPr lang="en-US" smtClean="0"/>
-              <a:t>1/8/25</a:t>
+              <a:t>1/11/25</a:t>
             </a:fld>
             <a:endParaRPr lang="en-US"/>
           </a:p>
@@ -1070,7 +1070,12 @@
             <p:ph type="title"/>
           </p:nvPr>
         </p:nvSpPr>
-        <p:spPr/>
+        <p:spPr>
+          <a:xfrm>
+            <a:off x="284309" y="205979"/>
+            <a:ext cx="8552330" cy="857250"/>
+          </a:xfrm>
+        </p:spPr>
         <p:txBody>
           <a:bodyPr/>
           <a:lstStyle/>
@@ -1092,7 +1097,12 @@
             <p:ph idx="1"/>
           </p:nvPr>
         </p:nvSpPr>
-        <p:spPr/>
+        <p:spPr>
+          <a:xfrm>
+            <a:off x="284309" y="1200151"/>
+            <a:ext cx="8552330" cy="3737370"/>
+          </a:xfrm>
+        </p:spPr>
         <p:txBody>
           <a:bodyPr/>
           <a:lstStyle>
@@ -1141,71 +1151,6 @@
               <a:rPr lang="en-US" dirty="0"/>
               <a:t>Fifth level</a:t>
             </a:r>
-          </a:p>
-        </p:txBody>
-      </p:sp>
-      <p:sp>
-        <p:nvSpPr>
-          <p:cNvPr id="4" name="Date Placeholder 3"/>
-          <p:cNvSpPr>
-            <a:spLocks noGrp="1"/>
-          </p:cNvSpPr>
-          <p:nvPr>
-            <p:ph type="dt" sz="half" idx="10"/>
-          </p:nvPr>
-        </p:nvSpPr>
-        <p:spPr/>
-        <p:txBody>
-          <a:bodyPr/>
-          <a:lstStyle/>
-          <a:p>
-            <a:fld id="{241EB5C9-1307-BA42-ABA2-0BC069CD8E7F}" type="datetimeFigureOut">
-              <a:rPr lang="en-US" smtClean="0"/>
-              <a:t>1/8/25</a:t>
-            </a:fld>
-            <a:endParaRPr lang="en-US"/>
-          </a:p>
-        </p:txBody>
-      </p:sp>
-      <p:sp>
-        <p:nvSpPr>
-          <p:cNvPr id="5" name="Footer Placeholder 4"/>
-          <p:cNvSpPr>
-            <a:spLocks noGrp="1"/>
-          </p:cNvSpPr>
-          <p:nvPr>
-            <p:ph type="ftr" sz="quarter" idx="11"/>
-          </p:nvPr>
-        </p:nvSpPr>
-        <p:spPr/>
-        <p:txBody>
-          <a:bodyPr/>
-          <a:lstStyle/>
-          <a:p>
-            <a:endParaRPr lang="en-US"/>
-          </a:p>
-        </p:txBody>
-      </p:sp>
-      <p:sp>
-        <p:nvSpPr>
-          <p:cNvPr id="6" name="Slide Number Placeholder 5"/>
-          <p:cNvSpPr>
-            <a:spLocks noGrp="1"/>
-          </p:cNvSpPr>
-          <p:nvPr>
-            <p:ph type="sldNum" sz="quarter" idx="12"/>
-          </p:nvPr>
-        </p:nvSpPr>
-        <p:spPr/>
-        <p:txBody>
-          <a:bodyPr/>
-          <a:lstStyle/>
-          <a:p>
-            <a:fld id="{C5EF2332-01BF-834F-8236-50238282D533}" type="slidenum">
-              <a:rPr lang="en-US" smtClean="0"/>
-              <a:t>‹#›</a:t>
-            </a:fld>
-            <a:endParaRPr lang="en-US"/>
           </a:p>
         </p:txBody>
       </p:sp>
@@ -1422,7 +1367,7 @@
           <a:p>
             <a:fld id="{241EB5C9-1307-BA42-ABA2-0BC069CD8E7F}" type="datetimeFigureOut">
               <a:rPr lang="en-US" smtClean="0"/>
-              <a:t>1/8/25</a:t>
+              <a:t>1/11/25</a:t>
             </a:fld>
             <a:endParaRPr lang="en-US"/>
           </a:p>
@@ -1510,7 +1455,12 @@
             <p:ph type="title"/>
           </p:nvPr>
         </p:nvSpPr>
-        <p:spPr/>
+        <p:spPr>
+          <a:xfrm>
+            <a:off x="315045" y="205979"/>
+            <a:ext cx="8529278" cy="857250"/>
+          </a:xfrm>
+        </p:spPr>
         <p:txBody>
           <a:bodyPr/>
           <a:lstStyle/>
@@ -1534,8 +1484,8 @@
         </p:nvSpPr>
         <p:spPr>
           <a:xfrm>
-            <a:off x="457200" y="1200151"/>
-            <a:ext cx="4038600" cy="3394472"/>
+            <a:off x="315045" y="1200151"/>
+            <a:ext cx="4180755" cy="3737370"/>
           </a:xfrm>
         </p:spPr>
         <p:txBody>
@@ -1619,8 +1569,8 @@
         </p:nvSpPr>
         <p:spPr>
           <a:xfrm>
-            <a:off x="4648200" y="1200151"/>
-            <a:ext cx="4038600" cy="3394472"/>
+            <a:off x="4648199" y="1200151"/>
+            <a:ext cx="4196123" cy="3737370"/>
           </a:xfrm>
         </p:spPr>
         <p:txBody>
@@ -1692,71 +1642,6 @@
           </a:p>
         </p:txBody>
       </p:sp>
-      <p:sp>
-        <p:nvSpPr>
-          <p:cNvPr id="5" name="Date Placeholder 4"/>
-          <p:cNvSpPr>
-            <a:spLocks noGrp="1"/>
-          </p:cNvSpPr>
-          <p:nvPr>
-            <p:ph type="dt" sz="half" idx="10"/>
-          </p:nvPr>
-        </p:nvSpPr>
-        <p:spPr/>
-        <p:txBody>
-          <a:bodyPr/>
-          <a:lstStyle/>
-          <a:p>
-            <a:fld id="{241EB5C9-1307-BA42-ABA2-0BC069CD8E7F}" type="datetimeFigureOut">
-              <a:rPr lang="en-US" smtClean="0"/>
-              <a:t>1/8/25</a:t>
-            </a:fld>
-            <a:endParaRPr lang="en-US"/>
-          </a:p>
-        </p:txBody>
-      </p:sp>
-      <p:sp>
-        <p:nvSpPr>
-          <p:cNvPr id="6" name="Footer Placeholder 5"/>
-          <p:cNvSpPr>
-            <a:spLocks noGrp="1"/>
-          </p:cNvSpPr>
-          <p:nvPr>
-            <p:ph type="ftr" sz="quarter" idx="11"/>
-          </p:nvPr>
-        </p:nvSpPr>
-        <p:spPr/>
-        <p:txBody>
-          <a:bodyPr/>
-          <a:lstStyle/>
-          <a:p>
-            <a:endParaRPr lang="en-US"/>
-          </a:p>
-        </p:txBody>
-      </p:sp>
-      <p:sp>
-        <p:nvSpPr>
-          <p:cNvPr id="7" name="Slide Number Placeholder 6"/>
-          <p:cNvSpPr>
-            <a:spLocks noGrp="1"/>
-          </p:cNvSpPr>
-          <p:nvPr>
-            <p:ph type="sldNum" sz="quarter" idx="12"/>
-          </p:nvPr>
-        </p:nvSpPr>
-        <p:spPr/>
-        <p:txBody>
-          <a:bodyPr/>
-          <a:lstStyle/>
-          <a:p>
-            <a:fld id="{C5EF2332-01BF-834F-8236-50238282D533}" type="slidenum">
-              <a:rPr lang="en-US" smtClean="0"/>
-              <a:t>‹#›</a:t>
-            </a:fld>
-            <a:endParaRPr lang="en-US"/>
-          </a:p>
-        </p:txBody>
-      </p:sp>
     </p:spTree>
     <p:extLst>
       <p:ext uri="{BB962C8B-B14F-4D97-AF65-F5344CB8AC3E}">
@@ -2128,7 +2013,7 @@
           <a:p>
             <a:fld id="{241EB5C9-1307-BA42-ABA2-0BC069CD8E7F}" type="datetimeFigureOut">
               <a:rPr lang="en-US" smtClean="0"/>
-              <a:t>1/8/25</a:t>
+              <a:t>1/11/25</a:t>
             </a:fld>
             <a:endParaRPr lang="en-US"/>
           </a:p>
@@ -2245,7 +2130,7 @@
           <a:p>
             <a:fld id="{241EB5C9-1307-BA42-ABA2-0BC069CD8E7F}" type="datetimeFigureOut">
               <a:rPr lang="en-US" smtClean="0"/>
-              <a:t>1/8/25</a:t>
+              <a:t>1/11/25</a:t>
             </a:fld>
             <a:endParaRPr lang="en-US"/>
           </a:p>
@@ -2340,7 +2225,7 @@
           <a:p>
             <a:fld id="{241EB5C9-1307-BA42-ABA2-0BC069CD8E7F}" type="datetimeFigureOut">
               <a:rPr lang="en-US" smtClean="0"/>
-              <a:t>1/8/25</a:t>
+              <a:t>1/11/25</a:t>
             </a:fld>
             <a:endParaRPr lang="en-US"/>
           </a:p>
@@ -2615,7 +2500,7 @@
           <a:p>
             <a:fld id="{241EB5C9-1307-BA42-ABA2-0BC069CD8E7F}" type="datetimeFigureOut">
               <a:rPr lang="en-US" smtClean="0"/>
-              <a:t>1/8/25</a:t>
+              <a:t>1/11/25</a:t>
             </a:fld>
             <a:endParaRPr lang="en-US"/>
           </a:p>
@@ -2867,7 +2752,7 @@
           <a:p>
             <a:fld id="{241EB5C9-1307-BA42-ABA2-0BC069CD8E7F}" type="datetimeFigureOut">
               <a:rPr lang="en-US" smtClean="0"/>
-              <a:t>1/8/25</a:t>
+              <a:t>1/11/25</a:t>
             </a:fld>
             <a:endParaRPr lang="en-US"/>
           </a:p>
@@ -3078,7 +2963,7 @@
           <a:p>
             <a:fld id="{241EB5C9-1307-BA42-ABA2-0BC069CD8E7F}" type="datetimeFigureOut">
               <a:rPr lang="en-US" smtClean="0"/>
-              <a:t>1/8/25</a:t>
+              <a:t>1/11/25</a:t>
             </a:fld>
             <a:endParaRPr lang="en-US"/>
           </a:p>
@@ -3560,7 +3445,12 @@
             <p:ph type="title"/>
           </p:nvPr>
         </p:nvSpPr>
-        <p:spPr/>
+        <p:spPr>
+          <a:xfrm>
+            <a:off x="315045" y="205979"/>
+            <a:ext cx="8529278" cy="857250"/>
+          </a:xfrm>
+        </p:spPr>
         <p:txBody>
           <a:bodyPr/>
           <a:lstStyle/>
@@ -3627,8 +3517,8 @@
         </p:blipFill>
         <p:spPr bwMode="auto">
           <a:xfrm>
-            <a:off x="5156200" y="1193800"/>
-            <a:ext cx="3022600" cy="3390900"/>
+            <a:off x="5067300" y="1193800"/>
+            <a:ext cx="3327400" cy="3733800"/>
           </a:xfrm>
           <a:prstGeom prst="rect">
             <a:avLst/>
@@ -3673,7 +3563,12 @@
             <p:ph type="title"/>
           </p:nvPr>
         </p:nvSpPr>
-        <p:spPr/>
+        <p:spPr>
+          <a:xfrm>
+            <a:off x="315045" y="205979"/>
+            <a:ext cx="8529278" cy="857250"/>
+          </a:xfrm>
+        </p:spPr>
         <p:txBody>
           <a:bodyPr/>
           <a:lstStyle/>
@@ -3704,8 +3599,8 @@
         </p:blipFill>
         <p:spPr bwMode="auto">
           <a:xfrm>
-            <a:off x="1168400" y="1193800"/>
-            <a:ext cx="2616200" cy="3390900"/>
+            <a:off x="952500" y="1193800"/>
+            <a:ext cx="2882900" cy="3733800"/>
           </a:xfrm>
           <a:prstGeom prst="rect">
             <a:avLst/>
@@ -3734,8 +3629,8 @@
         </p:blipFill>
         <p:spPr bwMode="auto">
           <a:xfrm>
-            <a:off x="5156200" y="1193800"/>
-            <a:ext cx="3022600" cy="3390900"/>
+            <a:off x="5067300" y="1193800"/>
+            <a:ext cx="3327400" cy="3733800"/>
           </a:xfrm>
           <a:prstGeom prst="rect">
             <a:avLst/>
@@ -3780,7 +3675,12 @@
             <p:ph type="title"/>
           </p:nvPr>
         </p:nvSpPr>
-        <p:spPr/>
+        <p:spPr>
+          <a:xfrm>
+            <a:off x="315045" y="205979"/>
+            <a:ext cx="8529278" cy="857250"/>
+          </a:xfrm>
+        </p:spPr>
         <p:txBody>
           <a:bodyPr/>
           <a:lstStyle/>
@@ -3848,8 +3748,8 @@
         </p:blipFill>
         <p:spPr bwMode="auto">
           <a:xfrm>
-            <a:off x="5359400" y="1193800"/>
-            <a:ext cx="2616200" cy="3390900"/>
+            <a:off x="5283200" y="1193800"/>
+            <a:ext cx="2882900" cy="3733800"/>
           </a:xfrm>
           <a:prstGeom prst="rect">
             <a:avLst/>
@@ -3894,7 +3794,12 @@
             <p:ph type="title"/>
           </p:nvPr>
         </p:nvSpPr>
-        <p:spPr/>
+        <p:spPr>
+          <a:xfrm>
+            <a:off x="315045" y="205979"/>
+            <a:ext cx="8529278" cy="857250"/>
+          </a:xfrm>
+        </p:spPr>
         <p:txBody>
           <a:bodyPr/>
           <a:lstStyle/>
@@ -3925,8 +3830,8 @@
         </p:blipFill>
         <p:spPr bwMode="auto">
           <a:xfrm>
-            <a:off x="1168400" y="1193800"/>
-            <a:ext cx="2616200" cy="3390900"/>
+            <a:off x="952500" y="1193800"/>
+            <a:ext cx="2882900" cy="3733800"/>
           </a:xfrm>
           <a:prstGeom prst="rect">
             <a:avLst/>
@@ -3955,8 +3860,8 @@
         </p:blipFill>
         <p:spPr bwMode="auto">
           <a:xfrm>
-            <a:off x="5359400" y="1193800"/>
-            <a:ext cx="2616200" cy="3390900"/>
+            <a:off x="5283200" y="1193800"/>
+            <a:ext cx="2882900" cy="3733800"/>
           </a:xfrm>
           <a:prstGeom prst="rect">
             <a:avLst/>
@@ -4001,7 +3906,12 @@
             <p:ph type="title"/>
           </p:nvPr>
         </p:nvSpPr>
-        <p:spPr/>
+        <p:spPr>
+          <a:xfrm>
+            <a:off x="315045" y="205979"/>
+            <a:ext cx="8529278" cy="857250"/>
+          </a:xfrm>
+        </p:spPr>
         <p:txBody>
           <a:bodyPr/>
           <a:lstStyle/>
@@ -4068,8 +3978,8 @@
         </p:blipFill>
         <p:spPr bwMode="auto">
           <a:xfrm>
-            <a:off x="5359400" y="1193800"/>
-            <a:ext cx="2616200" cy="3390900"/>
+            <a:off x="5283200" y="1193800"/>
+            <a:ext cx="2882900" cy="3733800"/>
           </a:xfrm>
           <a:prstGeom prst="rect">
             <a:avLst/>
@@ -4114,7 +4024,12 @@
             <p:ph type="title"/>
           </p:nvPr>
         </p:nvSpPr>
-        <p:spPr/>
+        <p:spPr>
+          <a:xfrm>
+            <a:off x="315045" y="205979"/>
+            <a:ext cx="8529278" cy="857250"/>
+          </a:xfrm>
+        </p:spPr>
         <p:txBody>
           <a:bodyPr/>
           <a:lstStyle/>
@@ -4171,8 +4086,8 @@
         </p:blipFill>
         <p:spPr bwMode="auto">
           <a:xfrm>
-            <a:off x="5359400" y="1193800"/>
-            <a:ext cx="2616200" cy="3390900"/>
+            <a:off x="5283200" y="1193800"/>
+            <a:ext cx="2882900" cy="3733800"/>
           </a:xfrm>
           <a:prstGeom prst="rect">
             <a:avLst/>
@@ -4217,7 +4132,12 @@
             <p:ph type="title"/>
           </p:nvPr>
         </p:nvSpPr>
-        <p:spPr/>
+        <p:spPr>
+          <a:xfrm>
+            <a:off x="315045" y="205979"/>
+            <a:ext cx="8529278" cy="857250"/>
+          </a:xfrm>
+        </p:spPr>
         <p:txBody>
           <a:bodyPr/>
           <a:lstStyle/>
@@ -4248,8 +4168,8 @@
         </p:blipFill>
         <p:spPr bwMode="auto">
           <a:xfrm>
-            <a:off x="1168400" y="1193800"/>
-            <a:ext cx="2616200" cy="3390900"/>
+            <a:off x="952500" y="1193800"/>
+            <a:ext cx="2882900" cy="3733800"/>
           </a:xfrm>
           <a:prstGeom prst="rect">
             <a:avLst/>
@@ -4278,8 +4198,8 @@
         </p:blipFill>
         <p:spPr bwMode="auto">
           <a:xfrm>
-            <a:off x="5359400" y="1193800"/>
-            <a:ext cx="2616200" cy="3390900"/>
+            <a:off x="5283200" y="1193800"/>
+            <a:ext cx="2882900" cy="3733800"/>
           </a:xfrm>
           <a:prstGeom prst="rect">
             <a:avLst/>
@@ -4324,7 +4244,12 @@
             <p:ph type="title"/>
           </p:nvPr>
         </p:nvSpPr>
-        <p:spPr/>
+        <p:spPr>
+          <a:xfrm>
+            <a:off x="315045" y="205979"/>
+            <a:ext cx="8529278" cy="857250"/>
+          </a:xfrm>
+        </p:spPr>
         <p:txBody>
           <a:bodyPr/>
           <a:lstStyle/>
@@ -4388,8 +4313,8 @@
         </p:blipFill>
         <p:spPr bwMode="auto">
           <a:xfrm>
-            <a:off x="5359400" y="1193800"/>
-            <a:ext cx="2616200" cy="3390900"/>
+            <a:off x="5283200" y="1193800"/>
+            <a:ext cx="2882900" cy="3733800"/>
           </a:xfrm>
           <a:prstGeom prst="rect">
             <a:avLst/>
@@ -4434,7 +4359,12 @@
             <p:ph type="title"/>
           </p:nvPr>
         </p:nvSpPr>
-        <p:spPr/>
+        <p:spPr>
+          <a:xfrm>
+            <a:off x="315045" y="205979"/>
+            <a:ext cx="8529278" cy="857250"/>
+          </a:xfrm>
+        </p:spPr>
         <p:txBody>
           <a:bodyPr/>
           <a:lstStyle/>
@@ -4465,8 +4395,8 @@
         </p:blipFill>
         <p:spPr bwMode="auto">
           <a:xfrm>
-            <a:off x="1168400" y="1193800"/>
-            <a:ext cx="2616200" cy="3390900"/>
+            <a:off x="952500" y="1193800"/>
+            <a:ext cx="2882900" cy="3733800"/>
           </a:xfrm>
           <a:prstGeom prst="rect">
             <a:avLst/>
@@ -4495,8 +4425,8 @@
         </p:blipFill>
         <p:spPr bwMode="auto">
           <a:xfrm>
-            <a:off x="5359400" y="1193800"/>
-            <a:ext cx="2616200" cy="3390900"/>
+            <a:off x="5283200" y="1193800"/>
+            <a:ext cx="2882900" cy="3733800"/>
           </a:xfrm>
           <a:prstGeom prst="rect">
             <a:avLst/>
@@ -4541,7 +4471,12 @@
             <p:ph type="title"/>
           </p:nvPr>
         </p:nvSpPr>
-        <p:spPr/>
+        <p:spPr>
+          <a:xfrm>
+            <a:off x="284309" y="205979"/>
+            <a:ext cx="8552330" cy="857250"/>
+          </a:xfrm>
+        </p:spPr>
         <p:txBody>
           <a:bodyPr/>
           <a:lstStyle/>
@@ -4632,7 +4567,12 @@
             <p:ph type="title"/>
           </p:nvPr>
         </p:nvSpPr>
-        <p:spPr/>
+        <p:spPr>
+          <a:xfrm>
+            <a:off x="284309" y="205979"/>
+            <a:ext cx="8552330" cy="857250"/>
+          </a:xfrm>
+        </p:spPr>
         <p:txBody>
           <a:bodyPr/>
           <a:lstStyle/>
@@ -4723,7 +4663,12 @@
             <p:ph type="title"/>
           </p:nvPr>
         </p:nvSpPr>
-        <p:spPr/>
+        <p:spPr>
+          <a:xfrm>
+            <a:off x="315045" y="205979"/>
+            <a:ext cx="8529278" cy="857250"/>
+          </a:xfrm>
+        </p:spPr>
         <p:txBody>
           <a:bodyPr/>
           <a:lstStyle/>
@@ -4791,8 +4736,8 @@
         </p:blipFill>
         <p:spPr bwMode="auto">
           <a:xfrm>
-            <a:off x="5016500" y="1193800"/>
-            <a:ext cx="3302000" cy="3390900"/>
+            <a:off x="4914900" y="1193800"/>
+            <a:ext cx="3632200" cy="3733800"/>
           </a:xfrm>
           <a:prstGeom prst="rect">
             <a:avLst/>
@@ -4837,7 +4782,12 @@
             <p:ph type="title"/>
           </p:nvPr>
         </p:nvSpPr>
-        <p:spPr/>
+        <p:spPr>
+          <a:xfrm>
+            <a:off x="315045" y="205979"/>
+            <a:ext cx="8529278" cy="857250"/>
+          </a:xfrm>
+        </p:spPr>
         <p:txBody>
           <a:bodyPr/>
           <a:lstStyle/>
@@ -4914,8 +4864,8 @@
         </p:blipFill>
         <p:spPr bwMode="auto">
           <a:xfrm>
-            <a:off x="5016500" y="1193800"/>
-            <a:ext cx="3302000" cy="3390900"/>
+            <a:off x="4914900" y="1193800"/>
+            <a:ext cx="3632200" cy="3733800"/>
           </a:xfrm>
           <a:prstGeom prst="rect">
             <a:avLst/>
@@ -4960,7 +4910,12 @@
             <p:ph type="title"/>
           </p:nvPr>
         </p:nvSpPr>
-        <p:spPr/>
+        <p:spPr>
+          <a:xfrm>
+            <a:off x="284309" y="205979"/>
+            <a:ext cx="8552330" cy="857250"/>
+          </a:xfrm>
+        </p:spPr>
         <p:txBody>
           <a:bodyPr/>
           <a:lstStyle/>
@@ -5051,7 +5006,12 @@
             <p:ph type="title"/>
           </p:nvPr>
         </p:nvSpPr>
-        <p:spPr/>
+        <p:spPr>
+          <a:xfrm>
+            <a:off x="284309" y="205979"/>
+            <a:ext cx="8552330" cy="857250"/>
+          </a:xfrm>
+        </p:spPr>
         <p:txBody>
           <a:bodyPr/>
           <a:lstStyle/>
@@ -5141,7 +5101,12 @@
             <p:ph type="title"/>
           </p:nvPr>
         </p:nvSpPr>
-        <p:spPr/>
+        <p:spPr>
+          <a:xfrm>
+            <a:off x="284309" y="205979"/>
+            <a:ext cx="8552330" cy="857250"/>
+          </a:xfrm>
+        </p:spPr>
         <p:txBody>
           <a:bodyPr/>
           <a:lstStyle/>
@@ -5226,7 +5191,12 @@
             <p:ph type="title"/>
           </p:nvPr>
         </p:nvSpPr>
-        <p:spPr/>
+        <p:spPr>
+          <a:xfrm>
+            <a:off x="284309" y="205979"/>
+            <a:ext cx="8552330" cy="857250"/>
+          </a:xfrm>
+        </p:spPr>
         <p:txBody>
           <a:bodyPr/>
           <a:lstStyle/>
@@ -5324,7 +5294,12 @@
             <p:ph type="title"/>
           </p:nvPr>
         </p:nvSpPr>
-        <p:spPr/>
+        <p:spPr>
+          <a:xfrm>
+            <a:off x="284309" y="205979"/>
+            <a:ext cx="8552330" cy="857250"/>
+          </a:xfrm>
+        </p:spPr>
         <p:txBody>
           <a:bodyPr/>
           <a:lstStyle/>
@@ -5440,7 +5415,12 @@
             <p:ph type="title"/>
           </p:nvPr>
         </p:nvSpPr>
-        <p:spPr/>
+        <p:spPr>
+          <a:xfrm>
+            <a:off x="315045" y="205979"/>
+            <a:ext cx="8529278" cy="857250"/>
+          </a:xfrm>
+        </p:spPr>
         <p:txBody>
           <a:bodyPr/>
           <a:lstStyle/>
@@ -5586,7 +5566,12 @@
             <p:ph type="title"/>
           </p:nvPr>
         </p:nvSpPr>
-        <p:spPr/>
+        <p:spPr>
+          <a:xfrm>
+            <a:off x="284309" y="205979"/>
+            <a:ext cx="8552330" cy="857250"/>
+          </a:xfrm>
+        </p:spPr>
         <p:txBody>
           <a:bodyPr/>
           <a:lstStyle/>
@@ -5672,7 +5657,12 @@
             <p:ph type="title"/>
           </p:nvPr>
         </p:nvSpPr>
-        <p:spPr/>
+        <p:spPr>
+          <a:xfrm>
+            <a:off x="284309" y="205979"/>
+            <a:ext cx="8552330" cy="857250"/>
+          </a:xfrm>
+        </p:spPr>
         <p:txBody>
           <a:bodyPr/>
           <a:lstStyle/>
@@ -5763,7 +5753,12 @@
             <p:ph type="title"/>
           </p:nvPr>
         </p:nvSpPr>
-        <p:spPr/>
+        <p:spPr>
+          <a:xfrm>
+            <a:off x="315045" y="205979"/>
+            <a:ext cx="8529278" cy="857250"/>
+          </a:xfrm>
+        </p:spPr>
         <p:txBody>
           <a:bodyPr/>
           <a:lstStyle/>
@@ -5821,8 +5816,8 @@
         </p:blipFill>
         <p:spPr bwMode="auto">
           <a:xfrm>
-            <a:off x="5359400" y="1193800"/>
-            <a:ext cx="2616200" cy="3390900"/>
+            <a:off x="5283200" y="1193800"/>
+            <a:ext cx="2882900" cy="3733800"/>
           </a:xfrm>
           <a:prstGeom prst="rect">
             <a:avLst/>
@@ -5867,7 +5862,12 @@
             <p:ph type="title"/>
           </p:nvPr>
         </p:nvSpPr>
-        <p:spPr/>
+        <p:spPr>
+          <a:xfrm>
+            <a:off x="315045" y="205979"/>
+            <a:ext cx="8529278" cy="857250"/>
+          </a:xfrm>
+        </p:spPr>
         <p:txBody>
           <a:bodyPr/>
           <a:lstStyle/>
@@ -5924,8 +5924,8 @@
         </p:blipFill>
         <p:spPr bwMode="auto">
           <a:xfrm>
-            <a:off x="5359400" y="1193800"/>
-            <a:ext cx="2616200" cy="3390900"/>
+            <a:off x="5283200" y="1193800"/>
+            <a:ext cx="2882900" cy="3733800"/>
           </a:xfrm>
           <a:prstGeom prst="rect">
             <a:avLst/>
@@ -5970,7 +5970,12 @@
             <p:ph type="title"/>
           </p:nvPr>
         </p:nvSpPr>
-        <p:spPr/>
+        <p:spPr>
+          <a:xfrm>
+            <a:off x="315045" y="205979"/>
+            <a:ext cx="8529278" cy="857250"/>
+          </a:xfrm>
+        </p:spPr>
         <p:txBody>
           <a:bodyPr/>
           <a:lstStyle/>
@@ -6001,8 +6006,8 @@
         </p:blipFill>
         <p:spPr bwMode="auto">
           <a:xfrm>
-            <a:off x="1168400" y="1193800"/>
-            <a:ext cx="2616200" cy="3390900"/>
+            <a:off x="952500" y="1193800"/>
+            <a:ext cx="2882900" cy="3733800"/>
           </a:xfrm>
           <a:prstGeom prst="rect">
             <a:avLst/>
@@ -6031,8 +6036,8 @@
         </p:blipFill>
         <p:spPr bwMode="auto">
           <a:xfrm>
-            <a:off x="5359400" y="1193800"/>
-            <a:ext cx="2616200" cy="3390900"/>
+            <a:off x="5283200" y="1193800"/>
+            <a:ext cx="2882900" cy="3733800"/>
           </a:xfrm>
           <a:prstGeom prst="rect">
             <a:avLst/>
@@ -6077,7 +6082,12 @@
             <p:ph type="title"/>
           </p:nvPr>
         </p:nvSpPr>
-        <p:spPr/>
+        <p:spPr>
+          <a:xfrm>
+            <a:off x="315045" y="205979"/>
+            <a:ext cx="8529278" cy="857250"/>
+          </a:xfrm>
+        </p:spPr>
         <p:txBody>
           <a:bodyPr/>
           <a:lstStyle/>
@@ -6151,8 +6161,8 @@
         </p:blipFill>
         <p:spPr bwMode="auto">
           <a:xfrm>
-            <a:off x="5359400" y="1193800"/>
-            <a:ext cx="2616200" cy="3390900"/>
+            <a:off x="5283200" y="1193800"/>
+            <a:ext cx="2882900" cy="3733800"/>
           </a:xfrm>
           <a:prstGeom prst="rect">
             <a:avLst/>

--- a/lci_gist.pptx
+++ b/lci_gist.pptx
@@ -183,10 +183,16 @@
         </p:spPr>
         <p:txBody>
           <a:bodyPr/>
-          <a:lstStyle/>
-          <a:p>
-            <a:r>
-              <a:rPr lang="en-US"/>
+          <a:lstStyle>
+            <a:lvl1pPr>
+              <a:defRPr baseline="0">
+                <a:latin typeface="Lato Semibold" panose="020F0502020204030203" pitchFamily="34" charset="0"/>
+              </a:defRPr>
+            </a:lvl1pPr>
+          </a:lstStyle>
+          <a:p>
+            <a:r>
+              <a:rPr lang="en-US" dirty="0"/>
               <a:t>Click to edit Master title style</a:t>
             </a:r>
           </a:p>
@@ -320,7 +326,15 @@
             <p:ph type="dt" sz="half" idx="10"/>
           </p:nvPr>
         </p:nvSpPr>
-        <p:spPr/>
+        <p:spPr>
+          <a:xfrm>
+            <a:off x="457200" y="4767263"/>
+            <a:ext cx="2133600" cy="273844"/>
+          </a:xfrm>
+          <a:prstGeom prst="rect">
+            <a:avLst/>
+          </a:prstGeom>
+        </p:spPr>
         <p:txBody>
           <a:bodyPr/>
           <a:lstStyle/>
@@ -343,7 +357,15 @@
             <p:ph type="ftr" sz="quarter" idx="11"/>
           </p:nvPr>
         </p:nvSpPr>
-        <p:spPr/>
+        <p:spPr>
+          <a:xfrm>
+            <a:off x="3124200" y="4767263"/>
+            <a:ext cx="2895600" cy="273844"/>
+          </a:xfrm>
+          <a:prstGeom prst="rect">
+            <a:avLst/>
+          </a:prstGeom>
+        </p:spPr>
         <p:txBody>
           <a:bodyPr/>
           <a:lstStyle/>
@@ -362,7 +384,15 @@
             <p:ph type="sldNum" sz="quarter" idx="12"/>
           </p:nvPr>
         </p:nvSpPr>
-        <p:spPr/>
+        <p:spPr>
+          <a:xfrm>
+            <a:off x="6553200" y="4767263"/>
+            <a:ext cx="2133600" cy="273844"/>
+          </a:xfrm>
+          <a:prstGeom prst="rect">
+            <a:avLst/>
+          </a:prstGeom>
+        </p:spPr>
         <p:txBody>
           <a:bodyPr/>
           <a:lstStyle/>
@@ -488,7 +518,15 @@
             <p:ph type="dt" sz="half" idx="10"/>
           </p:nvPr>
         </p:nvSpPr>
-        <p:spPr/>
+        <p:spPr>
+          <a:xfrm>
+            <a:off x="457200" y="4767263"/>
+            <a:ext cx="2133600" cy="273844"/>
+          </a:xfrm>
+          <a:prstGeom prst="rect">
+            <a:avLst/>
+          </a:prstGeom>
+        </p:spPr>
         <p:txBody>
           <a:bodyPr/>
           <a:lstStyle/>
@@ -511,7 +549,15 @@
             <p:ph type="ftr" sz="quarter" idx="11"/>
           </p:nvPr>
         </p:nvSpPr>
-        <p:spPr/>
+        <p:spPr>
+          <a:xfrm>
+            <a:off x="3124200" y="4767263"/>
+            <a:ext cx="2895600" cy="273844"/>
+          </a:xfrm>
+          <a:prstGeom prst="rect">
+            <a:avLst/>
+          </a:prstGeom>
+        </p:spPr>
         <p:txBody>
           <a:bodyPr/>
           <a:lstStyle/>
@@ -530,7 +576,15 @@
             <p:ph type="sldNum" sz="quarter" idx="12"/>
           </p:nvPr>
         </p:nvSpPr>
-        <p:spPr/>
+        <p:spPr>
+          <a:xfrm>
+            <a:off x="6553200" y="4767263"/>
+            <a:ext cx="2133600" cy="273844"/>
+          </a:xfrm>
+          <a:prstGeom prst="rect">
+            <a:avLst/>
+          </a:prstGeom>
+        </p:spPr>
         <p:txBody>
           <a:bodyPr/>
           <a:lstStyle/>
@@ -666,7 +720,15 @@
             <p:ph type="dt" sz="half" idx="10"/>
           </p:nvPr>
         </p:nvSpPr>
-        <p:spPr/>
+        <p:spPr>
+          <a:xfrm>
+            <a:off x="457200" y="4767263"/>
+            <a:ext cx="2133600" cy="273844"/>
+          </a:xfrm>
+          <a:prstGeom prst="rect">
+            <a:avLst/>
+          </a:prstGeom>
+        </p:spPr>
         <p:txBody>
           <a:bodyPr/>
           <a:lstStyle/>
@@ -689,7 +751,15 @@
             <p:ph type="ftr" sz="quarter" idx="11"/>
           </p:nvPr>
         </p:nvSpPr>
-        <p:spPr/>
+        <p:spPr>
+          <a:xfrm>
+            <a:off x="3124200" y="4767263"/>
+            <a:ext cx="2895600" cy="273844"/>
+          </a:xfrm>
+          <a:prstGeom prst="rect">
+            <a:avLst/>
+          </a:prstGeom>
+        </p:spPr>
         <p:txBody>
           <a:bodyPr/>
           <a:lstStyle/>
@@ -708,7 +778,15 @@
             <p:ph type="sldNum" sz="quarter" idx="12"/>
           </p:nvPr>
         </p:nvSpPr>
-        <p:spPr/>
+        <p:spPr>
+          <a:xfrm>
+            <a:off x="6553200" y="4767263"/>
+            <a:ext cx="2133600" cy="273844"/>
+          </a:xfrm>
+          <a:prstGeom prst="rect">
+            <a:avLst/>
+          </a:prstGeom>
+        </p:spPr>
         <p:txBody>
           <a:bodyPr/>
           <a:lstStyle/>
@@ -844,7 +922,15 @@
             <p:ph type="dt" sz="half" idx="10"/>
           </p:nvPr>
         </p:nvSpPr>
-        <p:spPr/>
+        <p:spPr>
+          <a:xfrm>
+            <a:off x="457200" y="4767263"/>
+            <a:ext cx="2133600" cy="273844"/>
+          </a:xfrm>
+          <a:prstGeom prst="rect">
+            <a:avLst/>
+          </a:prstGeom>
+        </p:spPr>
         <p:txBody>
           <a:bodyPr/>
           <a:lstStyle/>
@@ -867,7 +953,15 @@
             <p:ph type="ftr" sz="quarter" idx="11"/>
           </p:nvPr>
         </p:nvSpPr>
-        <p:spPr/>
+        <p:spPr>
+          <a:xfrm>
+            <a:off x="3124200" y="4767263"/>
+            <a:ext cx="2895600" cy="273844"/>
+          </a:xfrm>
+          <a:prstGeom prst="rect">
+            <a:avLst/>
+          </a:prstGeom>
+        </p:spPr>
         <p:txBody>
           <a:bodyPr/>
           <a:lstStyle/>
@@ -886,7 +980,15 @@
             <p:ph type="sldNum" sz="quarter" idx="12"/>
           </p:nvPr>
         </p:nvSpPr>
-        <p:spPr/>
+        <p:spPr>
+          <a:xfrm>
+            <a:off x="6553200" y="4767263"/>
+            <a:ext cx="2133600" cy="273844"/>
+          </a:xfrm>
+          <a:prstGeom prst="rect">
+            <a:avLst/>
+          </a:prstGeom>
+        </p:spPr>
         <p:txBody>
           <a:bodyPr/>
           <a:lstStyle/>
@@ -1073,15 +1175,15 @@
         <p:spPr>
           <a:xfrm>
             <a:off x="284309" y="205979"/>
-            <a:ext cx="8552330" cy="857250"/>
-          </a:xfrm>
-        </p:spPr>
-        <p:txBody>
-          <a:bodyPr/>
-          <a:lstStyle/>
-          <a:p>
-            <a:r>
-              <a:rPr lang="en-US"/>
+            <a:ext cx="8552330" cy="662317"/>
+          </a:xfrm>
+        </p:spPr>
+        <p:txBody>
+          <a:bodyPr/>
+          <a:lstStyle/>
+          <a:p>
+            <a:r>
+              <a:rPr lang="en-US" dirty="0"/>
               <a:t>Click to edit Master title style</a:t>
             </a:r>
           </a:p>
@@ -1099,8 +1201,8 @@
         </p:nvSpPr>
         <p:spPr>
           <a:xfrm>
-            <a:off x="284309" y="1200151"/>
-            <a:ext cx="8552330" cy="3737370"/>
+            <a:off x="284309" y="960504"/>
+            <a:ext cx="8552330" cy="3977017"/>
           </a:xfrm>
         </p:spPr>
         <p:txBody>
@@ -1360,7 +1462,15 @@
             <p:ph type="dt" sz="half" idx="10"/>
           </p:nvPr>
         </p:nvSpPr>
-        <p:spPr/>
+        <p:spPr>
+          <a:xfrm>
+            <a:off x="457200" y="4767263"/>
+            <a:ext cx="2133600" cy="273844"/>
+          </a:xfrm>
+          <a:prstGeom prst="rect">
+            <a:avLst/>
+          </a:prstGeom>
+        </p:spPr>
         <p:txBody>
           <a:bodyPr/>
           <a:lstStyle/>
@@ -1383,7 +1493,15 @@
             <p:ph type="ftr" sz="quarter" idx="11"/>
           </p:nvPr>
         </p:nvSpPr>
-        <p:spPr/>
+        <p:spPr>
+          <a:xfrm>
+            <a:off x="3124200" y="4767263"/>
+            <a:ext cx="2895600" cy="273844"/>
+          </a:xfrm>
+          <a:prstGeom prst="rect">
+            <a:avLst/>
+          </a:prstGeom>
+        </p:spPr>
         <p:txBody>
           <a:bodyPr/>
           <a:lstStyle/>
@@ -1402,7 +1520,15 @@
             <p:ph type="sldNum" sz="quarter" idx="12"/>
           </p:nvPr>
         </p:nvSpPr>
-        <p:spPr/>
+        <p:spPr>
+          <a:xfrm>
+            <a:off x="6553200" y="4767263"/>
+            <a:ext cx="2133600" cy="273844"/>
+          </a:xfrm>
+          <a:prstGeom prst="rect">
+            <a:avLst/>
+          </a:prstGeom>
+        </p:spPr>
         <p:txBody>
           <a:bodyPr/>
           <a:lstStyle/>
@@ -1466,7 +1592,7 @@
           <a:lstStyle/>
           <a:p>
             <a:r>
-              <a:rPr lang="en-US"/>
+              <a:rPr lang="en-US" dirty="0"/>
               <a:t>Click to edit Master title style</a:t>
             </a:r>
           </a:p>
@@ -1493,7 +1619,9 @@
           <a:lstStyle>
             <a:lvl1pPr marL="174625" indent="-174625">
               <a:tabLst/>
-              <a:defRPr sz="2800"/>
+              <a:defRPr sz="2800" baseline="0">
+                <a:latin typeface="Lato Medium" panose="020F0502020204030203" pitchFamily="34" charset="0"/>
+              </a:defRPr>
             </a:lvl1pPr>
             <a:lvl2pPr>
               <a:defRPr sz="1800"/>
@@ -1578,7 +1706,9 @@
           <a:lstStyle>
             <a:lvl1pPr marL="174625" indent="-174625">
               <a:tabLst/>
-              <a:defRPr sz="2800"/>
+              <a:defRPr sz="2800" baseline="0">
+                <a:latin typeface="Lato Medium" panose="020F0502020204030203" pitchFamily="34" charset="0"/>
+              </a:defRPr>
             </a:lvl1pPr>
             <a:lvl2pPr>
               <a:defRPr sz="1800"/>
@@ -2006,7 +2136,15 @@
             <p:ph type="dt" sz="half" idx="10"/>
           </p:nvPr>
         </p:nvSpPr>
-        <p:spPr/>
+        <p:spPr>
+          <a:xfrm>
+            <a:off x="457200" y="4767263"/>
+            <a:ext cx="2133600" cy="273844"/>
+          </a:xfrm>
+          <a:prstGeom prst="rect">
+            <a:avLst/>
+          </a:prstGeom>
+        </p:spPr>
         <p:txBody>
           <a:bodyPr/>
           <a:lstStyle/>
@@ -2029,7 +2167,15 @@
             <p:ph type="ftr" sz="quarter" idx="11"/>
           </p:nvPr>
         </p:nvSpPr>
-        <p:spPr/>
+        <p:spPr>
+          <a:xfrm>
+            <a:off x="3124200" y="4767263"/>
+            <a:ext cx="2895600" cy="273844"/>
+          </a:xfrm>
+          <a:prstGeom prst="rect">
+            <a:avLst/>
+          </a:prstGeom>
+        </p:spPr>
         <p:txBody>
           <a:bodyPr/>
           <a:lstStyle/>
@@ -2048,7 +2194,15 @@
             <p:ph type="sldNum" sz="quarter" idx="12"/>
           </p:nvPr>
         </p:nvSpPr>
-        <p:spPr/>
+        <p:spPr>
+          <a:xfrm>
+            <a:off x="6553200" y="4767263"/>
+            <a:ext cx="2133600" cy="273844"/>
+          </a:xfrm>
+          <a:prstGeom prst="rect">
+            <a:avLst/>
+          </a:prstGeom>
+        </p:spPr>
         <p:txBody>
           <a:bodyPr/>
           <a:lstStyle/>
@@ -2104,10 +2258,16 @@
         <p:spPr/>
         <p:txBody>
           <a:bodyPr/>
-          <a:lstStyle/>
-          <a:p>
-            <a:r>
-              <a:rPr lang="en-US"/>
+          <a:lstStyle>
+            <a:lvl1pPr>
+              <a:defRPr baseline="0">
+                <a:latin typeface="Lato Semibold" panose="020F0502020204030203" pitchFamily="34" charset="0"/>
+              </a:defRPr>
+            </a:lvl1pPr>
+          </a:lstStyle>
+          <a:p>
+            <a:r>
+              <a:rPr lang="en-US" dirty="0"/>
               <a:t>Click to edit Master title style</a:t>
             </a:r>
           </a:p>
@@ -2123,7 +2283,15 @@
             <p:ph type="dt" sz="half" idx="10"/>
           </p:nvPr>
         </p:nvSpPr>
-        <p:spPr/>
+        <p:spPr>
+          <a:xfrm>
+            <a:off x="457200" y="4767263"/>
+            <a:ext cx="2133600" cy="273844"/>
+          </a:xfrm>
+          <a:prstGeom prst="rect">
+            <a:avLst/>
+          </a:prstGeom>
+        </p:spPr>
         <p:txBody>
           <a:bodyPr/>
           <a:lstStyle/>
@@ -2146,7 +2314,15 @@
             <p:ph type="ftr" sz="quarter" idx="11"/>
           </p:nvPr>
         </p:nvSpPr>
-        <p:spPr/>
+        <p:spPr>
+          <a:xfrm>
+            <a:off x="3124200" y="4767263"/>
+            <a:ext cx="2895600" cy="273844"/>
+          </a:xfrm>
+          <a:prstGeom prst="rect">
+            <a:avLst/>
+          </a:prstGeom>
+        </p:spPr>
         <p:txBody>
           <a:bodyPr/>
           <a:lstStyle/>
@@ -2165,7 +2341,15 @@
             <p:ph type="sldNum" sz="quarter" idx="12"/>
           </p:nvPr>
         </p:nvSpPr>
-        <p:spPr/>
+        <p:spPr>
+          <a:xfrm>
+            <a:off x="6553200" y="4767263"/>
+            <a:ext cx="2133600" cy="273844"/>
+          </a:xfrm>
+          <a:prstGeom prst="rect">
+            <a:avLst/>
+          </a:prstGeom>
+        </p:spPr>
         <p:txBody>
           <a:bodyPr/>
           <a:lstStyle/>
@@ -2218,7 +2402,15 @@
             <p:ph type="dt" sz="half" idx="10"/>
           </p:nvPr>
         </p:nvSpPr>
-        <p:spPr/>
+        <p:spPr>
+          <a:xfrm>
+            <a:off x="457200" y="4767263"/>
+            <a:ext cx="2133600" cy="273844"/>
+          </a:xfrm>
+          <a:prstGeom prst="rect">
+            <a:avLst/>
+          </a:prstGeom>
+        </p:spPr>
         <p:txBody>
           <a:bodyPr/>
           <a:lstStyle/>
@@ -2241,7 +2433,15 @@
             <p:ph type="ftr" sz="quarter" idx="11"/>
           </p:nvPr>
         </p:nvSpPr>
-        <p:spPr/>
+        <p:spPr>
+          <a:xfrm>
+            <a:off x="3124200" y="4767263"/>
+            <a:ext cx="2895600" cy="273844"/>
+          </a:xfrm>
+          <a:prstGeom prst="rect">
+            <a:avLst/>
+          </a:prstGeom>
+        </p:spPr>
         <p:txBody>
           <a:bodyPr/>
           <a:lstStyle/>
@@ -2260,7 +2460,15 @@
             <p:ph type="sldNum" sz="quarter" idx="12"/>
           </p:nvPr>
         </p:nvSpPr>
-        <p:spPr/>
+        <p:spPr>
+          <a:xfrm>
+            <a:off x="6553200" y="4767263"/>
+            <a:ext cx="2133600" cy="273844"/>
+          </a:xfrm>
+          <a:prstGeom prst="rect">
+            <a:avLst/>
+          </a:prstGeom>
+        </p:spPr>
         <p:txBody>
           <a:bodyPr/>
           <a:lstStyle/>
@@ -2493,7 +2701,15 @@
             <p:ph type="dt" sz="half" idx="10"/>
           </p:nvPr>
         </p:nvSpPr>
-        <p:spPr/>
+        <p:spPr>
+          <a:xfrm>
+            <a:off x="457200" y="4767263"/>
+            <a:ext cx="2133600" cy="273844"/>
+          </a:xfrm>
+          <a:prstGeom prst="rect">
+            <a:avLst/>
+          </a:prstGeom>
+        </p:spPr>
         <p:txBody>
           <a:bodyPr/>
           <a:lstStyle/>
@@ -2516,7 +2732,15 @@
             <p:ph type="ftr" sz="quarter" idx="11"/>
           </p:nvPr>
         </p:nvSpPr>
-        <p:spPr/>
+        <p:spPr>
+          <a:xfrm>
+            <a:off x="3124200" y="4767263"/>
+            <a:ext cx="2895600" cy="273844"/>
+          </a:xfrm>
+          <a:prstGeom prst="rect">
+            <a:avLst/>
+          </a:prstGeom>
+        </p:spPr>
         <p:txBody>
           <a:bodyPr/>
           <a:lstStyle/>
@@ -2535,7 +2759,15 @@
             <p:ph type="sldNum" sz="quarter" idx="12"/>
           </p:nvPr>
         </p:nvSpPr>
-        <p:spPr/>
+        <p:spPr>
+          <a:xfrm>
+            <a:off x="6553200" y="4767263"/>
+            <a:ext cx="2133600" cy="273844"/>
+          </a:xfrm>
+          <a:prstGeom prst="rect">
+            <a:avLst/>
+          </a:prstGeom>
+        </p:spPr>
         <p:txBody>
           <a:bodyPr/>
           <a:lstStyle/>
@@ -2745,7 +2977,15 @@
             <p:ph type="dt" sz="half" idx="10"/>
           </p:nvPr>
         </p:nvSpPr>
-        <p:spPr/>
+        <p:spPr>
+          <a:xfrm>
+            <a:off x="457200" y="4767263"/>
+            <a:ext cx="2133600" cy="273844"/>
+          </a:xfrm>
+          <a:prstGeom prst="rect">
+            <a:avLst/>
+          </a:prstGeom>
+        </p:spPr>
         <p:txBody>
           <a:bodyPr/>
           <a:lstStyle/>
@@ -2768,7 +3008,15 @@
             <p:ph type="ftr" sz="quarter" idx="11"/>
           </p:nvPr>
         </p:nvSpPr>
-        <p:spPr/>
+        <p:spPr>
+          <a:xfrm>
+            <a:off x="3124200" y="4767263"/>
+            <a:ext cx="2895600" cy="273844"/>
+          </a:xfrm>
+          <a:prstGeom prst="rect">
+            <a:avLst/>
+          </a:prstGeom>
+        </p:spPr>
         <p:txBody>
           <a:bodyPr/>
           <a:lstStyle/>
@@ -2787,7 +3035,15 @@
             <p:ph type="sldNum" sz="quarter" idx="12"/>
           </p:nvPr>
         </p:nvSpPr>
-        <p:spPr/>
+        <p:spPr>
+          <a:xfrm>
+            <a:off x="6553200" y="4767263"/>
+            <a:ext cx="2133600" cy="273844"/>
+          </a:xfrm>
+          <a:prstGeom prst="rect">
+            <a:avLst/>
+          </a:prstGeom>
+        </p:spPr>
         <p:txBody>
           <a:bodyPr/>
           <a:lstStyle/>
@@ -2848,7 +3104,7 @@
         <p:spPr>
           <a:xfrm>
             <a:off x="457200" y="205979"/>
-            <a:ext cx="8229600" cy="857250"/>
+            <a:ext cx="8229600" cy="716105"/>
           </a:xfrm>
           <a:prstGeom prst="rect">
             <a:avLst/>
@@ -2861,7 +3117,7 @@
           <a:lstStyle/>
           <a:p>
             <a:r>
-              <a:rPr lang="en-US"/>
+              <a:rPr dirty="0" lang="en-US"/>
               <a:t>Click to edit Master title style</a:t>
             </a:r>
           </a:p>
@@ -2879,8 +3135,8 @@
         </p:nvSpPr>
         <p:spPr>
           <a:xfrm>
-            <a:off x="457200" y="1200151"/>
-            <a:ext cx="8229600" cy="3394472"/>
+            <a:off x="457200" y="998924"/>
+            <a:ext cx="8229600" cy="3938597"/>
           </a:xfrm>
           <a:prstGeom prst="rect">
             <a:avLst/>
@@ -2894,156 +3150,37 @@
           <a:p>
             <a:pPr lvl="0"/>
             <a:r>
-              <a:rPr lang="en-US"/>
+              <a:rPr dirty="0" lang="en-US"/>
               <a:t>Click to edit Master text styles</a:t>
             </a:r>
           </a:p>
           <a:p>
             <a:pPr lvl="1"/>
             <a:r>
-              <a:rPr lang="en-US"/>
+              <a:rPr dirty="0" lang="en-US"/>
               <a:t>Second level</a:t>
             </a:r>
           </a:p>
           <a:p>
             <a:pPr lvl="2"/>
             <a:r>
-              <a:rPr lang="en-US"/>
+              <a:rPr dirty="0" lang="en-US"/>
               <a:t>Third level</a:t>
             </a:r>
           </a:p>
           <a:p>
             <a:pPr lvl="3"/>
             <a:r>
-              <a:rPr lang="en-US"/>
+              <a:rPr dirty="0" lang="en-US"/>
               <a:t>Fourth level</a:t>
             </a:r>
           </a:p>
           <a:p>
             <a:pPr lvl="4"/>
             <a:r>
-              <a:rPr lang="en-US"/>
+              <a:rPr dirty="0" lang="en-US"/>
               <a:t>Fifth level</a:t>
             </a:r>
-          </a:p>
-        </p:txBody>
-      </p:sp>
-      <p:sp>
-        <p:nvSpPr>
-          <p:cNvPr id="4" name="Date Placeholder 3"/>
-          <p:cNvSpPr>
-            <a:spLocks noGrp="1"/>
-          </p:cNvSpPr>
-          <p:nvPr>
-            <p:ph idx="2" sz="half" type="dt"/>
-          </p:nvPr>
-        </p:nvSpPr>
-        <p:spPr>
-          <a:xfrm>
-            <a:off x="457200" y="4767263"/>
-            <a:ext cx="2133600" cy="273844"/>
-          </a:xfrm>
-          <a:prstGeom prst="rect">
-            <a:avLst/>
-          </a:prstGeom>
-        </p:spPr>
-        <p:txBody>
-          <a:bodyPr anchor="ctr" bIns="45720" lIns="91440" rIns="91440" rtlCol="0" tIns="45720" vert="horz"/>
-          <a:lstStyle>
-            <a:lvl1pPr algn="l">
-              <a:defRPr sz="900">
-                <a:solidFill>
-                  <a:schemeClr val="tx1">
-                    <a:tint val="75000"/>
-                  </a:schemeClr>
-                </a:solidFill>
-              </a:defRPr>
-            </a:lvl1pPr>
-          </a:lstStyle>
-          <a:p>
-            <a:fld id="{241EB5C9-1307-BA42-ABA2-0BC069CD8E7F}" type="datetimeFigureOut">
-              <a:rPr lang="en-US" smtClean="0"/>
-              <a:t>1/11/25</a:t>
-            </a:fld>
-            <a:endParaRPr lang="en-US"/>
-          </a:p>
-        </p:txBody>
-      </p:sp>
-      <p:sp>
-        <p:nvSpPr>
-          <p:cNvPr id="5" name="Footer Placeholder 4"/>
-          <p:cNvSpPr>
-            <a:spLocks noGrp="1"/>
-          </p:cNvSpPr>
-          <p:nvPr>
-            <p:ph idx="3" sz="quarter" type="ftr"/>
-          </p:nvPr>
-        </p:nvSpPr>
-        <p:spPr>
-          <a:xfrm>
-            <a:off x="3124200" y="4767263"/>
-            <a:ext cx="2895600" cy="273844"/>
-          </a:xfrm>
-          <a:prstGeom prst="rect">
-            <a:avLst/>
-          </a:prstGeom>
-        </p:spPr>
-        <p:txBody>
-          <a:bodyPr anchor="ctr" bIns="45720" lIns="91440" rIns="91440" rtlCol="0" tIns="45720" vert="horz"/>
-          <a:lstStyle>
-            <a:lvl1pPr algn="ctr">
-              <a:defRPr sz="900">
-                <a:solidFill>
-                  <a:schemeClr val="tx1">
-                    <a:tint val="75000"/>
-                  </a:schemeClr>
-                </a:solidFill>
-              </a:defRPr>
-            </a:lvl1pPr>
-          </a:lstStyle>
-          <a:p>
-            <a:endParaRPr lang="en-US"/>
-          </a:p>
-        </p:txBody>
-      </p:sp>
-      <p:sp>
-        <p:nvSpPr>
-          <p:cNvPr id="6" name="Slide Number Placeholder 5"/>
-          <p:cNvSpPr>
-            <a:spLocks noGrp="1"/>
-          </p:cNvSpPr>
-          <p:nvPr>
-            <p:ph idx="4" sz="quarter" type="sldNum"/>
-          </p:nvPr>
-        </p:nvSpPr>
-        <p:spPr>
-          <a:xfrm>
-            <a:off x="6553200" y="4767263"/>
-            <a:ext cx="2133600" cy="273844"/>
-          </a:xfrm>
-          <a:prstGeom prst="rect">
-            <a:avLst/>
-          </a:prstGeom>
-        </p:spPr>
-        <p:txBody>
-          <a:bodyPr anchor="ctr" bIns="45720" lIns="91440" rIns="91440" rtlCol="0" tIns="45720" vert="horz"/>
-          <a:lstStyle>
-            <a:lvl1pPr algn="r">
-              <a:defRPr sz="900">
-                <a:solidFill>
-                  <a:schemeClr val="tx1">
-                    <a:tint val="75000"/>
-                  </a:schemeClr>
-                </a:solidFill>
-              </a:defRPr>
-            </a:lvl1pPr>
-          </a:lstStyle>
-          <a:p>
-            <a:fld id="{C5EF2332-01BF-834F-8236-50238282D533}" type="slidenum">
-              <a:rPr lang="en-US" smtClean="0"/>
-              <a:t>‹#›</a:t>
-            </a:fld>
-            <a:endParaRPr lang="en-US"/>
           </a:p>
         </p:txBody>
       </p:sp>
@@ -3076,11 +3213,11 @@
           <a:spcPct val="0"/>
         </a:spcBef>
         <a:buNone/>
-        <a:defRPr kern="1200" sz="3300">
+        <a:defRPr baseline="0" kern="1200" sz="3300">
           <a:solidFill>
             <a:schemeClr val="tx1"/>
           </a:solidFill>
-          <a:latin typeface="+mj-lt"/>
+          <a:latin charset="0" panose="020F0502020204030203" pitchFamily="34" typeface="Lato Semibold"/>
           <a:ea typeface="+mj-ea"/>
           <a:cs typeface="+mj-cs"/>
         </a:defRPr>
@@ -3093,11 +3230,11 @@
         </a:spcBef>
         <a:buFont typeface="Arial"/>
         <a:buChar char="•"/>
-        <a:defRPr kern="1200" sz="2400">
+        <a:defRPr baseline="0" kern="1200" sz="2400">
           <a:solidFill>
             <a:schemeClr val="tx1"/>
           </a:solidFill>
-          <a:latin typeface="+mn-lt"/>
+          <a:latin charset="0" panose="020F0502020204030203" pitchFamily="34" typeface="Lato Medium"/>
           <a:ea typeface="+mn-ea"/>
           <a:cs typeface="+mn-cs"/>
         </a:defRPr>
@@ -3108,11 +3245,11 @@
         </a:spcBef>
         <a:buFont typeface="Arial"/>
         <a:buChar char="–"/>
-        <a:defRPr kern="1200" sz="2100">
+        <a:defRPr baseline="0" kern="1200" sz="2100">
           <a:solidFill>
             <a:schemeClr val="tx1"/>
           </a:solidFill>
-          <a:latin typeface="+mn-lt"/>
+          <a:latin charset="0" panose="020F0502020204030203" pitchFamily="34" typeface="Lato Medium"/>
           <a:ea typeface="+mn-ea"/>
           <a:cs typeface="+mn-cs"/>
         </a:defRPr>
@@ -4474,7 +4611,7 @@
         <p:spPr>
           <a:xfrm>
             <a:off x="284309" y="205979"/>
-            <a:ext cx="8552330" cy="857250"/>
+            <a:ext cx="8552330" cy="662317"/>
           </a:xfrm>
         </p:spPr>
         <p:txBody>
@@ -4570,7 +4707,7 @@
         <p:spPr>
           <a:xfrm>
             <a:off x="284309" y="205979"/>
-            <a:ext cx="8552330" cy="857250"/>
+            <a:ext cx="8552330" cy="662317"/>
           </a:xfrm>
         </p:spPr>
         <p:txBody>
@@ -4913,7 +5050,7 @@
         <p:spPr>
           <a:xfrm>
             <a:off x="284309" y="205979"/>
-            <a:ext cx="8552330" cy="857250"/>
+            <a:ext cx="8552330" cy="662317"/>
           </a:xfrm>
         </p:spPr>
         <p:txBody>
@@ -5009,7 +5146,7 @@
         <p:spPr>
           <a:xfrm>
             <a:off x="284309" y="205979"/>
-            <a:ext cx="8552330" cy="857250"/>
+            <a:ext cx="8552330" cy="662317"/>
           </a:xfrm>
         </p:spPr>
         <p:txBody>
@@ -5104,7 +5241,7 @@
         <p:spPr>
           <a:xfrm>
             <a:off x="284309" y="205979"/>
-            <a:ext cx="8552330" cy="857250"/>
+            <a:ext cx="8552330" cy="662317"/>
           </a:xfrm>
         </p:spPr>
         <p:txBody>
@@ -5194,7 +5331,7 @@
         <p:spPr>
           <a:xfrm>
             <a:off x="284309" y="205979"/>
-            <a:ext cx="8552330" cy="857250"/>
+            <a:ext cx="8552330" cy="662317"/>
           </a:xfrm>
         </p:spPr>
         <p:txBody>
@@ -5297,7 +5434,7 @@
         <p:spPr>
           <a:xfrm>
             <a:off x="284309" y="205979"/>
-            <a:ext cx="8552330" cy="857250"/>
+            <a:ext cx="8552330" cy="662317"/>
           </a:xfrm>
         </p:spPr>
         <p:txBody>
@@ -5360,7 +5497,7 @@
             <a:pPr lvl="1"/>
             <a:r>
               <a:rPr/>
-              <a:t>American Lung Assn fredomfromsmoking.org</a:t>
+              <a:t>American Lung Assn www.freddomfromsmoking.org</a:t>
             </a:r>
           </a:p>
           <a:p>
@@ -5569,7 +5706,7 @@
         <p:spPr>
           <a:xfrm>
             <a:off x="284309" y="205979"/>
-            <a:ext cx="8552330" cy="857250"/>
+            <a:ext cx="8552330" cy="662317"/>
           </a:xfrm>
         </p:spPr>
         <p:txBody>
@@ -5660,7 +5797,7 @@
         <p:spPr>
           <a:xfrm>
             <a:off x="284309" y="205979"/>
-            <a:ext cx="8552330" cy="857250"/>
+            <a:ext cx="8552330" cy="662317"/>
           </a:xfrm>
         </p:spPr>
         <p:txBody>

--- a/lci_gist.pptx
+++ b/lci_gist.pptx
@@ -6038,9 +6038,26 @@
               <a:buNone/>
             </a:pPr>
             <a:br/>
-            <a:r>
-              <a:rPr/>
-              <a:t>- Tumor removed from wall - Stomach wall closed - Lymph nodes not removed</a:t>
+          </a:p>
+          <a:p>
+            <a:pPr lvl="0"/>
+            <a:r>
+              <a:rPr/>
+              <a:t>Tumor removed from wall</a:t>
+            </a:r>
+          </a:p>
+          <a:p>
+            <a:pPr lvl="0"/>
+            <a:r>
+              <a:rPr/>
+              <a:t>Stomach wall closed</a:t>
+            </a:r>
+          </a:p>
+          <a:p>
+            <a:pPr lvl="0"/>
+            <a:r>
+              <a:rPr/>
+              <a:t>Lymph nodes not removed</a:t>
             </a:r>
           </a:p>
         </p:txBody>

--- a/lci_gist.pptx
+++ b/lci_gist.pptx
@@ -30,7 +30,6 @@
     <p:sldId id="278" r:id="rId24"/>
     <p:sldId id="279" r:id="rId25"/>
     <p:sldId id="280" r:id="rId26"/>
-    <p:sldId id="281" r:id="rId27"/>
   </p:sldIdLst>
   <p:sldSz cx="9144000" cy="5143500" type="screen16x9"/>
   <p:notesSz cx="6858000" cy="9144000"/>
@@ -5062,7 +5061,7 @@
             </a:pPr>
             <a:r>
               <a:rPr/>
-              <a:t>Preparing for Cancer Treatment</a:t>
+              <a:t>Primary Care Practitioner (PCP)</a:t>
             </a:r>
           </a:p>
         </p:txBody>
@@ -5082,31 +5081,30 @@
           <a:bodyPr/>
           <a:lstStyle/>
           <a:p>
-            <a:pPr lvl="0"/>
-            <a:r>
-              <a:rPr/>
-              <a:t>Primary Care Physician</a:t>
-            </a:r>
-          </a:p>
-          <a:p>
-            <a:pPr lvl="0"/>
-            <a:r>
-              <a:rPr/>
-              <a:t>MyAtrium Portal</a:t>
-            </a:r>
-          </a:p>
-          <a:p>
-            <a:pPr lvl="0"/>
-            <a:r>
-              <a:rPr/>
-              <a:t>Exercise</a:t>
-            </a:r>
-          </a:p>
-          <a:p>
-            <a:pPr lvl="0"/>
-            <a:r>
-              <a:rPr/>
-              <a:t>Smoking Cessation</a:t>
+            <a:pPr lvl="0" indent="0" marL="0">
+              <a:buNone/>
+            </a:pPr>
+            <a:r>
+              <a:rPr/>
+              <a:t>A PCP is critical to coordinate care between specialists.</a:t>
+            </a:r>
+          </a:p>
+          <a:p>
+            <a:pPr lvl="0" indent="0" marL="0">
+              <a:buNone/>
+            </a:pPr>
+            <a:r>
+              <a:rPr/>
+              <a:t>We will update your PCP after each visit</a:t>
+            </a:r>
+          </a:p>
+          <a:p>
+            <a:pPr lvl="0" indent="0" marL="0">
+              <a:buNone/>
+            </a:pPr>
+            <a:r>
+              <a:rPr/>
+              <a:t>Call our referral line at (844) 235-6998 if you need a PCP</a:t>
             </a:r>
           </a:p>
         </p:txBody>
@@ -5158,8 +5156,9 @@
             </a:pPr>
             <a:r>
               <a:rPr/>
-              <a:t>Primary Care Practitioner (PCP)</a:t>
-            </a:r>
+              <a:t>My Atrium Patient Portal</a:t>
+            </a:r>
+            <a:br/>
           </a:p>
         </p:txBody>
       </p:sp>
@@ -5178,30 +5177,24 @@
           <a:bodyPr/>
           <a:lstStyle/>
           <a:p>
-            <a:pPr lvl="0" indent="0" marL="0">
-              <a:buNone/>
-            </a:pPr>
-            <a:r>
-              <a:rPr/>
-              <a:t>A PCP is critical to coordinate care between specialists.</a:t>
-            </a:r>
-          </a:p>
-          <a:p>
-            <a:pPr lvl="0" indent="0" marL="0">
-              <a:buNone/>
-            </a:pPr>
-            <a:r>
-              <a:rPr/>
-              <a:t>We will update your PCP after each visit</a:t>
-            </a:r>
-          </a:p>
-          <a:p>
-            <a:pPr lvl="0" indent="0" marL="0">
-              <a:buNone/>
-            </a:pPr>
-            <a:r>
-              <a:rPr/>
-              <a:t>Call our referral line at (844) 235-6998 if you need a PCP</a:t>
+            <a:pPr lvl="0"/>
+            <a:r>
+              <a:rPr/>
+              <a:t>Critical to good communication with your care team</a:t>
+            </a:r>
+          </a:p>
+          <a:p>
+            <a:pPr lvl="0"/>
+            <a:r>
+              <a:rPr/>
+              <a:t>Available for desktop or laptop or phone</a:t>
+            </a:r>
+          </a:p>
+          <a:p>
+            <a:pPr lvl="0"/>
+            <a:r>
+              <a:rPr/>
+              <a:t>Sign up at my.atriumhealth.org</a:t>
             </a:r>
           </a:p>
         </p:txBody>
@@ -5253,9 +5246,8 @@
             </a:pPr>
             <a:r>
               <a:rPr/>
-              <a:t>My Atrium Patient Portal</a:t>
-            </a:r>
-            <a:br/>
+              <a:t>Exercise</a:t>
+            </a:r>
           </a:p>
         </p:txBody>
       </p:sp>
@@ -5277,21 +5269,35 @@
             <a:pPr lvl="0"/>
             <a:r>
               <a:rPr/>
-              <a:t>Critical to good communication with your care team</a:t>
+              <a:t>Reduces risk of complications from treatment</a:t>
             </a:r>
           </a:p>
           <a:p>
             <a:pPr lvl="0"/>
             <a:r>
               <a:rPr/>
-              <a:t>Available for desktop or laptop or phone</a:t>
-            </a:r>
-          </a:p>
-          <a:p>
-            <a:pPr lvl="0"/>
-            <a:r>
-              <a:rPr/>
-              <a:t>Sign up at my.atriumhealth.org</a:t>
+              <a:t>Goal is 30min/day of vigorous exercise 6 days/week</a:t>
+            </a:r>
+          </a:p>
+          <a:p>
+            <a:pPr lvl="1"/>
+            <a:r>
+              <a:rPr/>
+              <a:t>Working hard enough that you can’t converse</a:t>
+            </a:r>
+          </a:p>
+          <a:p>
+            <a:pPr lvl="1"/>
+            <a:r>
+              <a:rPr/>
+              <a:t>Start slowly and build up</a:t>
+            </a:r>
+          </a:p>
+          <a:p>
+            <a:pPr lvl="1"/>
+            <a:r>
+              <a:rPr/>
+              <a:t>Every day counts! (Aim for some activity every day)</a:t>
             </a:r>
           </a:p>
         </p:txBody>
@@ -5302,109 +5308,6 @@
 </file>
 
 <file path=ppt/slides/slide25.xml><?xml version="1.0" encoding="utf-8"?>
-<p:sld xmlns:a="http://schemas.openxmlformats.org/drawingml/2006/main" xmlns:r="http://schemas.openxmlformats.org/officeDocument/2006/relationships" xmlns:p="http://schemas.openxmlformats.org/presentationml/2006/main">
-  <p:cSld>
-    <p:spTree>
-      <p:nvGrpSpPr>
-        <p:cNvPr id="1" name=""/>
-        <p:cNvGrpSpPr/>
-        <p:nvPr/>
-      </p:nvGrpSpPr>
-      <p:grpSpPr>
-        <a:xfrm>
-          <a:off x="0" y="0"/>
-          <a:ext cx="0" cy="0"/>
-          <a:chOff x="0" y="0"/>
-          <a:chExt cx="0" cy="0"/>
-        </a:xfrm>
-      </p:grpSpPr>
-      <p:sp>
-        <p:nvSpPr>
-          <p:cNvPr id="2" name="Title 1"/>
-          <p:cNvSpPr>
-            <a:spLocks noGrp="1"/>
-          </p:cNvSpPr>
-          <p:nvPr>
-            <p:ph type="title"/>
-          </p:nvPr>
-        </p:nvSpPr>
-        <p:spPr>
-          <a:xfrm>
-            <a:off x="284309" y="205979"/>
-            <a:ext cx="8552330" cy="662317"/>
-          </a:xfrm>
-        </p:spPr>
-        <p:txBody>
-          <a:bodyPr/>
-          <a:lstStyle/>
-          <a:p>
-            <a:pPr lvl="0" indent="0" marL="0">
-              <a:buNone/>
-            </a:pPr>
-            <a:r>
-              <a:rPr/>
-              <a:t>Exercise</a:t>
-            </a:r>
-          </a:p>
-        </p:txBody>
-      </p:sp>
-      <p:sp>
-        <p:nvSpPr>
-          <p:cNvPr id="3" name="Content Placeholder 2"/>
-          <p:cNvSpPr>
-            <a:spLocks noGrp="1"/>
-          </p:cNvSpPr>
-          <p:nvPr>
-            <p:ph idx="1"/>
-          </p:nvPr>
-        </p:nvSpPr>
-        <p:spPr/>
-        <p:txBody>
-          <a:bodyPr/>
-          <a:lstStyle/>
-          <a:p>
-            <a:pPr lvl="0"/>
-            <a:r>
-              <a:rPr/>
-              <a:t>Reduces risk of complications from treatment</a:t>
-            </a:r>
-          </a:p>
-          <a:p>
-            <a:pPr lvl="0"/>
-            <a:r>
-              <a:rPr/>
-              <a:t>Goal is 30min/day of vigorous exercise 6 days/week</a:t>
-            </a:r>
-          </a:p>
-          <a:p>
-            <a:pPr lvl="1"/>
-            <a:r>
-              <a:rPr/>
-              <a:t>Working hard enough that you can’t converse</a:t>
-            </a:r>
-          </a:p>
-          <a:p>
-            <a:pPr lvl="1"/>
-            <a:r>
-              <a:rPr/>
-              <a:t>Start slowly and build up</a:t>
-            </a:r>
-          </a:p>
-          <a:p>
-            <a:pPr lvl="1"/>
-            <a:r>
-              <a:rPr/>
-              <a:t>Every day counts! (Aim for some activity every day)</a:t>
-            </a:r>
-          </a:p>
-        </p:txBody>
-      </p:sp>
-    </p:spTree>
-  </p:cSld>
-</p:sld>
-</file>
-
-<file path=ppt/slides/slide26.xml><?xml version="1.0" encoding="utf-8"?>
 <p:sld xmlns:a="http://schemas.openxmlformats.org/drawingml/2006/main" xmlns:r="http://schemas.openxmlformats.org/officeDocument/2006/relationships" xmlns:p="http://schemas.openxmlformats.org/presentationml/2006/main">
   <p:cSld>
     <p:spTree>

--- a/lci_gist.pptx
+++ b/lci_gist.pptx
@@ -5086,7 +5086,7 @@
             </a:pPr>
             <a:r>
               <a:rPr/>
-              <a:t>A PCP is critical to coordinate care between specialists.</a:t>
+              <a:t>Critical to coordinate care between specialists.</a:t>
             </a:r>
           </a:p>
           <a:p>
@@ -5104,7 +5104,7 @@
             </a:pPr>
             <a:r>
               <a:rPr/>
-              <a:t>Call our referral line at (844) 235-6998 if you need a PCP</a:t>
+              <a:t>PCP Referral Line (844) 235-6998</a:t>
             </a:r>
           </a:p>
         </p:txBody>
@@ -5297,7 +5297,7 @@
             <a:pPr lvl="1"/>
             <a:r>
               <a:rPr/>
-              <a:t>Every day counts! (Aim for some activity every day)</a:t>
+              <a:t>Every day counts! (Aim for daily activity)</a:t>
             </a:r>
           </a:p>
         </p:txBody>

--- a/lci_gist.pptx
+++ b/lci_gist.pptx
@@ -340,7 +340,7 @@
           <a:p>
             <a:fld id="{241EB5C9-1307-BA42-ABA2-0BC069CD8E7F}" type="datetimeFigureOut">
               <a:rPr lang="en-US" smtClean="0"/>
-              <a:t>1/11/25</a:t>
+              <a:t>2/24/25</a:t>
             </a:fld>
             <a:endParaRPr lang="en-US"/>
           </a:p>
@@ -532,7 +532,7 @@
           <a:p>
             <a:fld id="{241EB5C9-1307-BA42-ABA2-0BC069CD8E7F}" type="datetimeFigureOut">
               <a:rPr lang="en-US" smtClean="0"/>
-              <a:t>1/11/25</a:t>
+              <a:t>2/24/25</a:t>
             </a:fld>
             <a:endParaRPr lang="en-US"/>
           </a:p>
@@ -734,7 +734,7 @@
           <a:p>
             <a:fld id="{241EB5C9-1307-BA42-ABA2-0BC069CD8E7F}" type="datetimeFigureOut">
               <a:rPr lang="en-US" smtClean="0"/>
-              <a:t>1/11/25</a:t>
+              <a:t>2/24/25</a:t>
             </a:fld>
             <a:endParaRPr lang="en-US"/>
           </a:p>
@@ -936,7 +936,7 @@
           <a:p>
             <a:fld id="{241EB5C9-1307-BA42-ABA2-0BC069CD8E7F}" type="datetimeFigureOut">
               <a:rPr lang="en-US" smtClean="0"/>
-              <a:t>1/11/25</a:t>
+              <a:t>2/24/25</a:t>
             </a:fld>
             <a:endParaRPr lang="en-US"/>
           </a:p>
@@ -1476,7 +1476,7 @@
           <a:p>
             <a:fld id="{241EB5C9-1307-BA42-ABA2-0BC069CD8E7F}" type="datetimeFigureOut">
               <a:rPr lang="en-US" smtClean="0"/>
-              <a:t>1/11/25</a:t>
+              <a:t>2/24/25</a:t>
             </a:fld>
             <a:endParaRPr lang="en-US"/>
           </a:p>
@@ -2150,7 +2150,7 @@
           <a:p>
             <a:fld id="{241EB5C9-1307-BA42-ABA2-0BC069CD8E7F}" type="datetimeFigureOut">
               <a:rPr lang="en-US" smtClean="0"/>
-              <a:t>1/11/25</a:t>
+              <a:t>2/24/25</a:t>
             </a:fld>
             <a:endParaRPr lang="en-US"/>
           </a:p>
@@ -2297,7 +2297,7 @@
           <a:p>
             <a:fld id="{241EB5C9-1307-BA42-ABA2-0BC069CD8E7F}" type="datetimeFigureOut">
               <a:rPr lang="en-US" smtClean="0"/>
-              <a:t>1/11/25</a:t>
+              <a:t>2/24/25</a:t>
             </a:fld>
             <a:endParaRPr lang="en-US"/>
           </a:p>
@@ -2416,7 +2416,7 @@
           <a:p>
             <a:fld id="{241EB5C9-1307-BA42-ABA2-0BC069CD8E7F}" type="datetimeFigureOut">
               <a:rPr lang="en-US" smtClean="0"/>
-              <a:t>1/11/25</a:t>
+              <a:t>2/24/25</a:t>
             </a:fld>
             <a:endParaRPr lang="en-US"/>
           </a:p>
@@ -2715,7 +2715,7 @@
           <a:p>
             <a:fld id="{241EB5C9-1307-BA42-ABA2-0BC069CD8E7F}" type="datetimeFigureOut">
               <a:rPr lang="en-US" smtClean="0"/>
-              <a:t>1/11/25</a:t>
+              <a:t>2/24/25</a:t>
             </a:fld>
             <a:endParaRPr lang="en-US"/>
           </a:p>
@@ -2991,7 +2991,7 @@
           <a:p>
             <a:fld id="{241EB5C9-1307-BA42-ABA2-0BC069CD8E7F}" type="datetimeFigureOut">
               <a:rPr lang="en-US" smtClean="0"/>
-              <a:t>1/11/25</a:t>
+              <a:t>2/24/25</a:t>
             </a:fld>
             <a:endParaRPr lang="en-US"/>
           </a:p>
@@ -3244,7 +3244,7 @@
         </a:spcBef>
         <a:buFont typeface="Arial"/>
         <a:buChar char="–"/>
-        <a:defRPr baseline="0" kern="1200" sz="2100">
+        <a:defRPr baseline="0" kern="1200" sz="2400">
           <a:solidFill>
             <a:schemeClr val="tx1"/>
           </a:solidFill>
@@ -3259,7 +3259,7 @@
         </a:spcBef>
         <a:buFont typeface="Arial"/>
         <a:buChar char="•"/>
-        <a:defRPr kern="1200" sz="1800">
+        <a:defRPr kern="1200" sz="2400">
           <a:solidFill>
             <a:schemeClr val="tx1"/>
           </a:solidFill>
@@ -3274,7 +3274,7 @@
         </a:spcBef>
         <a:buFont typeface="Arial"/>
         <a:buChar char="–"/>
-        <a:defRPr kern="1200" sz="1500">
+        <a:defRPr kern="1200" sz="2400">
           <a:solidFill>
             <a:schemeClr val="tx1"/>
           </a:solidFill>

--- a/lci_gist.pptx
+++ b/lci_gist.pptx
@@ -5158,7 +5158,6 @@
               <a:rPr/>
               <a:t>My Atrium Patient Portal</a:t>
             </a:r>
-            <a:br/>
           </a:p>
         </p:txBody>
       </p:sp>
@@ -5276,7 +5275,7 @@
             <a:pPr lvl="0"/>
             <a:r>
               <a:rPr/>
-              <a:t>Goal is 30min/day of vigorous exercise 6 days/week</a:t>
+              <a:t>Goal is 30min/day of vigorous exercise 6 days/wk</a:t>
             </a:r>
           </a:p>
           <a:p>
@@ -5400,7 +5399,7 @@
             <a:pPr lvl="1"/>
             <a:r>
               <a:rPr/>
-              <a:t>American Lung Assn www.freddomfromsmoking.org</a:t>
+              <a:t>American Lung Assn www.freedomfromsmoking.org</a:t>
             </a:r>
           </a:p>
           <a:p>

--- a/lci_gist.pptx
+++ b/lci_gist.pptx
@@ -30,6 +30,11 @@
     <p:sldId id="278" r:id="rId24"/>
     <p:sldId id="279" r:id="rId25"/>
     <p:sldId id="280" r:id="rId26"/>
+    <p:sldId id="281" r:id="rId27"/>
+    <p:sldId id="282" r:id="rId28"/>
+    <p:sldId id="283" r:id="rId29"/>
+    <p:sldId id="284" r:id="rId30"/>
+    <p:sldId id="285" r:id="rId31"/>
   </p:sldIdLst>
   <p:sldSz cx="9144000" cy="5143500" type="screen16x9"/>
   <p:notesSz cx="6858000" cy="9144000"/>
@@ -3596,50 +3601,14 @@
             </a:pPr>
             <a:r>
               <a:rPr/>
-              <a:t>Distal Gastrectomy</a:t>
-            </a:r>
-          </a:p>
-        </p:txBody>
-      </p:sp>
-      <p:sp>
-        <p:nvSpPr>
-          <p:cNvPr id="3" name="Content Placeholder 2"/>
-          <p:cNvSpPr>
-            <a:spLocks noGrp="1"/>
-          </p:cNvSpPr>
-          <p:nvPr>
-            <p:ph idx="1" sz="half"/>
-          </p:nvPr>
-        </p:nvSpPr>
-        <p:spPr/>
-        <p:txBody>
-          <a:bodyPr/>
-          <a:lstStyle/>
-          <a:p>
-            <a:pPr lvl="0" indent="0" marL="0">
-              <a:buNone/>
-            </a:pPr>
-            <a:br/>
-          </a:p>
-          <a:p>
-            <a:pPr lvl="0"/>
-            <a:r>
-              <a:rPr/>
-              <a:t>Removes bottom half of the stomach</a:t>
-            </a:r>
-          </a:p>
-          <a:p>
-            <a:pPr lvl="0"/>
-            <a:r>
-              <a:rPr/>
-              <a:t>Rarely required for GI Stromal Tumors</a:t>
+              <a:t>Partial Gastrectomy</a:t>
             </a:r>
           </a:p>
         </p:txBody>
       </p:sp>
       <p:pic>
         <p:nvPicPr>
-          <p:cNvPr descr="https://deidt7p41jzcy.cloudfront.net/gast_distal_gastrectomy.png" id="0" name="Picture 1"/>
+          <p:cNvPr descr="https://deidt7p41jzcy.cloudfront.net/gast_distal_tumor.png" id="0" name="Picture 1"/>
           <p:cNvPicPr>
             <a:picLocks noGrp="1" noChangeAspect="1"/>
           </p:cNvPicPr>
@@ -3653,8 +3622,38 @@
         </p:blipFill>
         <p:spPr bwMode="auto">
           <a:xfrm>
-            <a:off x="5067300" y="1193800"/>
-            <a:ext cx="3327400" cy="3733800"/>
+            <a:off x="952500" y="1193800"/>
+            <a:ext cx="2882900" cy="3733800"/>
+          </a:xfrm>
+          <a:prstGeom prst="rect">
+            <a:avLst/>
+          </a:prstGeom>
+          <a:noFill/>
+          <a:ln w="9525">
+            <a:noFill/>
+            <a:headEnd/>
+            <a:tailEnd/>
+          </a:ln>
+        </p:spPr>
+      </p:pic>
+      <p:pic>
+        <p:nvPicPr>
+          <p:cNvPr descr="https://deidt7p41jzcy.cloudfront.net/gast_partial.png" id="0" name="Picture 1"/>
+          <p:cNvPicPr>
+            <a:picLocks noGrp="1" noChangeAspect="1"/>
+          </p:cNvPicPr>
+          <p:nvPr/>
+        </p:nvPicPr>
+        <p:blipFill>
+          <a:blip r:embed="rId3"/>
+          <a:stretch>
+            <a:fillRect/>
+          </a:stretch>
+        </p:blipFill>
+        <p:spPr bwMode="auto">
+          <a:xfrm>
+            <a:off x="5283200" y="1193800"/>
+            <a:ext cx="2882900" cy="3733800"/>
           </a:xfrm>
           <a:prstGeom prst="rect">
             <a:avLst/>
@@ -3719,36 +3718,36 @@
           </a:p>
         </p:txBody>
       </p:sp>
-      <p:pic>
-        <p:nvPicPr>
-          <p:cNvPr descr="https://deidt7p41jzcy.cloudfront.net/gast_distal_tumor.png" id="0" name="Picture 1"/>
-          <p:cNvPicPr>
-            <a:picLocks noGrp="1" noChangeAspect="1"/>
-          </p:cNvPicPr>
-          <p:nvPr/>
-        </p:nvPicPr>
-        <p:blipFill>
-          <a:blip r:embed="rId2"/>
-          <a:stretch>
-            <a:fillRect/>
-          </a:stretch>
-        </p:blipFill>
-        <p:spPr bwMode="auto">
-          <a:xfrm>
-            <a:off x="952500" y="1193800"/>
-            <a:ext cx="2882900" cy="3733800"/>
-          </a:xfrm>
-          <a:prstGeom prst="rect">
-            <a:avLst/>
-          </a:prstGeom>
-          <a:noFill/>
-          <a:ln w="9525">
-            <a:noFill/>
-            <a:headEnd/>
-            <a:tailEnd/>
-          </a:ln>
-        </p:spPr>
-      </p:pic>
+      <p:sp>
+        <p:nvSpPr>
+          <p:cNvPr id="3" name="Content Placeholder 2"/>
+          <p:cNvSpPr>
+            <a:spLocks noGrp="1"/>
+          </p:cNvSpPr>
+          <p:nvPr>
+            <p:ph idx="1" sz="half"/>
+          </p:nvPr>
+        </p:nvSpPr>
+        <p:spPr/>
+        <p:txBody>
+          <a:bodyPr/>
+          <a:lstStyle/>
+          <a:p>
+            <a:pPr lvl="0"/>
+            <a:r>
+              <a:rPr/>
+              <a:t>Removes bottom half of the stomach</a:t>
+            </a:r>
+          </a:p>
+          <a:p>
+            <a:pPr lvl="0"/>
+            <a:r>
+              <a:rPr/>
+              <a:t>Does lower lymph nodes</a:t>
+            </a:r>
+          </a:p>
+        </p:txBody>
+      </p:sp>
       <p:pic>
         <p:nvPicPr>
           <p:cNvPr descr="https://deidt7p41jzcy.cloudfront.net/gast_distal_gastrectomy.png" id="0" name="Picture 1"/>
@@ -3758,7 +3757,7 @@
           <p:nvPr/>
         </p:nvPicPr>
         <p:blipFill>
-          <a:blip r:embed="rId3"/>
+          <a:blip r:embed="rId2"/>
           <a:stretch>
             <a:fillRect/>
           </a:stretch>
@@ -3826,51 +3825,14 @@
             </a:pPr>
             <a:r>
               <a:rPr/>
-              <a:t>Subtotal Gastrectomy</a:t>
-            </a:r>
-          </a:p>
-        </p:txBody>
-      </p:sp>
-      <p:sp>
-        <p:nvSpPr>
-          <p:cNvPr id="3" name="Content Placeholder 2"/>
-          <p:cNvSpPr>
-            <a:spLocks noGrp="1"/>
-          </p:cNvSpPr>
-          <p:nvPr>
-            <p:ph idx="1" sz="half"/>
-          </p:nvPr>
-        </p:nvSpPr>
-        <p:spPr/>
-        <p:txBody>
-          <a:bodyPr/>
-          <a:lstStyle/>
-          <a:p>
-            <a:pPr lvl="0" indent="0" marL="0">
-              <a:buNone/>
-            </a:pPr>
-            <a:br/>
-            <a:br/>
-          </a:p>
-          <a:p>
-            <a:pPr lvl="0"/>
-            <a:r>
-              <a:rPr/>
-              <a:t>Removes bottom 2/3 of stomach</a:t>
-            </a:r>
-          </a:p>
-          <a:p>
-            <a:pPr lvl="0"/>
-            <a:r>
-              <a:rPr/>
-              <a:t>Rarely required for GI Stromal Tumors</a:t>
+              <a:t>Distal Gastrectomy</a:t>
             </a:r>
           </a:p>
         </p:txBody>
       </p:sp>
       <p:pic>
         <p:nvPicPr>
-          <p:cNvPr descr="https://deidt7p41jzcy.cloudfront.net/gast_subtotal.png" id="0" name="Picture 1"/>
+          <p:cNvPr descr="https://deidt7p41jzcy.cloudfront.net/gast_distal_tumor.png" id="0" name="Picture 1"/>
           <p:cNvPicPr>
             <a:picLocks noGrp="1" noChangeAspect="1"/>
           </p:cNvPicPr>
@@ -3884,8 +3846,38 @@
         </p:blipFill>
         <p:spPr bwMode="auto">
           <a:xfrm>
-            <a:off x="5283200" y="1193800"/>
+            <a:off x="952500" y="1193800"/>
             <a:ext cx="2882900" cy="3733800"/>
+          </a:xfrm>
+          <a:prstGeom prst="rect">
+            <a:avLst/>
+          </a:prstGeom>
+          <a:noFill/>
+          <a:ln w="9525">
+            <a:noFill/>
+            <a:headEnd/>
+            <a:tailEnd/>
+          </a:ln>
+        </p:spPr>
+      </p:pic>
+      <p:pic>
+        <p:nvPicPr>
+          <p:cNvPr descr="https://deidt7p41jzcy.cloudfront.net/gast_distal_gastrectomy.png" id="0" name="Picture 1"/>
+          <p:cNvPicPr>
+            <a:picLocks noGrp="1" noChangeAspect="1"/>
+          </p:cNvPicPr>
+          <p:nvPr/>
+        </p:nvPicPr>
+        <p:blipFill>
+          <a:blip r:embed="rId3"/>
+          <a:stretch>
+            <a:fillRect/>
+          </a:stretch>
+        </p:blipFill>
+        <p:spPr bwMode="auto">
+          <a:xfrm>
+            <a:off x="5067300" y="1193800"/>
+            <a:ext cx="3327400" cy="3733800"/>
           </a:xfrm>
           <a:prstGeom prst="rect">
             <a:avLst/>
@@ -3945,7 +3937,34 @@
             </a:pPr>
             <a:r>
               <a:rPr/>
-              <a:t>Subtotal Gastrectomy</a:t>
+              <a:t>Body Cancers</a:t>
+            </a:r>
+          </a:p>
+        </p:txBody>
+      </p:sp>
+      <p:sp>
+        <p:nvSpPr>
+          <p:cNvPr id="3" name="Content Placeholder 2"/>
+          <p:cNvSpPr>
+            <a:spLocks noGrp="1"/>
+          </p:cNvSpPr>
+          <p:nvPr>
+            <p:ph idx="1" sz="half"/>
+          </p:nvPr>
+        </p:nvSpPr>
+        <p:spPr/>
+        <p:txBody>
+          <a:bodyPr/>
+          <a:lstStyle/>
+          <a:p>
+            <a:pPr lvl="0" indent="0" marL="0">
+              <a:buNone/>
+            </a:pPr>
+            <a:br/>
+            <a:br/>
+            <a:r>
+              <a:rPr/>
+              <a:t>Body is the mid-portion of the stomach</a:t>
             </a:r>
           </a:p>
         </p:txBody>
@@ -3960,36 +3979,6 @@
         </p:nvPicPr>
         <p:blipFill>
           <a:blip r:embed="rId2"/>
-          <a:stretch>
-            <a:fillRect/>
-          </a:stretch>
-        </p:blipFill>
-        <p:spPr bwMode="auto">
-          <a:xfrm>
-            <a:off x="952500" y="1193800"/>
-            <a:ext cx="2882900" cy="3733800"/>
-          </a:xfrm>
-          <a:prstGeom prst="rect">
-            <a:avLst/>
-          </a:prstGeom>
-          <a:noFill/>
-          <a:ln w="9525">
-            <a:noFill/>
-            <a:headEnd/>
-            <a:tailEnd/>
-          </a:ln>
-        </p:spPr>
-      </p:pic>
-      <p:pic>
-        <p:nvPicPr>
-          <p:cNvPr descr="https://deidt7p41jzcy.cloudfront.net/gast_subtotal.png" id="0" name="Picture 1"/>
-          <p:cNvPicPr>
-            <a:picLocks noGrp="1" noChangeAspect="1"/>
-          </p:cNvPicPr>
-          <p:nvPr/>
-        </p:nvPicPr>
-        <p:blipFill>
-          <a:blip r:embed="rId3"/>
           <a:stretch>
             <a:fillRect/>
           </a:stretch>
@@ -4057,7 +4046,7 @@
             </a:pPr>
             <a:r>
               <a:rPr/>
-              <a:t>Proximal Tumors</a:t>
+              <a:t>Subtotal Gastrectomy</a:t>
             </a:r>
           </a:p>
         </p:txBody>
@@ -4077,30 +4066,31 @@
           <a:bodyPr/>
           <a:lstStyle/>
           <a:p>
-            <a:pPr lvl="0" indent="0" marL="0">
-              <a:buNone/>
-            </a:pPr>
-            <a:br/>
-          </a:p>
-          <a:p>
-            <a:pPr lvl="0"/>
-            <a:r>
-              <a:rPr/>
-              <a:t>Located near the top of the stomach</a:t>
-            </a:r>
-          </a:p>
-          <a:p>
-            <a:pPr lvl="0"/>
-            <a:r>
-              <a:rPr/>
-              <a:t>Challenging area for surgery</a:t>
+            <a:pPr lvl="0"/>
+            <a:r>
+              <a:rPr/>
+              <a:t>Removes bottom 2/3 of stomach</a:t>
+            </a:r>
+          </a:p>
+          <a:p>
+            <a:pPr lvl="0"/>
+            <a:r>
+              <a:rPr/>
+              <a:t>Removes lymph nodes</a:t>
+            </a:r>
+          </a:p>
+          <a:p>
+            <a:pPr lvl="0"/>
+            <a:r>
+              <a:rPr/>
+              <a:t>Reconstruction with small intestine</a:t>
             </a:r>
           </a:p>
         </p:txBody>
       </p:sp>
       <p:pic>
         <p:nvPicPr>
-          <p:cNvPr descr="https://deidt7p41jzcy.cloudfront.net/gast_proximal_tumor.png" id="0" name="Picture 1"/>
+          <p:cNvPr descr="https://deidt7p41jzcy.cloudfront.net/gast_subtotal.png" id="0" name="Picture 1"/>
           <p:cNvPicPr>
             <a:picLocks noGrp="1" noChangeAspect="1"/>
           </p:cNvPicPr>
@@ -4175,40 +4165,14 @@
             </a:pPr>
             <a:r>
               <a:rPr/>
-              <a:t>Total Gastrectomy</a:t>
-            </a:r>
-          </a:p>
-        </p:txBody>
-      </p:sp>
-      <p:sp>
-        <p:nvSpPr>
-          <p:cNvPr id="3" name="Content Placeholder 2"/>
-          <p:cNvSpPr>
-            <a:spLocks noGrp="1"/>
-          </p:cNvSpPr>
-          <p:nvPr>
-            <p:ph idx="1" sz="half"/>
-          </p:nvPr>
-        </p:nvSpPr>
-        <p:spPr/>
-        <p:txBody>
-          <a:bodyPr/>
-          <a:lstStyle/>
-          <a:p>
-            <a:pPr lvl="0" indent="0" marL="0">
-              <a:buNone/>
-            </a:pPr>
-            <a:br/>
-            <a:r>
-              <a:rPr/>
-              <a:t>- Removes all of the stomach - Very rarely required for GI Stromal Tumors</a:t>
+              <a:t>Subtotal Gastrectomy</a:t>
             </a:r>
           </a:p>
         </p:txBody>
       </p:sp>
       <p:pic>
         <p:nvPicPr>
-          <p:cNvPr descr="https://deidt7p41jzcy.cloudfront.net/gast_total.png" id="0" name="Picture 1"/>
+          <p:cNvPr descr="https://deidt7p41jzcy.cloudfront.net/gast_body.png" id="0" name="Picture 1"/>
           <p:cNvPicPr>
             <a:picLocks noGrp="1" noChangeAspect="1"/>
           </p:cNvPicPr>
@@ -4216,6 +4180,36 @@
         </p:nvPicPr>
         <p:blipFill>
           <a:blip r:embed="rId2"/>
+          <a:stretch>
+            <a:fillRect/>
+          </a:stretch>
+        </p:blipFill>
+        <p:spPr bwMode="auto">
+          <a:xfrm>
+            <a:off x="952500" y="1193800"/>
+            <a:ext cx="2882900" cy="3733800"/>
+          </a:xfrm>
+          <a:prstGeom prst="rect">
+            <a:avLst/>
+          </a:prstGeom>
+          <a:noFill/>
+          <a:ln w="9525">
+            <a:noFill/>
+            <a:headEnd/>
+            <a:tailEnd/>
+          </a:ln>
+        </p:spPr>
+      </p:pic>
+      <p:pic>
+        <p:nvPicPr>
+          <p:cNvPr descr="https://deidt7p41jzcy.cloudfront.net/gast_subtotal.png" id="0" name="Picture 1"/>
+          <p:cNvPicPr>
+            <a:picLocks noGrp="1" noChangeAspect="1"/>
+          </p:cNvPicPr>
+          <p:nvPr/>
+        </p:nvPicPr>
+        <p:blipFill>
+          <a:blip r:embed="rId3"/>
           <a:stretch>
             <a:fillRect/>
           </a:stretch>
@@ -4283,7 +4277,43 @@
             </a:pPr>
             <a:r>
               <a:rPr/>
-              <a:t>Total Gastrectomy</a:t>
+              <a:t>Proximal Tumors</a:t>
+            </a:r>
+          </a:p>
+        </p:txBody>
+      </p:sp>
+      <p:sp>
+        <p:nvSpPr>
+          <p:cNvPr id="3" name="Content Placeholder 2"/>
+          <p:cNvSpPr>
+            <a:spLocks noGrp="1"/>
+          </p:cNvSpPr>
+          <p:nvPr>
+            <p:ph idx="1" sz="half"/>
+          </p:nvPr>
+        </p:nvSpPr>
+        <p:spPr/>
+        <p:txBody>
+          <a:bodyPr/>
+          <a:lstStyle/>
+          <a:p>
+            <a:pPr lvl="0" indent="0" marL="0">
+              <a:buNone/>
+            </a:pPr>
+            <a:br/>
+          </a:p>
+          <a:p>
+            <a:pPr lvl="0"/>
+            <a:r>
+              <a:rPr/>
+              <a:t>Located near the top of the stomach</a:t>
+            </a:r>
+          </a:p>
+          <a:p>
+            <a:pPr lvl="0"/>
+            <a:r>
+              <a:rPr/>
+              <a:t>Challenging area for surgery</a:t>
             </a:r>
           </a:p>
         </p:txBody>
@@ -4298,36 +4328,6 @@
         </p:nvPicPr>
         <p:blipFill>
           <a:blip r:embed="rId2"/>
-          <a:stretch>
-            <a:fillRect/>
-          </a:stretch>
-        </p:blipFill>
-        <p:spPr bwMode="auto">
-          <a:xfrm>
-            <a:off x="952500" y="1193800"/>
-            <a:ext cx="2882900" cy="3733800"/>
-          </a:xfrm>
-          <a:prstGeom prst="rect">
-            <a:avLst/>
-          </a:prstGeom>
-          <a:noFill/>
-          <a:ln w="9525">
-            <a:noFill/>
-            <a:headEnd/>
-            <a:tailEnd/>
-          </a:ln>
-        </p:spPr>
-      </p:pic>
-      <p:pic>
-        <p:nvPicPr>
-          <p:cNvPr descr="https://deidt7p41jzcy.cloudfront.net/gast_total.png" id="0" name="Picture 1"/>
-          <p:cNvPicPr>
-            <a:picLocks noGrp="1" noChangeAspect="1"/>
-          </p:cNvPicPr>
-          <p:nvPr/>
-        </p:nvPicPr>
-        <p:blipFill>
-          <a:blip r:embed="rId3"/>
           <a:stretch>
             <a:fillRect/>
           </a:stretch>
@@ -4395,7 +4395,7 @@
             </a:pPr>
             <a:r>
               <a:rPr/>
-              <a:t>Dual Tract Gastrectomy</a:t>
+              <a:t>Total Gastrectomy</a:t>
             </a:r>
           </a:p>
         </p:txBody>
@@ -4415,27 +4415,31 @@
           <a:bodyPr/>
           <a:lstStyle/>
           <a:p>
-            <a:pPr lvl="0" indent="0" marL="0">
-              <a:buNone/>
-            </a:pPr>
-            <a:br/>
-            <a:r>
-              <a:rPr/>
-              <a:t>Alternative surgical approach for small tumors near the top of the stomach</a:t>
-            </a:r>
-          </a:p>
-          <a:p>
-            <a:pPr lvl="0"/>
-            <a:r>
-              <a:rPr/>
-              <a:t>Preserves the bottom of the stomach as a reservoir</a:t>
+            <a:pPr lvl="0"/>
+            <a:r>
+              <a:rPr/>
+              <a:t>Removes all of the stomach</a:t>
+            </a:r>
+          </a:p>
+          <a:p>
+            <a:pPr lvl="0"/>
+            <a:r>
+              <a:rPr/>
+              <a:t>Reconstruction with small intestine</a:t>
+            </a:r>
+          </a:p>
+          <a:p>
+            <a:pPr lvl="0"/>
+            <a:r>
+              <a:rPr/>
+              <a:t>Needed for those with CDH1 mutations</a:t>
             </a:r>
           </a:p>
         </p:txBody>
       </p:sp>
       <p:pic>
         <p:nvPicPr>
-          <p:cNvPr descr="https://deidt7p41jzcy.cloudfront.net/gast_dualtract.png" id="0" name="Picture 1"/>
+          <p:cNvPr descr="https://deidt7p41jzcy.cloudfront.net/gast_total.png" id="0" name="Picture 1"/>
           <p:cNvPicPr>
             <a:picLocks noGrp="1" noChangeAspect="1"/>
           </p:cNvPicPr>
@@ -4510,7 +4514,7 @@
             </a:pPr>
             <a:r>
               <a:rPr/>
-              <a:t>Dual Tract Gastrectomy</a:t>
+              <a:t>Total Gastrectomy</a:t>
             </a:r>
           </a:p>
         </p:txBody>
@@ -4547,7 +4551,7 @@
       </p:pic>
       <p:pic>
         <p:nvPicPr>
-          <p:cNvPr descr="https://deidt7p41jzcy.cloudfront.net/gast_dualtract.png" id="0" name="Picture 1"/>
+          <p:cNvPr descr="https://deidt7p41jzcy.cloudfront.net/gast_total.png" id="0" name="Picture 1"/>
           <p:cNvPicPr>
             <a:picLocks noGrp="1" noChangeAspect="1"/>
           </p:cNvPicPr>
@@ -4609,8 +4613,8 @@
         </p:nvSpPr>
         <p:spPr>
           <a:xfrm>
-            <a:off x="284309" y="205979"/>
-            <a:ext cx="8552330" cy="662317"/>
+            <a:off x="315045" y="205979"/>
+            <a:ext cx="8529278" cy="857250"/>
           </a:xfrm>
         </p:spPr>
         <p:txBody>
@@ -4622,7 +4626,7 @@
             </a:pPr>
             <a:r>
               <a:rPr/>
-              <a:t>Risks of Surgery</a:t>
+              <a:t>Esophagogastrectomy</a:t>
             </a:r>
           </a:p>
         </p:txBody>
@@ -4634,7 +4638,7 @@
             <a:spLocks noGrp="1"/>
           </p:cNvSpPr>
           <p:nvPr>
-            <p:ph idx="1"/>
+            <p:ph idx="1" sz="half"/>
           </p:nvPr>
         </p:nvSpPr>
         <p:spPr/>
@@ -4645,32 +4649,55 @@
             <a:pPr lvl="0"/>
             <a:r>
               <a:rPr/>
-              <a:t>Leak where bowel is joined together (anastomosis)</a:t>
-            </a:r>
-          </a:p>
-          <a:p>
-            <a:pPr lvl="0"/>
-            <a:r>
-              <a:rPr/>
-              <a:t>Bleeding requiring reoperation</a:t>
-            </a:r>
-          </a:p>
-          <a:p>
-            <a:pPr lvl="0"/>
-            <a:r>
-              <a:rPr/>
-              <a:t>Delayed stomach function</a:t>
-            </a:r>
-          </a:p>
-          <a:p>
-            <a:pPr lvl="0"/>
-            <a:r>
-              <a:rPr/>
-              <a:t>Infection in the abdomen</a:t>
-            </a:r>
-          </a:p>
-        </p:txBody>
-      </p:sp>
+              <a:t>Removes top part of stomach</a:t>
+            </a:r>
+          </a:p>
+          <a:p>
+            <a:pPr lvl="0"/>
+            <a:r>
+              <a:rPr/>
+              <a:t>Remove bottom half of esophagus</a:t>
+            </a:r>
+          </a:p>
+          <a:p>
+            <a:pPr lvl="0"/>
+            <a:r>
+              <a:rPr/>
+              <a:t>Surgery in both abdomen and chest</a:t>
+            </a:r>
+          </a:p>
+        </p:txBody>
+      </p:sp>
+      <p:pic>
+        <p:nvPicPr>
+          <p:cNvPr descr="https://deidt7p41jzcy.cloudfront.net/Eso_tumor00_resection2_1600.png" id="0" name="Picture 1"/>
+          <p:cNvPicPr>
+            <a:picLocks noGrp="1" noChangeAspect="1"/>
+          </p:cNvPicPr>
+          <p:nvPr/>
+        </p:nvPicPr>
+        <p:blipFill>
+          <a:blip r:embed="rId2"/>
+          <a:stretch>
+            <a:fillRect/>
+          </a:stretch>
+        </p:blipFill>
+        <p:spPr bwMode="auto">
+          <a:xfrm>
+            <a:off x="5067300" y="1193800"/>
+            <a:ext cx="3314700" cy="3733800"/>
+          </a:xfrm>
+          <a:prstGeom prst="rect">
+            <a:avLst/>
+          </a:prstGeom>
+          <a:noFill/>
+          <a:ln w="9525">
+            <a:noFill/>
+            <a:headEnd/>
+            <a:tailEnd/>
+          </a:ln>
+        </p:spPr>
+      </p:pic>
     </p:spTree>
   </p:cSld>
 </p:sld>
@@ -4814,7 +4841,7 @@
             </a:pPr>
             <a:r>
               <a:rPr/>
-              <a:t>Laparoscopy</a:t>
+              <a:t>Esophagogastrectomy</a:t>
             </a:r>
           </a:p>
         </p:txBody>
@@ -4834,31 +4861,37 @@
           <a:bodyPr/>
           <a:lstStyle/>
           <a:p>
-            <a:pPr lvl="0"/>
-            <a:r>
-              <a:rPr/>
-              <a:t>Some stomach cancers can spread inside the abdomen</a:t>
-            </a:r>
-          </a:p>
-          <a:p>
-            <a:pPr lvl="0"/>
-            <a:r>
-              <a:rPr/>
-              <a:t>Areas of spread can be very small (grain of rice)</a:t>
-            </a:r>
-          </a:p>
-          <a:p>
-            <a:pPr lvl="0"/>
-            <a:r>
-              <a:rPr/>
-              <a:t>Laparoscopy can detect spread inside the abdomen</a:t>
+            <a:pPr lvl="0" indent="0" marL="0">
+              <a:buNone/>
+            </a:pPr>
+            <a:br/>
+          </a:p>
+          <a:p>
+            <a:pPr lvl="0"/>
+            <a:r>
+              <a:rPr/>
+              <a:t>Removes top part of stomach</a:t>
+            </a:r>
+          </a:p>
+          <a:p>
+            <a:pPr lvl="0"/>
+            <a:r>
+              <a:rPr/>
+              <a:t>Remove bottom half of esophagus</a:t>
+            </a:r>
+          </a:p>
+          <a:p>
+            <a:pPr lvl="0"/>
+            <a:r>
+              <a:rPr/>
+              <a:t>Surgery in both abdomen and chest</a:t>
             </a:r>
           </a:p>
         </p:txBody>
       </p:sp>
       <p:pic>
         <p:nvPicPr>
-          <p:cNvPr descr="https://deidt7p41jzcy.cloudfront.net/Eso_Laparoscopy.png" id="0" name="Picture 1"/>
+          <p:cNvPr descr="https://deidt7p41jzcy.cloudfront.net/ivor_lewis_simple2_900.png" id="0" name="Picture 1"/>
           <p:cNvPicPr>
             <a:picLocks noGrp="1" noChangeAspect="1"/>
           </p:cNvPicPr>
@@ -4872,8 +4905,8 @@
         </p:blipFill>
         <p:spPr bwMode="auto">
           <a:xfrm>
-            <a:off x="4914900" y="1193800"/>
-            <a:ext cx="3632200" cy="3733800"/>
+            <a:off x="5067300" y="1193800"/>
+            <a:ext cx="3314700" cy="3733800"/>
           </a:xfrm>
           <a:prstGeom prst="rect">
             <a:avLst/>
@@ -4933,7 +4966,7 @@
             </a:pPr>
             <a:r>
               <a:rPr/>
-              <a:t>Laparoscopy</a:t>
+              <a:t>Esophagogastrectomy</a:t>
             </a:r>
           </a:p>
         </p:txBody>
@@ -4956,37 +4989,34 @@
             <a:pPr lvl="0" indent="0" marL="0">
               <a:buNone/>
             </a:pPr>
-            <a:r>
-              <a:rPr/>
-              <a:t>A laparoscopy is performed under a general anesthetic.</a:t>
-            </a:r>
-          </a:p>
-          <a:p>
-            <a:pPr lvl="0"/>
-            <a:r>
-              <a:rPr/>
-              <a:t>Several incisions 1/4” long</a:t>
-            </a:r>
-          </a:p>
-          <a:p>
-            <a:pPr lvl="0"/>
-            <a:r>
-              <a:rPr/>
-              <a:t>A telescope is inserted to look inside the abdominal cavity.</a:t>
-            </a:r>
-          </a:p>
-          <a:p>
-            <a:pPr lvl="0"/>
-            <a:r>
-              <a:rPr/>
-              <a:t>Biopsies can be performed.</a:t>
+            <a:br/>
+          </a:p>
+          <a:p>
+            <a:pPr lvl="0"/>
+            <a:r>
+              <a:rPr/>
+              <a:t>Removes top part of stomach</a:t>
+            </a:r>
+          </a:p>
+          <a:p>
+            <a:pPr lvl="0"/>
+            <a:r>
+              <a:rPr/>
+              <a:t>Remove bottom half of esophagus</a:t>
+            </a:r>
+          </a:p>
+          <a:p>
+            <a:pPr lvl="0"/>
+            <a:r>
+              <a:rPr/>
+              <a:t>Surgery in both abdomen and chest</a:t>
             </a:r>
           </a:p>
         </p:txBody>
       </p:sp>
       <p:pic>
         <p:nvPicPr>
-          <p:cNvPr descr="https://deidt7p41jzcy.cloudfront.net/Eso_Laparoscopy.png" id="0" name="Picture 1"/>
+          <p:cNvPr descr="https://deidt7p41jzcy.cloudfront.net/ivor_lewis_simple2.png" id="0" name="Picture 1"/>
           <p:cNvPicPr>
             <a:picLocks noGrp="1" noChangeAspect="1"/>
           </p:cNvPicPr>
@@ -5048,8 +5078,8 @@
         </p:nvSpPr>
         <p:spPr>
           <a:xfrm>
-            <a:off x="284309" y="205979"/>
-            <a:ext cx="8552330" cy="662317"/>
+            <a:off x="315045" y="205979"/>
+            <a:ext cx="8529278" cy="857250"/>
           </a:xfrm>
         </p:spPr>
         <p:txBody>
@@ -5061,7 +5091,7 @@
             </a:pPr>
             <a:r>
               <a:rPr/>
-              <a:t>Primary Care Practitioner (PCP)</a:t>
+              <a:t>Dual Tract Gastrectomy</a:t>
             </a:r>
           </a:p>
         </p:txBody>
@@ -5073,7 +5103,7 @@
             <a:spLocks noGrp="1"/>
           </p:cNvSpPr>
           <p:nvPr>
-            <p:ph idx="1"/>
+            <p:ph idx="1" sz="half"/>
           </p:nvPr>
         </p:nvSpPr>
         <p:spPr/>
@@ -5084,31 +5114,51 @@
             <a:pPr lvl="0" indent="0" marL="0">
               <a:buNone/>
             </a:pPr>
-            <a:r>
-              <a:rPr/>
-              <a:t>Critical to coordinate care between specialists.</a:t>
-            </a:r>
-          </a:p>
-          <a:p>
-            <a:pPr lvl="0" indent="0" marL="0">
-              <a:buNone/>
-            </a:pPr>
-            <a:r>
-              <a:rPr/>
-              <a:t>We will update your PCP after each visit</a:t>
-            </a:r>
-          </a:p>
-          <a:p>
-            <a:pPr lvl="0" indent="0" marL="0">
-              <a:buNone/>
-            </a:pPr>
-            <a:r>
-              <a:rPr/>
-              <a:t>PCP Referral Line (844) 235-6998</a:t>
-            </a:r>
-          </a:p>
-        </p:txBody>
-      </p:sp>
+            <a:br/>
+            <a:r>
+              <a:rPr/>
+              <a:t>Alternative surgical approach for small tumors near the top of the stomach</a:t>
+            </a:r>
+          </a:p>
+          <a:p>
+            <a:pPr lvl="0"/>
+            <a:r>
+              <a:rPr/>
+              <a:t>Preserves the bottom of the stomach as a reservoir</a:t>
+            </a:r>
+          </a:p>
+        </p:txBody>
+      </p:sp>
+      <p:pic>
+        <p:nvPicPr>
+          <p:cNvPr descr="https://deidt7p41jzcy.cloudfront.net/gast_dualtract.png" id="0" name="Picture 1"/>
+          <p:cNvPicPr>
+            <a:picLocks noGrp="1" noChangeAspect="1"/>
+          </p:cNvPicPr>
+          <p:nvPr/>
+        </p:nvPicPr>
+        <p:blipFill>
+          <a:blip r:embed="rId2"/>
+          <a:stretch>
+            <a:fillRect/>
+          </a:stretch>
+        </p:blipFill>
+        <p:spPr bwMode="auto">
+          <a:xfrm>
+            <a:off x="5283200" y="1193800"/>
+            <a:ext cx="2882900" cy="3733800"/>
+          </a:xfrm>
+          <a:prstGeom prst="rect">
+            <a:avLst/>
+          </a:prstGeom>
+          <a:noFill/>
+          <a:ln w="9525">
+            <a:noFill/>
+            <a:headEnd/>
+            <a:tailEnd/>
+          </a:ln>
+        </p:spPr>
+      </p:pic>
     </p:spTree>
   </p:cSld>
 </p:sld>
@@ -5143,8 +5193,8 @@
         </p:nvSpPr>
         <p:spPr>
           <a:xfrm>
-            <a:off x="284309" y="205979"/>
-            <a:ext cx="8552330" cy="662317"/>
+            <a:off x="315045" y="205979"/>
+            <a:ext cx="8529278" cy="857250"/>
           </a:xfrm>
         </p:spPr>
         <p:txBody>
@@ -5156,48 +5206,71 @@
             </a:pPr>
             <a:r>
               <a:rPr/>
-              <a:t>My Atrium Patient Portal</a:t>
-            </a:r>
-          </a:p>
-        </p:txBody>
-      </p:sp>
-      <p:sp>
-        <p:nvSpPr>
-          <p:cNvPr id="3" name="Content Placeholder 2"/>
-          <p:cNvSpPr>
-            <a:spLocks noGrp="1"/>
-          </p:cNvSpPr>
-          <p:nvPr>
-            <p:ph idx="1"/>
-          </p:nvPr>
-        </p:nvSpPr>
-        <p:spPr/>
-        <p:txBody>
-          <a:bodyPr/>
-          <a:lstStyle/>
-          <a:p>
-            <a:pPr lvl="0"/>
-            <a:r>
-              <a:rPr/>
-              <a:t>Critical to good communication with your care team</a:t>
-            </a:r>
-          </a:p>
-          <a:p>
-            <a:pPr lvl="0"/>
-            <a:r>
-              <a:rPr/>
-              <a:t>Available for desktop or laptop or phone</a:t>
-            </a:r>
-          </a:p>
-          <a:p>
-            <a:pPr lvl="0"/>
-            <a:r>
-              <a:rPr/>
-              <a:t>Sign up at my.atriumhealth.org</a:t>
-            </a:r>
-          </a:p>
-        </p:txBody>
-      </p:sp>
+              <a:t>Dual Tract Gastrectomy</a:t>
+            </a:r>
+          </a:p>
+        </p:txBody>
+      </p:sp>
+      <p:pic>
+        <p:nvPicPr>
+          <p:cNvPr descr="https://deidt7p41jzcy.cloudfront.net/gast_proximal_tumor.png" id="0" name="Picture 1"/>
+          <p:cNvPicPr>
+            <a:picLocks noGrp="1" noChangeAspect="1"/>
+          </p:cNvPicPr>
+          <p:nvPr/>
+        </p:nvPicPr>
+        <p:blipFill>
+          <a:blip r:embed="rId2"/>
+          <a:stretch>
+            <a:fillRect/>
+          </a:stretch>
+        </p:blipFill>
+        <p:spPr bwMode="auto">
+          <a:xfrm>
+            <a:off x="952500" y="1193800"/>
+            <a:ext cx="2882900" cy="3733800"/>
+          </a:xfrm>
+          <a:prstGeom prst="rect">
+            <a:avLst/>
+          </a:prstGeom>
+          <a:noFill/>
+          <a:ln w="9525">
+            <a:noFill/>
+            <a:headEnd/>
+            <a:tailEnd/>
+          </a:ln>
+        </p:spPr>
+      </p:pic>
+      <p:pic>
+        <p:nvPicPr>
+          <p:cNvPr descr="https://deidt7p41jzcy.cloudfront.net/gast_dualtract.png" id="0" name="Picture 1"/>
+          <p:cNvPicPr>
+            <a:picLocks noGrp="1" noChangeAspect="1"/>
+          </p:cNvPicPr>
+          <p:nvPr/>
+        </p:nvPicPr>
+        <p:blipFill>
+          <a:blip r:embed="rId3"/>
+          <a:stretch>
+            <a:fillRect/>
+          </a:stretch>
+        </p:blipFill>
+        <p:spPr bwMode="auto">
+          <a:xfrm>
+            <a:off x="5283200" y="1193800"/>
+            <a:ext cx="2882900" cy="3733800"/>
+          </a:xfrm>
+          <a:prstGeom prst="rect">
+            <a:avLst/>
+          </a:prstGeom>
+          <a:noFill/>
+          <a:ln w="9525">
+            <a:noFill/>
+            <a:headEnd/>
+            <a:tailEnd/>
+          </a:ln>
+        </p:spPr>
+      </p:pic>
     </p:spTree>
   </p:cSld>
 </p:sld>
@@ -5232,8 +5305,8 @@
         </p:nvSpPr>
         <p:spPr>
           <a:xfrm>
-            <a:off x="284309" y="205979"/>
-            <a:ext cx="8552330" cy="662317"/>
+            <a:off x="315045" y="205979"/>
+            <a:ext cx="8529278" cy="857250"/>
           </a:xfrm>
         </p:spPr>
         <p:txBody>
@@ -5245,7 +5318,7 @@
             </a:pPr>
             <a:r>
               <a:rPr/>
-              <a:t>Exercise</a:t>
+              <a:t>Laparoscopy</a:t>
             </a:r>
           </a:p>
         </p:txBody>
@@ -5257,7 +5330,7 @@
             <a:spLocks noGrp="1"/>
           </p:cNvSpPr>
           <p:nvPr>
-            <p:ph idx="1"/>
+            <p:ph idx="1" sz="half"/>
           </p:nvPr>
         </p:nvSpPr>
         <p:spPr/>
@@ -5268,39 +5341,55 @@
             <a:pPr lvl="0"/>
             <a:r>
               <a:rPr/>
-              <a:t>Reduces risk of complications from treatment</a:t>
-            </a:r>
-          </a:p>
-          <a:p>
-            <a:pPr lvl="0"/>
-            <a:r>
-              <a:rPr/>
-              <a:t>Goal is 30min/day of vigorous exercise 6 days/wk</a:t>
-            </a:r>
-          </a:p>
-          <a:p>
-            <a:pPr lvl="1"/>
-            <a:r>
-              <a:rPr/>
-              <a:t>Working hard enough that you can’t converse</a:t>
-            </a:r>
-          </a:p>
-          <a:p>
-            <a:pPr lvl="1"/>
-            <a:r>
-              <a:rPr/>
-              <a:t>Start slowly and build up</a:t>
-            </a:r>
-          </a:p>
-          <a:p>
-            <a:pPr lvl="1"/>
-            <a:r>
-              <a:rPr/>
-              <a:t>Every day counts! (Aim for daily activity)</a:t>
-            </a:r>
-          </a:p>
-        </p:txBody>
-      </p:sp>
+              <a:t>Some stomach cancers can spread inside the abdomen</a:t>
+            </a:r>
+          </a:p>
+          <a:p>
+            <a:pPr lvl="0"/>
+            <a:r>
+              <a:rPr/>
+              <a:t>Areas of spread can be very small (grain of rice)</a:t>
+            </a:r>
+          </a:p>
+          <a:p>
+            <a:pPr lvl="0"/>
+            <a:r>
+              <a:rPr/>
+              <a:t>Laparoscopy can detect spread inside the abdomen</a:t>
+            </a:r>
+          </a:p>
+        </p:txBody>
+      </p:sp>
+      <p:pic>
+        <p:nvPicPr>
+          <p:cNvPr descr="https://deidt7p41jzcy.cloudfront.net/Eso_Laparoscopy.png" id="0" name="Picture 1"/>
+          <p:cNvPicPr>
+            <a:picLocks noGrp="1" noChangeAspect="1"/>
+          </p:cNvPicPr>
+          <p:nvPr/>
+        </p:nvPicPr>
+        <p:blipFill>
+          <a:blip r:embed="rId2"/>
+          <a:stretch>
+            <a:fillRect/>
+          </a:stretch>
+        </p:blipFill>
+        <p:spPr bwMode="auto">
+          <a:xfrm>
+            <a:off x="4914900" y="1193800"/>
+            <a:ext cx="3632200" cy="3733800"/>
+          </a:xfrm>
+          <a:prstGeom prst="rect">
+            <a:avLst/>
+          </a:prstGeom>
+          <a:noFill/>
+          <a:ln w="9525">
+            <a:noFill/>
+            <a:headEnd/>
+            <a:tailEnd/>
+          </a:ln>
+        </p:spPr>
+      </p:pic>
     </p:spTree>
   </p:cSld>
 </p:sld>
@@ -5335,6 +5424,132 @@
         </p:nvSpPr>
         <p:spPr>
           <a:xfrm>
+            <a:off x="315045" y="205979"/>
+            <a:ext cx="8529278" cy="857250"/>
+          </a:xfrm>
+        </p:spPr>
+        <p:txBody>
+          <a:bodyPr/>
+          <a:lstStyle/>
+          <a:p>
+            <a:pPr lvl="0" indent="0" marL="0">
+              <a:buNone/>
+            </a:pPr>
+            <a:r>
+              <a:rPr/>
+              <a:t>Laparoscopy</a:t>
+            </a:r>
+          </a:p>
+        </p:txBody>
+      </p:sp>
+      <p:sp>
+        <p:nvSpPr>
+          <p:cNvPr id="3" name="Content Placeholder 2"/>
+          <p:cNvSpPr>
+            <a:spLocks noGrp="1"/>
+          </p:cNvSpPr>
+          <p:nvPr>
+            <p:ph idx="1" sz="half"/>
+          </p:nvPr>
+        </p:nvSpPr>
+        <p:spPr/>
+        <p:txBody>
+          <a:bodyPr/>
+          <a:lstStyle/>
+          <a:p>
+            <a:pPr lvl="0"/>
+            <a:r>
+              <a:rPr/>
+              <a:t>General anesthetic</a:t>
+            </a:r>
+          </a:p>
+          <a:p>
+            <a:pPr lvl="0"/>
+            <a:r>
+              <a:rPr/>
+              <a:t>Several 1/4” incisions</a:t>
+            </a:r>
+          </a:p>
+          <a:p>
+            <a:pPr lvl="0"/>
+            <a:r>
+              <a:rPr/>
+              <a:t>Telescope examines the abdomen</a:t>
+            </a:r>
+          </a:p>
+          <a:p>
+            <a:pPr lvl="0"/>
+            <a:r>
+              <a:rPr/>
+              <a:t>Biopsies can be performed.</a:t>
+            </a:r>
+          </a:p>
+        </p:txBody>
+      </p:sp>
+      <p:pic>
+        <p:nvPicPr>
+          <p:cNvPr descr="https://deidt7p41jzcy.cloudfront.net/Eso_Laparoscopy.png" id="0" name="Picture 1"/>
+          <p:cNvPicPr>
+            <a:picLocks noGrp="1" noChangeAspect="1"/>
+          </p:cNvPicPr>
+          <p:nvPr/>
+        </p:nvPicPr>
+        <p:blipFill>
+          <a:blip r:embed="rId2"/>
+          <a:stretch>
+            <a:fillRect/>
+          </a:stretch>
+        </p:blipFill>
+        <p:spPr bwMode="auto">
+          <a:xfrm>
+            <a:off x="4914900" y="1193800"/>
+            <a:ext cx="3632200" cy="3733800"/>
+          </a:xfrm>
+          <a:prstGeom prst="rect">
+            <a:avLst/>
+          </a:prstGeom>
+          <a:noFill/>
+          <a:ln w="9525">
+            <a:noFill/>
+            <a:headEnd/>
+            <a:tailEnd/>
+          </a:ln>
+        </p:spPr>
+      </p:pic>
+    </p:spTree>
+  </p:cSld>
+</p:sld>
+</file>
+
+<file path=ppt/slides/slide26.xml><?xml version="1.0" encoding="utf-8"?>
+<p:sld xmlns:a="http://schemas.openxmlformats.org/drawingml/2006/main" xmlns:r="http://schemas.openxmlformats.org/officeDocument/2006/relationships" xmlns:p="http://schemas.openxmlformats.org/presentationml/2006/main">
+  <p:cSld>
+    <p:spTree>
+      <p:nvGrpSpPr>
+        <p:cNvPr id="1" name=""/>
+        <p:cNvGrpSpPr/>
+        <p:nvPr/>
+      </p:nvGrpSpPr>
+      <p:grpSpPr>
+        <a:xfrm>
+          <a:off x="0" y="0"/>
+          <a:ext cx="0" cy="0"/>
+          <a:chOff x="0" y="0"/>
+          <a:chExt cx="0" cy="0"/>
+        </a:xfrm>
+      </p:grpSpPr>
+      <p:sp>
+        <p:nvSpPr>
+          <p:cNvPr id="2" name="Title 1"/>
+          <p:cNvSpPr>
+            <a:spLocks noGrp="1"/>
+          </p:cNvSpPr>
+          <p:nvPr>
+            <p:ph type="title"/>
+          </p:nvPr>
+        </p:nvSpPr>
+        <p:spPr>
+          <a:xfrm>
             <a:off x="284309" y="205979"/>
             <a:ext cx="8552330" cy="662317"/>
           </a:xfrm>
@@ -5348,7 +5563,7 @@
             </a:pPr>
             <a:r>
               <a:rPr/>
-              <a:t>Smoking Cessation</a:t>
+              <a:t>Risks of Surgery</a:t>
             </a:r>
           </a:p>
         </p:txBody>
@@ -5371,53 +5586,315 @@
             <a:pPr lvl="0"/>
             <a:r>
               <a:rPr/>
-              <a:t>Smoking makes cancer treatment more difficult</a:t>
+              <a:t>Leak where bowel is joined together (anastomosis)</a:t>
+            </a:r>
+          </a:p>
+          <a:p>
+            <a:pPr lvl="0"/>
+            <a:r>
+              <a:rPr/>
+              <a:t>Bleeding requiring reoperation</a:t>
+            </a:r>
+          </a:p>
+          <a:p>
+            <a:pPr lvl="0"/>
+            <a:r>
+              <a:rPr/>
+              <a:t>Delayed stomach function</a:t>
+            </a:r>
+          </a:p>
+          <a:p>
+            <a:pPr lvl="0"/>
+            <a:r>
+              <a:rPr/>
+              <a:t>Infection in the abdomen</a:t>
+            </a:r>
+          </a:p>
+        </p:txBody>
+      </p:sp>
+    </p:spTree>
+  </p:cSld>
+</p:sld>
+</file>
+
+<file path=ppt/slides/slide27.xml><?xml version="1.0" encoding="utf-8"?>
+<p:sld xmlns:a="http://schemas.openxmlformats.org/drawingml/2006/main" xmlns:r="http://schemas.openxmlformats.org/officeDocument/2006/relationships" xmlns:p="http://schemas.openxmlformats.org/presentationml/2006/main">
+  <p:cSld>
+    <p:spTree>
+      <p:nvGrpSpPr>
+        <p:cNvPr id="1" name=""/>
+        <p:cNvGrpSpPr/>
+        <p:nvPr/>
+      </p:nvGrpSpPr>
+      <p:grpSpPr>
+        <a:xfrm>
+          <a:off x="0" y="0"/>
+          <a:ext cx="0" cy="0"/>
+          <a:chOff x="0" y="0"/>
+          <a:chExt cx="0" cy="0"/>
+        </a:xfrm>
+      </p:grpSpPr>
+      <p:sp>
+        <p:nvSpPr>
+          <p:cNvPr id="2" name="Title 1"/>
+          <p:cNvSpPr>
+            <a:spLocks noGrp="1"/>
+          </p:cNvSpPr>
+          <p:nvPr>
+            <p:ph type="title"/>
+          </p:nvPr>
+        </p:nvSpPr>
+        <p:spPr>
+          <a:xfrm>
+            <a:off x="284309" y="205979"/>
+            <a:ext cx="8552330" cy="662317"/>
+          </a:xfrm>
+        </p:spPr>
+        <p:txBody>
+          <a:bodyPr/>
+          <a:lstStyle/>
+          <a:p>
+            <a:pPr lvl="0" indent="0" marL="0">
+              <a:buNone/>
+            </a:pPr>
+            <a:r>
+              <a:rPr/>
+              <a:t>Primary Care Practitioner (PCP)</a:t>
+            </a:r>
+          </a:p>
+        </p:txBody>
+      </p:sp>
+      <p:sp>
+        <p:nvSpPr>
+          <p:cNvPr id="3" name="Content Placeholder 2"/>
+          <p:cNvSpPr>
+            <a:spLocks noGrp="1"/>
+          </p:cNvSpPr>
+          <p:nvPr>
+            <p:ph idx="1"/>
+          </p:nvPr>
+        </p:nvSpPr>
+        <p:spPr/>
+        <p:txBody>
+          <a:bodyPr/>
+          <a:lstStyle/>
+          <a:p>
+            <a:pPr lvl="0" indent="0" marL="0">
+              <a:buNone/>
+            </a:pPr>
+            <a:r>
+              <a:rPr/>
+              <a:t>Critical to coordinate care between specialists.</a:t>
+            </a:r>
+          </a:p>
+          <a:p>
+            <a:pPr lvl="0" indent="0" marL="0">
+              <a:buNone/>
+            </a:pPr>
+            <a:r>
+              <a:rPr/>
+              <a:t>We will update your PCP after each visit</a:t>
+            </a:r>
+          </a:p>
+          <a:p>
+            <a:pPr lvl="0" indent="0" marL="0">
+              <a:buNone/>
+            </a:pPr>
+            <a:r>
+              <a:rPr/>
+              <a:t>PCP Referral Line (844) 235-6998</a:t>
+            </a:r>
+          </a:p>
+        </p:txBody>
+      </p:sp>
+    </p:spTree>
+  </p:cSld>
+</p:sld>
+</file>
+
+<file path=ppt/slides/slide28.xml><?xml version="1.0" encoding="utf-8"?>
+<p:sld xmlns:a="http://schemas.openxmlformats.org/drawingml/2006/main" xmlns:r="http://schemas.openxmlformats.org/officeDocument/2006/relationships" xmlns:p="http://schemas.openxmlformats.org/presentationml/2006/main">
+  <p:cSld>
+    <p:spTree>
+      <p:nvGrpSpPr>
+        <p:cNvPr id="1" name=""/>
+        <p:cNvGrpSpPr/>
+        <p:nvPr/>
+      </p:nvGrpSpPr>
+      <p:grpSpPr>
+        <a:xfrm>
+          <a:off x="0" y="0"/>
+          <a:ext cx="0" cy="0"/>
+          <a:chOff x="0" y="0"/>
+          <a:chExt cx="0" cy="0"/>
+        </a:xfrm>
+      </p:grpSpPr>
+      <p:sp>
+        <p:nvSpPr>
+          <p:cNvPr id="2" name="Title 1"/>
+          <p:cNvSpPr>
+            <a:spLocks noGrp="1"/>
+          </p:cNvSpPr>
+          <p:nvPr>
+            <p:ph type="title"/>
+          </p:nvPr>
+        </p:nvSpPr>
+        <p:spPr>
+          <a:xfrm>
+            <a:off x="284309" y="205979"/>
+            <a:ext cx="8552330" cy="662317"/>
+          </a:xfrm>
+        </p:spPr>
+        <p:txBody>
+          <a:bodyPr/>
+          <a:lstStyle/>
+          <a:p>
+            <a:pPr lvl="0" indent="0" marL="0">
+              <a:buNone/>
+            </a:pPr>
+            <a:r>
+              <a:rPr/>
+              <a:t>My Atrium Patient Portal</a:t>
+            </a:r>
+          </a:p>
+        </p:txBody>
+      </p:sp>
+      <p:sp>
+        <p:nvSpPr>
+          <p:cNvPr id="3" name="Content Placeholder 2"/>
+          <p:cNvSpPr>
+            <a:spLocks noGrp="1"/>
+          </p:cNvSpPr>
+          <p:nvPr>
+            <p:ph idx="1"/>
+          </p:nvPr>
+        </p:nvSpPr>
+        <p:spPr/>
+        <p:txBody>
+          <a:bodyPr/>
+          <a:lstStyle/>
+          <a:p>
+            <a:pPr lvl="0"/>
+            <a:r>
+              <a:rPr/>
+              <a:t>Critical to good communication with your care team</a:t>
+            </a:r>
+          </a:p>
+          <a:p>
+            <a:pPr lvl="0"/>
+            <a:r>
+              <a:rPr/>
+              <a:t>Available for desktop or laptop or phone</a:t>
+            </a:r>
+          </a:p>
+          <a:p>
+            <a:pPr lvl="0"/>
+            <a:r>
+              <a:rPr/>
+              <a:t>Sign up at my.atriumhealth.org</a:t>
+            </a:r>
+          </a:p>
+        </p:txBody>
+      </p:sp>
+    </p:spTree>
+  </p:cSld>
+</p:sld>
+</file>
+
+<file path=ppt/slides/slide29.xml><?xml version="1.0" encoding="utf-8"?>
+<p:sld xmlns:a="http://schemas.openxmlformats.org/drawingml/2006/main" xmlns:r="http://schemas.openxmlformats.org/officeDocument/2006/relationships" xmlns:p="http://schemas.openxmlformats.org/presentationml/2006/main">
+  <p:cSld>
+    <p:spTree>
+      <p:nvGrpSpPr>
+        <p:cNvPr id="1" name=""/>
+        <p:cNvGrpSpPr/>
+        <p:nvPr/>
+      </p:nvGrpSpPr>
+      <p:grpSpPr>
+        <a:xfrm>
+          <a:off x="0" y="0"/>
+          <a:ext cx="0" cy="0"/>
+          <a:chOff x="0" y="0"/>
+          <a:chExt cx="0" cy="0"/>
+        </a:xfrm>
+      </p:grpSpPr>
+      <p:sp>
+        <p:nvSpPr>
+          <p:cNvPr id="2" name="Title 1"/>
+          <p:cNvSpPr>
+            <a:spLocks noGrp="1"/>
+          </p:cNvSpPr>
+          <p:nvPr>
+            <p:ph type="title"/>
+          </p:nvPr>
+        </p:nvSpPr>
+        <p:spPr>
+          <a:xfrm>
+            <a:off x="284309" y="205979"/>
+            <a:ext cx="8552330" cy="662317"/>
+          </a:xfrm>
+        </p:spPr>
+        <p:txBody>
+          <a:bodyPr/>
+          <a:lstStyle/>
+          <a:p>
+            <a:pPr lvl="0" indent="0" marL="0">
+              <a:buNone/>
+            </a:pPr>
+            <a:r>
+              <a:rPr/>
+              <a:t>Exercise</a:t>
+            </a:r>
+          </a:p>
+        </p:txBody>
+      </p:sp>
+      <p:sp>
+        <p:nvSpPr>
+          <p:cNvPr id="3" name="Content Placeholder 2"/>
+          <p:cNvSpPr>
+            <a:spLocks noGrp="1"/>
+          </p:cNvSpPr>
+          <p:nvPr>
+            <p:ph idx="1"/>
+          </p:nvPr>
+        </p:nvSpPr>
+        <p:spPr/>
+        <p:txBody>
+          <a:bodyPr/>
+          <a:lstStyle/>
+          <a:p>
+            <a:pPr lvl="0"/>
+            <a:r>
+              <a:rPr/>
+              <a:t>Reduces risk of complications from treatment</a:t>
+            </a:r>
+          </a:p>
+          <a:p>
+            <a:pPr lvl="0"/>
+            <a:r>
+              <a:rPr/>
+              <a:t>Goal is 30min/day of vigorous exercise 6 days/wk</a:t>
             </a:r>
           </a:p>
           <a:p>
             <a:pPr lvl="1"/>
             <a:r>
               <a:rPr/>
-              <a:t>Increases risk of complications after surgery</a:t>
-            </a:r>
-          </a:p>
-          <a:p>
-            <a:pPr lvl="0"/>
-            <a:r>
-              <a:rPr/>
-              <a:t>Options for help with smoking cessation:</a:t>
+              <a:t>Working hard enough that you can’t converse</a:t>
             </a:r>
           </a:p>
           <a:p>
             <a:pPr lvl="1"/>
             <a:r>
               <a:rPr/>
-              <a:t>NC Quit Line 1-800-QUIT-NOW (1-800-784-8669)</a:t>
+              <a:t>Start slowly and build up</a:t>
             </a:r>
           </a:p>
           <a:p>
             <a:pPr lvl="1"/>
             <a:r>
               <a:rPr/>
-              <a:t>American Lung Assn www.freedomfromsmoking.org</a:t>
-            </a:r>
-          </a:p>
-          <a:p>
-            <a:pPr lvl="1"/>
-            <a:r>
-              <a:rPr/>
-              <a:t>Smoking Cessation Counseling (Metro Charlotte)</a:t>
-            </a:r>
-          </a:p>
-          <a:p>
-            <a:pPr lvl="0" indent="0" marL="0">
-              <a:buNone/>
-            </a:pPr>
-            <a:r>
-              <a:rPr>
-                <a:hlinkClick r:id="rId2"/>
-              </a:rPr>
-              <a:t>Gastrectomy Slideshow</a:t>
+              <a:t>Every day counts! (Aim for daily activity)</a:t>
             </a:r>
           </a:p>
         </p:txBody>
@@ -5578,6 +6055,116 @@
 </p:sld>
 </file>
 
+<file path=ppt/slides/slide30.xml><?xml version="1.0" encoding="utf-8"?>
+<p:sld xmlns:a="http://schemas.openxmlformats.org/drawingml/2006/main" xmlns:r="http://schemas.openxmlformats.org/officeDocument/2006/relationships" xmlns:p="http://schemas.openxmlformats.org/presentationml/2006/main">
+  <p:cSld>
+    <p:spTree>
+      <p:nvGrpSpPr>
+        <p:cNvPr id="1" name=""/>
+        <p:cNvGrpSpPr/>
+        <p:nvPr/>
+      </p:nvGrpSpPr>
+      <p:grpSpPr>
+        <a:xfrm>
+          <a:off x="0" y="0"/>
+          <a:ext cx="0" cy="0"/>
+          <a:chOff x="0" y="0"/>
+          <a:chExt cx="0" cy="0"/>
+        </a:xfrm>
+      </p:grpSpPr>
+      <p:sp>
+        <p:nvSpPr>
+          <p:cNvPr id="2" name="Title 1"/>
+          <p:cNvSpPr>
+            <a:spLocks noGrp="1"/>
+          </p:cNvSpPr>
+          <p:nvPr>
+            <p:ph type="title"/>
+          </p:nvPr>
+        </p:nvSpPr>
+        <p:spPr>
+          <a:xfrm>
+            <a:off x="284309" y="205979"/>
+            <a:ext cx="8552330" cy="662317"/>
+          </a:xfrm>
+        </p:spPr>
+        <p:txBody>
+          <a:bodyPr/>
+          <a:lstStyle/>
+          <a:p>
+            <a:pPr lvl="0" indent="0" marL="0">
+              <a:buNone/>
+            </a:pPr>
+            <a:r>
+              <a:rPr/>
+              <a:t>Smoking Cessation</a:t>
+            </a:r>
+          </a:p>
+        </p:txBody>
+      </p:sp>
+      <p:sp>
+        <p:nvSpPr>
+          <p:cNvPr id="3" name="Content Placeholder 2"/>
+          <p:cNvSpPr>
+            <a:spLocks noGrp="1"/>
+          </p:cNvSpPr>
+          <p:nvPr>
+            <p:ph idx="1"/>
+          </p:nvPr>
+        </p:nvSpPr>
+        <p:spPr/>
+        <p:txBody>
+          <a:bodyPr/>
+          <a:lstStyle/>
+          <a:p>
+            <a:pPr lvl="0"/>
+            <a:r>
+              <a:rPr/>
+              <a:t>Smoking makes cancer treatment more difficult</a:t>
+            </a:r>
+          </a:p>
+          <a:p>
+            <a:pPr lvl="1"/>
+            <a:r>
+              <a:rPr/>
+              <a:t>Increases risk of complications after surgery</a:t>
+            </a:r>
+          </a:p>
+          <a:p>
+            <a:pPr lvl="0"/>
+            <a:r>
+              <a:rPr/>
+              <a:t>Options for help with smoking cessation:</a:t>
+            </a:r>
+          </a:p>
+          <a:p>
+            <a:pPr lvl="1"/>
+            <a:r>
+              <a:rPr/>
+              <a:t>NC Quit Line 1-800-QUIT-NOW (1-800-784-8669)</a:t>
+            </a:r>
+          </a:p>
+          <a:p>
+            <a:pPr lvl="1"/>
+            <a:r>
+              <a:rPr/>
+              <a:t>American Lung Assn www.freedomfromsmoking.org</a:t>
+            </a:r>
+          </a:p>
+          <a:p>
+            <a:pPr lvl="1"/>
+            <a:r>
+              <a:rPr/>
+              <a:t>Smoking Cessation Counseling (Metro Charlotte)</a:t>
+            </a:r>
+          </a:p>
+        </p:txBody>
+      </p:sp>
+    </p:spTree>
+  </p:cSld>
+</p:sld>
+</file>
+
 <file path=ppt/slides/slide4.xml><?xml version="1.0" encoding="utf-8"?>
 <p:sld xmlns:a="http://schemas.openxmlformats.org/drawingml/2006/main" xmlns:r="http://schemas.openxmlformats.org/officeDocument/2006/relationships" xmlns:p="http://schemas.openxmlformats.org/presentationml/2006/main">
   <p:cSld>
@@ -5741,21 +6328,21 @@
             <a:pPr lvl="0"/>
             <a:r>
               <a:rPr/>
-              <a:t>Gleevec pills after surgery for patients at high risk of recurrence</a:t>
-            </a:r>
-          </a:p>
-          <a:p>
-            <a:pPr lvl="1"/>
-            <a:r>
-              <a:rPr/>
-              <a:t>1 to 3 years depending upon risk</a:t>
-            </a:r>
-          </a:p>
-          <a:p>
-            <a:pPr lvl="0"/>
-            <a:r>
-              <a:rPr/>
-              <a:t>Large tumors treated with Gleevec before surgery</a:t>
+              <a:t>Risk of recurrence determined by pathology</a:t>
+            </a:r>
+          </a:p>
+          <a:p>
+            <a:pPr lvl="0"/>
+            <a:r>
+              <a:rPr/>
+              <a:t>Size of tumor</a:t>
+            </a:r>
+          </a:p>
+          <a:p>
+            <a:pPr lvl="0"/>
+            <a:r>
+              <a:rPr/>
+              <a:t>Mitotic rate = how rapidly tumor is dividing</a:t>
             </a:r>
           </a:p>
         </p:txBody>
@@ -5794,8 +6381,8 @@
         </p:nvSpPr>
         <p:spPr>
           <a:xfrm>
-            <a:off x="315045" y="205979"/>
-            <a:ext cx="8529278" cy="857250"/>
+            <a:off x="284309" y="205979"/>
+            <a:ext cx="8552330" cy="662317"/>
           </a:xfrm>
         </p:spPr>
         <p:txBody>
@@ -5807,7 +6394,7 @@
             </a:pPr>
             <a:r>
               <a:rPr/>
-              <a:t>Patial Gastrectomy</a:t>
+              <a:t>Imatinib = Gleevec</a:t>
             </a:r>
           </a:p>
         </p:txBody>
@@ -5819,7 +6406,7 @@
             <a:spLocks noGrp="1"/>
           </p:cNvSpPr>
           <p:nvPr>
-            <p:ph idx="1" sz="half"/>
+            <p:ph idx="1"/>
           </p:nvPr>
         </p:nvSpPr>
         <p:spPr/>
@@ -5827,48 +6414,58 @@
           <a:bodyPr/>
           <a:lstStyle/>
           <a:p>
-            <a:pPr lvl="0" indent="0" marL="0">
-              <a:buNone/>
-            </a:pPr>
-            <a:br/>
-            <a:br/>
-            <a:r>
-              <a:rPr/>
-              <a:t>GI Stromal Tumor can come in a variety of sizes</a:t>
-            </a:r>
-          </a:p>
-        </p:txBody>
-      </p:sp>
-      <p:pic>
-        <p:nvPicPr>
-          <p:cNvPr descr="https://deidt7p41jzcy.cloudfront.net/gast_distal_tumor.png" id="0" name="Picture 1"/>
-          <p:cNvPicPr>
-            <a:picLocks noGrp="1" noChangeAspect="1"/>
-          </p:cNvPicPr>
-          <p:nvPr/>
-        </p:nvPicPr>
-        <p:blipFill>
-          <a:blip r:embed="rId2"/>
-          <a:stretch>
-            <a:fillRect/>
-          </a:stretch>
-        </p:blipFill>
-        <p:spPr bwMode="auto">
-          <a:xfrm>
-            <a:off x="5283200" y="1193800"/>
-            <a:ext cx="2882900" cy="3733800"/>
-          </a:xfrm>
-          <a:prstGeom prst="rect">
-            <a:avLst/>
-          </a:prstGeom>
-          <a:noFill/>
-          <a:ln w="9525">
-            <a:noFill/>
-            <a:headEnd/>
-            <a:tailEnd/>
-          </a:ln>
-        </p:spPr>
-      </p:pic>
+            <a:pPr lvl="0"/>
+            <a:r>
+              <a:rPr/>
+              <a:t>Oral drug shrinks GIST tumors</a:t>
+            </a:r>
+          </a:p>
+          <a:p>
+            <a:pPr lvl="0"/>
+            <a:r>
+              <a:rPr/>
+              <a:t>Well tolerated</a:t>
+            </a:r>
+          </a:p>
+          <a:p>
+            <a:pPr lvl="0"/>
+            <a:r>
+              <a:rPr/>
+              <a:t>Given </a:t>
+            </a:r>
+            <a:r>
+              <a:rPr i="1"/>
+              <a:t>after</a:t>
+            </a:r>
+            <a:r>
+              <a:rPr/>
+              <a:t> surgery for high-risk tumors</a:t>
+            </a:r>
+          </a:p>
+          <a:p>
+            <a:pPr lvl="1"/>
+            <a:r>
+              <a:rPr/>
+              <a:t>1 or 3 years depending upon risk</a:t>
+            </a:r>
+          </a:p>
+          <a:p>
+            <a:pPr lvl="0"/>
+            <a:r>
+              <a:rPr/>
+              <a:t>Given </a:t>
+            </a:r>
+            <a:r>
+              <a:rPr i="1"/>
+              <a:t>before</a:t>
+            </a:r>
+            <a:r>
+              <a:rPr/>
+              <a:t> surgery for large tumors</a:t>
+            </a:r>
+          </a:p>
+        </p:txBody>
+      </p:sp>
     </p:spTree>
   </p:cSld>
 </p:sld>
@@ -5903,8 +6500,8 @@
         </p:nvSpPr>
         <p:spPr>
           <a:xfrm>
-            <a:off x="315045" y="205979"/>
-            <a:ext cx="8529278" cy="857250"/>
+            <a:off x="284309" y="205979"/>
+            <a:ext cx="8552330" cy="662317"/>
           </a:xfrm>
         </p:spPr>
         <p:txBody>
@@ -5916,7 +6513,7 @@
             </a:pPr>
             <a:r>
               <a:rPr/>
-              <a:t>Partial Gastrectomy</a:t>
+              <a:t>Stomach Cancer Surgery Goals</a:t>
             </a:r>
           </a:p>
         </p:txBody>
@@ -5928,7 +6525,7 @@
             <a:spLocks noGrp="1"/>
           </p:cNvSpPr>
           <p:nvPr>
-            <p:ph idx="1" sz="half"/>
+            <p:ph idx="1"/>
           </p:nvPr>
         </p:nvSpPr>
         <p:spPr/>
@@ -5939,61 +6536,50 @@
             <a:pPr lvl="0" indent="0" marL="0">
               <a:buNone/>
             </a:pPr>
-            <a:br/>
-          </a:p>
-          <a:p>
-            <a:pPr lvl="0"/>
-            <a:r>
-              <a:rPr/>
-              <a:t>Tumor removed from wall</a:t>
-            </a:r>
-          </a:p>
-          <a:p>
-            <a:pPr lvl="0"/>
-            <a:r>
-              <a:rPr/>
-              <a:t>Stomach wall closed</a:t>
-            </a:r>
-          </a:p>
-          <a:p>
-            <a:pPr lvl="0"/>
-            <a:r>
-              <a:rPr/>
-              <a:t>Lymph nodes not removed</a:t>
-            </a:r>
-          </a:p>
-        </p:txBody>
-      </p:sp>
-      <p:pic>
-        <p:nvPicPr>
-          <p:cNvPr descr="https://deidt7p41jzcy.cloudfront.net/gast_partial.png" id="0" name="Picture 1"/>
-          <p:cNvPicPr>
-            <a:picLocks noGrp="1" noChangeAspect="1"/>
-          </p:cNvPicPr>
-          <p:nvPr/>
-        </p:nvPicPr>
-        <p:blipFill>
-          <a:blip r:embed="rId2"/>
-          <a:stretch>
-            <a:fillRect/>
-          </a:stretch>
-        </p:blipFill>
-        <p:spPr bwMode="auto">
-          <a:xfrm>
-            <a:off x="5283200" y="1193800"/>
-            <a:ext cx="2882900" cy="3733800"/>
-          </a:xfrm>
-          <a:prstGeom prst="rect">
-            <a:avLst/>
-          </a:prstGeom>
-          <a:noFill/>
-          <a:ln w="9525">
-            <a:noFill/>
-            <a:headEnd/>
-            <a:tailEnd/>
-          </a:ln>
-        </p:spPr>
-      </p:pic>
+            <a:r>
+              <a:rPr/>
+              <a:t>Staging refers to the tests to determine</a:t>
+            </a:r>
+          </a:p>
+          <a:p>
+            <a:pPr lvl="0"/>
+            <a:r>
+              <a:rPr/>
+              <a:t>Remove the tumor</a:t>
+            </a:r>
+          </a:p>
+          <a:p>
+            <a:pPr lvl="0"/>
+            <a:r>
+              <a:rPr/>
+              <a:t>Remove lymph nodes (depends upon tumor type)</a:t>
+            </a:r>
+          </a:p>
+          <a:p>
+            <a:pPr lvl="0"/>
+            <a:r>
+              <a:rPr/>
+              <a:t>Preserve stomach function</a:t>
+            </a:r>
+          </a:p>
+          <a:p>
+            <a:pPr lvl="0"/>
+            <a:r>
+              <a:rPr/>
+              <a:t>Reconstruct GI tract</a:t>
+            </a:r>
+          </a:p>
+          <a:p>
+            <a:pPr lvl="0" indent="0" marL="0">
+              <a:buNone/>
+            </a:pPr>
+            <a:r>
+              <a:rPr b="1"/>
+              <a:t>Treatment options depend upon the cancer stage</a:t>
+            </a:r>
+          </a:p>
+        </p:txBody>
+      </p:sp>
     </p:spTree>
   </p:cSld>
 </p:sld>
@@ -6041,7 +6627,34 @@
             </a:pPr>
             <a:r>
               <a:rPr/>
-              <a:t>Partial Gastrectomy</a:t>
+              <a:t>Distal Cancers</a:t>
+            </a:r>
+          </a:p>
+        </p:txBody>
+      </p:sp>
+      <p:sp>
+        <p:nvSpPr>
+          <p:cNvPr id="3" name="Content Placeholder 2"/>
+          <p:cNvSpPr>
+            <a:spLocks noGrp="1"/>
+          </p:cNvSpPr>
+          <p:nvPr>
+            <p:ph idx="1" sz="half"/>
+          </p:nvPr>
+        </p:nvSpPr>
+        <p:spPr/>
+        <p:txBody>
+          <a:bodyPr/>
+          <a:lstStyle/>
+          <a:p>
+            <a:pPr lvl="0" indent="0" marL="0">
+              <a:buNone/>
+            </a:pPr>
+            <a:br/>
+            <a:br/>
+            <a:r>
+              <a:rPr/>
+              <a:t>Distal cancers are those in the lower part of the stomach</a:t>
             </a:r>
           </a:p>
         </p:txBody>
@@ -6056,36 +6669,6 @@
         </p:nvPicPr>
         <p:blipFill>
           <a:blip r:embed="rId2"/>
-          <a:stretch>
-            <a:fillRect/>
-          </a:stretch>
-        </p:blipFill>
-        <p:spPr bwMode="auto">
-          <a:xfrm>
-            <a:off x="952500" y="1193800"/>
-            <a:ext cx="2882900" cy="3733800"/>
-          </a:xfrm>
-          <a:prstGeom prst="rect">
-            <a:avLst/>
-          </a:prstGeom>
-          <a:noFill/>
-          <a:ln w="9525">
-            <a:noFill/>
-            <a:headEnd/>
-            <a:tailEnd/>
-          </a:ln>
-        </p:spPr>
-      </p:pic>
-      <p:pic>
-        <p:nvPicPr>
-          <p:cNvPr descr="https://deidt7p41jzcy.cloudfront.net/gast_partial.png" id="0" name="Picture 1"/>
-          <p:cNvPicPr>
-            <a:picLocks noGrp="1" noChangeAspect="1"/>
-          </p:cNvPicPr>
-          <p:nvPr/>
-        </p:nvPicPr>
-        <p:blipFill>
-          <a:blip r:embed="rId3"/>
           <a:stretch>
             <a:fillRect/>
           </a:stretch>
@@ -6153,7 +6736,7 @@
             </a:pPr>
             <a:r>
               <a:rPr/>
-              <a:t>Risks of Partial Gastrectomy</a:t>
+              <a:t>Partial Gastrectomy</a:t>
             </a:r>
           </a:p>
         </p:txBody>
@@ -6182,21 +6765,35 @@
             <a:pPr lvl="0"/>
             <a:r>
               <a:rPr/>
-              <a:t>Leakage from closure of wall</a:t>
-            </a:r>
-          </a:p>
-          <a:p>
-            <a:pPr lvl="0"/>
-            <a:r>
-              <a:rPr/>
-              <a:t>Bleeding requiring return to surgery</a:t>
-            </a:r>
-          </a:p>
-          <a:p>
-            <a:pPr lvl="0"/>
-            <a:r>
-              <a:rPr/>
-              <a:t>Delayed stomach emptying</a:t>
+              <a:t>Removes the tumor</a:t>
+            </a:r>
+          </a:p>
+          <a:p>
+            <a:pPr lvl="0"/>
+            <a:r>
+              <a:rPr/>
+              <a:t>Lymph nodes not removed</a:t>
+            </a:r>
+          </a:p>
+          <a:p>
+            <a:pPr lvl="0"/>
+            <a:r>
+              <a:rPr/>
+              <a:t>Best suited for:</a:t>
+            </a:r>
+          </a:p>
+          <a:p>
+            <a:pPr lvl="1"/>
+            <a:r>
+              <a:rPr/>
+              <a:t>Small adenocarcinoma</a:t>
+            </a:r>
+          </a:p>
+          <a:p>
+            <a:pPr lvl="1"/>
+            <a:r>
+              <a:rPr/>
+              <a:t>GI Stromal Tumors</a:t>
             </a:r>
           </a:p>
         </p:txBody>

--- a/lci_gist.pptx
+++ b/lci_gist.pptx
@@ -3247,8 +3247,8 @@
         <a:spcBef>
           <a:spcPct val="20000"/>
         </a:spcBef>
-        <a:buFont typeface="Arial"/>
-        <a:buChar char="–"/>
+        <a:buFont charset="0" panose="020B0604020202020204" pitchFamily="34" typeface="Arial"/>
+        <a:buChar char="•"/>
         <a:defRPr baseline="0" kern="1200" sz="2400">
           <a:solidFill>
             <a:schemeClr val="tx1"/>

--- a/lci_gist.pptx
+++ b/lci_gist.pptx
@@ -6207,7 +6207,7 @@
             </a:pPr>
             <a:r>
               <a:rPr/>
-              <a:t>Benign or Malignant?</a:t>
+              <a:t>GIST: Benign or Malignant?</a:t>
             </a:r>
           </a:p>
         </p:txBody>

--- a/lci_gist.pptx
+++ b/lci_gist.pptx
@@ -5362,7 +5362,7 @@
       </p:sp>
       <p:pic>
         <p:nvPicPr>
-          <p:cNvPr descr="https://deidt7p41jzcy.cloudfront.net/Eso_Laparoscopy.png" id="0" name="Picture 1"/>
+          <p:cNvPr descr="images/Eso_Laparoscopy.png" id="0" name="Picture 1"/>
           <p:cNvPicPr>
             <a:picLocks noGrp="1" noChangeAspect="1"/>
           </p:cNvPicPr>
@@ -5488,7 +5488,7 @@
       </p:sp>
       <p:pic>
         <p:nvPicPr>
-          <p:cNvPr descr="https://deidt7p41jzcy.cloudfront.net/Eso_Laparoscopy.png" id="0" name="Picture 1"/>
+          <p:cNvPr descr="images/Eso_Laparoscopy.png" id="0" name="Picture 1"/>
           <p:cNvPicPr>
             <a:picLocks noGrp="1" noChangeAspect="1"/>
           </p:cNvPicPr>

--- a/lci_gist.pptx
+++ b/lci_gist.pptx
@@ -3608,7 +3608,7 @@
       </p:sp>
       <p:pic>
         <p:nvPicPr>
-          <p:cNvPr descr="https://deidt7p41jzcy.cloudfront.net/gast_distal_tumor.png" id="0" name="Picture 1"/>
+          <p:cNvPr descr="images/gast_distal_tumor.png" id="0" name="Picture 1"/>
           <p:cNvPicPr>
             <a:picLocks noGrp="1" noChangeAspect="1"/>
           </p:cNvPicPr>
@@ -3638,7 +3638,7 @@
       </p:pic>
       <p:pic>
         <p:nvPicPr>
-          <p:cNvPr descr="https://deidt7p41jzcy.cloudfront.net/gast_partial.png" id="0" name="Picture 1"/>
+          <p:cNvPr descr="images/gast_partial.png" id="0" name="Picture 1"/>
           <p:cNvPicPr>
             <a:picLocks noGrp="1" noChangeAspect="1"/>
           </p:cNvPicPr>
@@ -3750,7 +3750,7 @@
       </p:sp>
       <p:pic>
         <p:nvPicPr>
-          <p:cNvPr descr="https://deidt7p41jzcy.cloudfront.net/gast_distal_gastrectomy.png" id="0" name="Picture 1"/>
+          <p:cNvPr descr="images/gast_distal_gastrectomy.png" id="0" name="Picture 1"/>
           <p:cNvPicPr>
             <a:picLocks noGrp="1" noChangeAspect="1"/>
           </p:cNvPicPr>
@@ -3832,7 +3832,7 @@
       </p:sp>
       <p:pic>
         <p:nvPicPr>
-          <p:cNvPr descr="https://deidt7p41jzcy.cloudfront.net/gast_distal_tumor.png" id="0" name="Picture 1"/>
+          <p:cNvPr descr="images/gast_distal_tumor.png" id="0" name="Picture 1"/>
           <p:cNvPicPr>
             <a:picLocks noGrp="1" noChangeAspect="1"/>
           </p:cNvPicPr>
@@ -3862,7 +3862,7 @@
       </p:pic>
       <p:pic>
         <p:nvPicPr>
-          <p:cNvPr descr="https://deidt7p41jzcy.cloudfront.net/gast_distal_gastrectomy.png" id="0" name="Picture 1"/>
+          <p:cNvPr descr="images/gast_distal_gastrectomy.png" id="0" name="Picture 1"/>
           <p:cNvPicPr>
             <a:picLocks noGrp="1" noChangeAspect="1"/>
           </p:cNvPicPr>
@@ -3971,7 +3971,7 @@
       </p:sp>
       <p:pic>
         <p:nvPicPr>
-          <p:cNvPr descr="https://deidt7p41jzcy.cloudfront.net/gast_body.png" id="0" name="Picture 1"/>
+          <p:cNvPr descr="images/gast_body.png" id="0" name="Picture 1"/>
           <p:cNvPicPr>
             <a:picLocks noGrp="1" noChangeAspect="1"/>
           </p:cNvPicPr>
@@ -4090,7 +4090,7 @@
       </p:sp>
       <p:pic>
         <p:nvPicPr>
-          <p:cNvPr descr="https://deidt7p41jzcy.cloudfront.net/gast_subtotal.png" id="0" name="Picture 1"/>
+          <p:cNvPr descr="images/gast_subtotal.png" id="0" name="Picture 1"/>
           <p:cNvPicPr>
             <a:picLocks noGrp="1" noChangeAspect="1"/>
           </p:cNvPicPr>
@@ -4172,7 +4172,7 @@
       </p:sp>
       <p:pic>
         <p:nvPicPr>
-          <p:cNvPr descr="https://deidt7p41jzcy.cloudfront.net/gast_body.png" id="0" name="Picture 1"/>
+          <p:cNvPr descr="images/gast_body.png" id="0" name="Picture 1"/>
           <p:cNvPicPr>
             <a:picLocks noGrp="1" noChangeAspect="1"/>
           </p:cNvPicPr>
@@ -4202,7 +4202,7 @@
       </p:pic>
       <p:pic>
         <p:nvPicPr>
-          <p:cNvPr descr="https://deidt7p41jzcy.cloudfront.net/gast_subtotal.png" id="0" name="Picture 1"/>
+          <p:cNvPr descr="images/gast_subtotal.png" id="0" name="Picture 1"/>
           <p:cNvPicPr>
             <a:picLocks noGrp="1" noChangeAspect="1"/>
           </p:cNvPicPr>
@@ -4320,7 +4320,7 @@
       </p:sp>
       <p:pic>
         <p:nvPicPr>
-          <p:cNvPr descr="https://deidt7p41jzcy.cloudfront.net/gast_proximal_tumor.png" id="0" name="Picture 1"/>
+          <p:cNvPr descr="images/gast_proximal_tumor.png" id="0" name="Picture 1"/>
           <p:cNvPicPr>
             <a:picLocks noGrp="1" noChangeAspect="1"/>
           </p:cNvPicPr>
@@ -4439,7 +4439,7 @@
       </p:sp>
       <p:pic>
         <p:nvPicPr>
-          <p:cNvPr descr="https://deidt7p41jzcy.cloudfront.net/gast_total.png" id="0" name="Picture 1"/>
+          <p:cNvPr descr="images/gast_total.png" id="0" name="Picture 1"/>
           <p:cNvPicPr>
             <a:picLocks noGrp="1" noChangeAspect="1"/>
           </p:cNvPicPr>
@@ -4521,7 +4521,7 @@
       </p:sp>
       <p:pic>
         <p:nvPicPr>
-          <p:cNvPr descr="https://deidt7p41jzcy.cloudfront.net/gast_proximal_tumor.png" id="0" name="Picture 1"/>
+          <p:cNvPr descr="images/gast_proximal_tumor.png" id="0" name="Picture 1"/>
           <p:cNvPicPr>
             <a:picLocks noGrp="1" noChangeAspect="1"/>
           </p:cNvPicPr>
@@ -4551,7 +4551,7 @@
       </p:pic>
       <p:pic>
         <p:nvPicPr>
-          <p:cNvPr descr="https://deidt7p41jzcy.cloudfront.net/gast_total.png" id="0" name="Picture 1"/>
+          <p:cNvPr descr="images/gast_total.png" id="0" name="Picture 1"/>
           <p:cNvPicPr>
             <a:picLocks noGrp="1" noChangeAspect="1"/>
           </p:cNvPicPr>
@@ -4670,7 +4670,7 @@
       </p:sp>
       <p:pic>
         <p:nvPicPr>
-          <p:cNvPr descr="https://deidt7p41jzcy.cloudfront.net/Eso_tumor00_resection2_1600.png" id="0" name="Picture 1"/>
+          <p:cNvPr descr="images/Eso_tumor00_resection2_1600.png" id="0" name="Picture 1"/>
           <p:cNvPicPr>
             <a:picLocks noGrp="1" noChangeAspect="1"/>
           </p:cNvPicPr>
@@ -4891,7 +4891,7 @@
       </p:sp>
       <p:pic>
         <p:nvPicPr>
-          <p:cNvPr descr="https://deidt7p41jzcy.cloudfront.net/ivor_lewis_simple2_900.png" id="0" name="Picture 1"/>
+          <p:cNvPr descr="images/ivor_lewis_simple2_900.png" id="0" name="Picture 1"/>
           <p:cNvPicPr>
             <a:picLocks noGrp="1" noChangeAspect="1"/>
           </p:cNvPicPr>
@@ -5016,7 +5016,7 @@
       </p:sp>
       <p:pic>
         <p:nvPicPr>
-          <p:cNvPr descr="https://deidt7p41jzcy.cloudfront.net/ivor_lewis_simple2.png" id="0" name="Picture 1"/>
+          <p:cNvPr descr="images/ivor_lewis_simple2.png" id="0" name="Picture 1"/>
           <p:cNvPicPr>
             <a:picLocks noGrp="1" noChangeAspect="1"/>
           </p:cNvPicPr>
@@ -5131,7 +5131,7 @@
       </p:sp>
       <p:pic>
         <p:nvPicPr>
-          <p:cNvPr descr="https://deidt7p41jzcy.cloudfront.net/gast_dualtract.png" id="0" name="Picture 1"/>
+          <p:cNvPr descr="images/gast_dualtract.png" id="0" name="Picture 1"/>
           <p:cNvPicPr>
             <a:picLocks noGrp="1" noChangeAspect="1"/>
           </p:cNvPicPr>
@@ -5213,7 +5213,7 @@
       </p:sp>
       <p:pic>
         <p:nvPicPr>
-          <p:cNvPr descr="https://deidt7p41jzcy.cloudfront.net/gast_proximal_tumor.png" id="0" name="Picture 1"/>
+          <p:cNvPr descr="images/gast_proximal_tumor.png" id="0" name="Picture 1"/>
           <p:cNvPicPr>
             <a:picLocks noGrp="1" noChangeAspect="1"/>
           </p:cNvPicPr>
@@ -5243,7 +5243,7 @@
       </p:pic>
       <p:pic>
         <p:nvPicPr>
-          <p:cNvPr descr="https://deidt7p41jzcy.cloudfront.net/gast_dualtract.png" id="0" name="Picture 1"/>
+          <p:cNvPr descr="images/gast_dualtract.png" id="0" name="Picture 1"/>
           <p:cNvPicPr>
             <a:picLocks noGrp="1" noChangeAspect="1"/>
           </p:cNvPicPr>
@@ -6661,7 +6661,7 @@
       </p:sp>
       <p:pic>
         <p:nvPicPr>
-          <p:cNvPr descr="https://deidt7p41jzcy.cloudfront.net/gast_distal_tumor.png" id="0" name="Picture 1"/>
+          <p:cNvPr descr="images/gast_distal_tumor.png" id="0" name="Picture 1"/>
           <p:cNvPicPr>
             <a:picLocks noGrp="1" noChangeAspect="1"/>
           </p:cNvPicPr>
@@ -6800,7 +6800,7 @@
       </p:sp>
       <p:pic>
         <p:nvPicPr>
-          <p:cNvPr descr="https://deidt7p41jzcy.cloudfront.net/gast_partial.png" id="0" name="Picture 1"/>
+          <p:cNvPr descr="images/gast_partial.png" id="0" name="Picture 1"/>
           <p:cNvPicPr>
             <a:picLocks noGrp="1" noChangeAspect="1"/>
           </p:cNvPicPr>

--- a/lci_gist.pptx
+++ b/lci_gist.pptx
@@ -35,6 +35,8 @@
     <p:sldId id="283" r:id="rId29"/>
     <p:sldId id="284" r:id="rId30"/>
     <p:sldId id="285" r:id="rId31"/>
+    <p:sldId id="286" r:id="rId32"/>
+    <p:sldId id="287" r:id="rId33"/>
   </p:sldIdLst>
   <p:sldSz cx="9144000" cy="5143500" type="screen16x9"/>
   <p:notesSz cx="6858000" cy="9144000"/>
@@ -6156,6 +6158,249 @@
             <a:r>
               <a:rPr/>
               <a:t>Smoking Cessation Counseling (Metro Charlotte)</a:t>
+            </a:r>
+          </a:p>
+        </p:txBody>
+      </p:sp>
+    </p:spTree>
+  </p:cSld>
+</p:sld>
+</file>
+
+<file path=ppt/slides/slide31.xml><?xml version="1.0" encoding="utf-8"?>
+<p:sld xmlns:a="http://schemas.openxmlformats.org/drawingml/2006/main" xmlns:r="http://schemas.openxmlformats.org/officeDocument/2006/relationships" xmlns:p="http://schemas.openxmlformats.org/presentationml/2006/main">
+  <p:cSld>
+    <p:spTree>
+      <p:nvGrpSpPr>
+        <p:cNvPr id="1" name=""/>
+        <p:cNvGrpSpPr/>
+        <p:nvPr/>
+      </p:nvGrpSpPr>
+      <p:grpSpPr>
+        <a:xfrm>
+          <a:off x="0" y="0"/>
+          <a:ext cx="0" cy="0"/>
+          <a:chOff x="0" y="0"/>
+          <a:chExt cx="0" cy="0"/>
+        </a:xfrm>
+      </p:grpSpPr>
+      <p:sp>
+        <p:nvSpPr>
+          <p:cNvPr id="2" name="Title 1"/>
+          <p:cNvSpPr>
+            <a:spLocks noGrp="1"/>
+          </p:cNvSpPr>
+          <p:nvPr>
+            <p:ph type="title"/>
+          </p:nvPr>
+        </p:nvSpPr>
+        <p:spPr>
+          <a:xfrm>
+            <a:off x="284309" y="205979"/>
+            <a:ext cx="8552330" cy="662317"/>
+          </a:xfrm>
+        </p:spPr>
+        <p:txBody>
+          <a:bodyPr/>
+          <a:lstStyle/>
+          <a:p>
+            <a:pPr lvl="0" indent="0" marL="0">
+              <a:buNone/>
+            </a:pPr>
+            <a:r>
+              <a:rPr/>
+              <a:t>Team Members - Physicians</a:t>
+            </a:r>
+          </a:p>
+        </p:txBody>
+      </p:sp>
+      <p:sp>
+        <p:nvSpPr>
+          <p:cNvPr id="3" name="Content Placeholder 2"/>
+          <p:cNvSpPr>
+            <a:spLocks noGrp="1"/>
+          </p:cNvSpPr>
+          <p:nvPr>
+            <p:ph idx="1"/>
+          </p:nvPr>
+        </p:nvSpPr>
+        <p:spPr/>
+        <p:txBody>
+          <a:bodyPr/>
+          <a:lstStyle/>
+          <a:p>
+            <a:pPr lvl="0" indent="0" marL="0">
+              <a:buNone/>
+            </a:pPr>
+            <a:r>
+              <a:rPr/>
+              <a:t>Primary Care Provider</a:t>
+            </a:r>
+          </a:p>
+          <a:p>
+            <a:pPr lvl="0" indent="0" marL="0">
+              <a:buNone/>
+            </a:pPr>
+            <a:r>
+              <a:rPr/>
+              <a:t>Gastroenterologist</a:t>
+            </a:r>
+          </a:p>
+          <a:p>
+            <a:pPr lvl="0" indent="0" marL="0">
+              <a:buNone/>
+            </a:pPr>
+            <a:r>
+              <a:rPr/>
+              <a:t>Medical Oncologist (chemotherapy)</a:t>
+            </a:r>
+          </a:p>
+          <a:p>
+            <a:pPr lvl="0" indent="0" marL="0">
+              <a:buNone/>
+            </a:pPr>
+            <a:r>
+              <a:rPr/>
+              <a:t>Radiation Oncologist (radiation)</a:t>
+            </a:r>
+          </a:p>
+          <a:p>
+            <a:pPr lvl="0" indent="0" marL="0">
+              <a:buNone/>
+            </a:pPr>
+            <a:r>
+              <a:rPr/>
+              <a:t>Surgeons</a:t>
+            </a:r>
+          </a:p>
+          <a:p>
+            <a:pPr lvl="0"/>
+            <a:r>
+              <a:rPr/>
+              <a:t>Jonathan Salo MD</a:t>
+            </a:r>
+          </a:p>
+          <a:p>
+            <a:pPr lvl="0"/>
+            <a:r>
+              <a:rPr/>
+              <a:t>Jeffrey Hagen MD</a:t>
+            </a:r>
+          </a:p>
+          <a:p>
+            <a:pPr lvl="0"/>
+            <a:r>
+              <a:rPr/>
+              <a:t>Michael Roach MD</a:t>
+            </a:r>
+          </a:p>
+        </p:txBody>
+      </p:sp>
+    </p:spTree>
+  </p:cSld>
+</p:sld>
+</file>
+
+<file path=ppt/slides/slide32.xml><?xml version="1.0" encoding="utf-8"?>
+<p:sld xmlns:a="http://schemas.openxmlformats.org/drawingml/2006/main" xmlns:r="http://schemas.openxmlformats.org/officeDocument/2006/relationships" xmlns:p="http://schemas.openxmlformats.org/presentationml/2006/main">
+  <p:cSld>
+    <p:spTree>
+      <p:nvGrpSpPr>
+        <p:cNvPr id="1" name=""/>
+        <p:cNvGrpSpPr/>
+        <p:nvPr/>
+      </p:nvGrpSpPr>
+      <p:grpSpPr>
+        <a:xfrm>
+          <a:off x="0" y="0"/>
+          <a:ext cx="0" cy="0"/>
+          <a:chOff x="0" y="0"/>
+          <a:chExt cx="0" cy="0"/>
+        </a:xfrm>
+      </p:grpSpPr>
+      <p:sp>
+        <p:nvSpPr>
+          <p:cNvPr id="2" name="Title 1"/>
+          <p:cNvSpPr>
+            <a:spLocks noGrp="1"/>
+          </p:cNvSpPr>
+          <p:nvPr>
+            <p:ph type="title"/>
+          </p:nvPr>
+        </p:nvSpPr>
+        <p:spPr>
+          <a:xfrm>
+            <a:off x="284309" y="205979"/>
+            <a:ext cx="8552330" cy="662317"/>
+          </a:xfrm>
+        </p:spPr>
+        <p:txBody>
+          <a:bodyPr/>
+          <a:lstStyle/>
+          <a:p>
+            <a:pPr lvl="0" indent="0" marL="0">
+              <a:buNone/>
+            </a:pPr>
+            <a:r>
+              <a:rPr/>
+              <a:t>Team Members - Support Staff</a:t>
+            </a:r>
+          </a:p>
+        </p:txBody>
+      </p:sp>
+      <p:sp>
+        <p:nvSpPr>
+          <p:cNvPr id="3" name="Content Placeholder 2"/>
+          <p:cNvSpPr>
+            <a:spLocks noGrp="1"/>
+          </p:cNvSpPr>
+          <p:nvPr>
+            <p:ph idx="1"/>
+          </p:nvPr>
+        </p:nvSpPr>
+        <p:spPr/>
+        <p:txBody>
+          <a:bodyPr/>
+          <a:lstStyle/>
+          <a:p>
+            <a:pPr lvl="0" indent="0" marL="0">
+              <a:buNone/>
+            </a:pPr>
+            <a:r>
+              <a:rPr/>
+              <a:t>Dietitian - Liz Koch</a:t>
+            </a:r>
+          </a:p>
+          <a:p>
+            <a:pPr lvl="0" indent="0" marL="0">
+              <a:buNone/>
+            </a:pPr>
+            <a:r>
+              <a:rPr/>
+              <a:t>Nurses</a:t>
+            </a:r>
+          </a:p>
+          <a:p>
+            <a:pPr lvl="0"/>
+            <a:r>
+              <a:rPr/>
+              <a:t>Matthew Carpenter RN</a:t>
+            </a:r>
+          </a:p>
+          <a:p>
+            <a:pPr lvl="0"/>
+            <a:r>
+              <a:rPr/>
+              <a:t>Brandon Galloway LPN</a:t>
+            </a:r>
+          </a:p>
+          <a:p>
+            <a:pPr lvl="0" indent="0" marL="0">
+              <a:buNone/>
+            </a:pPr>
+            <a:r>
+              <a:rPr/>
+              <a:t>Navigator - Laura Swift</a:t>
             </a:r>
           </a:p>
         </p:txBody>
